--- a/docs/04-labs/01-git-basics/01-git-basics.pptx
+++ b/docs/04-labs/01-git-basics/01-git-basics.pptx
@@ -1,28 +1,28 @@
 
 <file path=ppt/presentation.xml><?xml version="1.0" encoding="utf-8"?>
-<p:presentation xmlns:a="http://schemas.openxmlformats.org/drawingml/2006/main" xmlns:r="http://schemas.openxmlformats.org/officeDocument/2006/relationships" xmlns:mc="http://schemas.openxmlformats.org/markup-compatibility/2006" xmlns:mv="urn:schemas-microsoft-com:mac:vml" xmlns:p="http://schemas.openxmlformats.org/presentationml/2006/main" xmlns:c="http://schemas.openxmlformats.org/drawingml/2006/chart" xmlns:dgm="http://schemas.openxmlformats.org/drawingml/2006/diagram" xmlns:o="urn:schemas-microsoft-com:office:office" xmlns:v="urn:schemas-microsoft-com:vml" xmlns:pvml="urn:schemas-microsoft-com:office:powerpoint" xmlns:com="http://schemas.openxmlformats.org/drawingml/2006/compatibility" xmlns:p14="http://schemas.microsoft.com/office/powerpoint/2010/main" xmlns:p15="http://schemas.microsoft.com/office/powerpoint/2012/main" xmlns:ahyp="http://schemas.microsoft.com/office/drawing/2018/hyperlinkcolor" autoCompressPictures="0" strictFirstAndLastChars="0" saveSubsetFonts="1">
+<p:presentation xmlns:a="http://schemas.openxmlformats.org/drawingml/2006/main" xmlns:r="http://schemas.openxmlformats.org/officeDocument/2006/relationships" xmlns:p="http://schemas.openxmlformats.org/presentationml/2006/main" strictFirstAndLastChars="0" saveSubsetFonts="1" autoCompressPictures="0">
   <p:sldMasterIdLst>
     <p:sldMasterId id="2147483659" r:id="rId4"/>
   </p:sldMasterIdLst>
   <p:notesMasterIdLst>
-    <p:notesMasterId r:id="rId5"/>
+    <p:notesMasterId r:id="rId15"/>
   </p:notesMasterIdLst>
   <p:sldIdLst>
-    <p:sldId id="256" r:id="rId6"/>
-    <p:sldId id="257" r:id="rId7"/>
-    <p:sldId id="258" r:id="rId8"/>
-    <p:sldId id="259" r:id="rId9"/>
-    <p:sldId id="260" r:id="rId10"/>
-    <p:sldId id="261" r:id="rId11"/>
-    <p:sldId id="262" r:id="rId12"/>
-    <p:sldId id="263" r:id="rId13"/>
-    <p:sldId id="264" r:id="rId14"/>
-    <p:sldId id="265" r:id="rId15"/>
+    <p:sldId id="256" r:id="rId5"/>
+    <p:sldId id="257" r:id="rId6"/>
+    <p:sldId id="258" r:id="rId7"/>
+    <p:sldId id="259" r:id="rId8"/>
+    <p:sldId id="260" r:id="rId9"/>
+    <p:sldId id="261" r:id="rId10"/>
+    <p:sldId id="262" r:id="rId11"/>
+    <p:sldId id="263" r:id="rId12"/>
+    <p:sldId id="264" r:id="rId13"/>
+    <p:sldId id="265" r:id="rId14"/>
   </p:sldIdLst>
-  <p:sldSz cy="5143500" cx="9144000"/>
+  <p:sldSz cx="9144000" cy="5143500" type="screen16x9"/>
   <p:notesSz cx="6858000" cy="9144000"/>
   <p:defaultTextStyle>
-    <a:defPPr lvl="0" marR="0" rtl="0" algn="l">
+    <a:defPPr marR="0" lvl="0" algn="l" rtl="0">
       <a:lnSpc>
         <a:spcPct val="100000"/>
       </a:lnSpc>
@@ -33,7 +33,7 @@
         <a:spcPts val="0"/>
       </a:spcAft>
     </a:defPPr>
-    <a:lvl1pPr lvl="0" marR="0" rtl="0" algn="l">
+    <a:lvl1pPr marR="0" lvl="0" algn="l" rtl="0">
       <a:lnSpc>
         <a:spcPct val="100000"/>
       </a:lnSpc>
@@ -47,7 +47,7 @@
         <a:srgbClr val="000000"/>
       </a:buClr>
       <a:buFont typeface="Arial"/>
-      <a:defRPr b="0" i="0" sz="1400" u="none" cap="none" strike="noStrike">
+      <a:defRPr sz="1400" b="0" i="0" u="none" strike="noStrike" cap="none">
         <a:solidFill>
           <a:srgbClr val="000000"/>
         </a:solidFill>
@@ -57,7 +57,7 @@
         <a:sym typeface="Arial"/>
       </a:defRPr>
     </a:lvl1pPr>
-    <a:lvl2pPr lvl="1" marR="0" rtl="0" algn="l">
+    <a:lvl2pPr marR="0" lvl="1" algn="l" rtl="0">
       <a:lnSpc>
         <a:spcPct val="100000"/>
       </a:lnSpc>
@@ -71,7 +71,7 @@
         <a:srgbClr val="000000"/>
       </a:buClr>
       <a:buFont typeface="Arial"/>
-      <a:defRPr b="0" i="0" sz="1400" u="none" cap="none" strike="noStrike">
+      <a:defRPr sz="1400" b="0" i="0" u="none" strike="noStrike" cap="none">
         <a:solidFill>
           <a:srgbClr val="000000"/>
         </a:solidFill>
@@ -81,7 +81,7 @@
         <a:sym typeface="Arial"/>
       </a:defRPr>
     </a:lvl2pPr>
-    <a:lvl3pPr lvl="2" marR="0" rtl="0" algn="l">
+    <a:lvl3pPr marR="0" lvl="2" algn="l" rtl="0">
       <a:lnSpc>
         <a:spcPct val="100000"/>
       </a:lnSpc>
@@ -95,7 +95,7 @@
         <a:srgbClr val="000000"/>
       </a:buClr>
       <a:buFont typeface="Arial"/>
-      <a:defRPr b="0" i="0" sz="1400" u="none" cap="none" strike="noStrike">
+      <a:defRPr sz="1400" b="0" i="0" u="none" strike="noStrike" cap="none">
         <a:solidFill>
           <a:srgbClr val="000000"/>
         </a:solidFill>
@@ -105,7 +105,7 @@
         <a:sym typeface="Arial"/>
       </a:defRPr>
     </a:lvl3pPr>
-    <a:lvl4pPr lvl="3" marR="0" rtl="0" algn="l">
+    <a:lvl4pPr marR="0" lvl="3" algn="l" rtl="0">
       <a:lnSpc>
         <a:spcPct val="100000"/>
       </a:lnSpc>
@@ -119,7 +119,7 @@
         <a:srgbClr val="000000"/>
       </a:buClr>
       <a:buFont typeface="Arial"/>
-      <a:defRPr b="0" i="0" sz="1400" u="none" cap="none" strike="noStrike">
+      <a:defRPr sz="1400" b="0" i="0" u="none" strike="noStrike" cap="none">
         <a:solidFill>
           <a:srgbClr val="000000"/>
         </a:solidFill>
@@ -129,7 +129,7 @@
         <a:sym typeface="Arial"/>
       </a:defRPr>
     </a:lvl4pPr>
-    <a:lvl5pPr lvl="4" marR="0" rtl="0" algn="l">
+    <a:lvl5pPr marR="0" lvl="4" algn="l" rtl="0">
       <a:lnSpc>
         <a:spcPct val="100000"/>
       </a:lnSpc>
@@ -143,7 +143,7 @@
         <a:srgbClr val="000000"/>
       </a:buClr>
       <a:buFont typeface="Arial"/>
-      <a:defRPr b="0" i="0" sz="1400" u="none" cap="none" strike="noStrike">
+      <a:defRPr sz="1400" b="0" i="0" u="none" strike="noStrike" cap="none">
         <a:solidFill>
           <a:srgbClr val="000000"/>
         </a:solidFill>
@@ -153,7 +153,7 @@
         <a:sym typeface="Arial"/>
       </a:defRPr>
     </a:lvl5pPr>
-    <a:lvl6pPr lvl="5" marR="0" rtl="0" algn="l">
+    <a:lvl6pPr marR="0" lvl="5" algn="l" rtl="0">
       <a:lnSpc>
         <a:spcPct val="100000"/>
       </a:lnSpc>
@@ -167,7 +167,7 @@
         <a:srgbClr val="000000"/>
       </a:buClr>
       <a:buFont typeface="Arial"/>
-      <a:defRPr b="0" i="0" sz="1400" u="none" cap="none" strike="noStrike">
+      <a:defRPr sz="1400" b="0" i="0" u="none" strike="noStrike" cap="none">
         <a:solidFill>
           <a:srgbClr val="000000"/>
         </a:solidFill>
@@ -177,7 +177,7 @@
         <a:sym typeface="Arial"/>
       </a:defRPr>
     </a:lvl6pPr>
-    <a:lvl7pPr lvl="6" marR="0" rtl="0" algn="l">
+    <a:lvl7pPr marR="0" lvl="6" algn="l" rtl="0">
       <a:lnSpc>
         <a:spcPct val="100000"/>
       </a:lnSpc>
@@ -191,7 +191,7 @@
         <a:srgbClr val="000000"/>
       </a:buClr>
       <a:buFont typeface="Arial"/>
-      <a:defRPr b="0" i="0" sz="1400" u="none" cap="none" strike="noStrike">
+      <a:defRPr sz="1400" b="0" i="0" u="none" strike="noStrike" cap="none">
         <a:solidFill>
           <a:srgbClr val="000000"/>
         </a:solidFill>
@@ -201,7 +201,7 @@
         <a:sym typeface="Arial"/>
       </a:defRPr>
     </a:lvl7pPr>
-    <a:lvl8pPr lvl="7" marR="0" rtl="0" algn="l">
+    <a:lvl8pPr marR="0" lvl="7" algn="l" rtl="0">
       <a:lnSpc>
         <a:spcPct val="100000"/>
       </a:lnSpc>
@@ -215,7 +215,7 @@
         <a:srgbClr val="000000"/>
       </a:buClr>
       <a:buFont typeface="Arial"/>
-      <a:defRPr b="0" i="0" sz="1400" u="none" cap="none" strike="noStrike">
+      <a:defRPr sz="1400" b="0" i="0" u="none" strike="noStrike" cap="none">
         <a:solidFill>
           <a:srgbClr val="000000"/>
         </a:solidFill>
@@ -225,7 +225,7 @@
         <a:sym typeface="Arial"/>
       </a:defRPr>
     </a:lvl8pPr>
-    <a:lvl9pPr lvl="8" marR="0" rtl="0" algn="l">
+    <a:lvl9pPr marR="0" lvl="8" algn="l" rtl="0">
       <a:lnSpc>
         <a:spcPct val="100000"/>
       </a:lnSpc>
@@ -239,7 +239,7 @@
         <a:srgbClr val="000000"/>
       </a:buClr>
       <a:buFont typeface="Arial"/>
-      <a:defRPr b="0" i="0" sz="1400" u="none" cap="none" strike="noStrike">
+      <a:defRPr sz="1400" b="0" i="0" u="none" strike="noStrike" cap="none">
         <a:solidFill>
           <a:srgbClr val="000000"/>
         </a:solidFill>
@@ -252,7 +252,7 @@
   </p:defaultTextStyle>
   <p:extLst>
     <p:ext uri="{EFAFB233-063F-42B5-8137-9DF3F51BA10A}">
-      <p15:sldGuideLst>
+      <p15:sldGuideLst xmlns:p15="http://schemas.microsoft.com/office/powerpoint/2012/main">
         <p15:guide id="1" orient="horz" pos="1620">
           <p15:clr>
             <a:srgbClr val="A4A3A4"/>
@@ -269,12 +269,25 @@
 </p:presentation>
 </file>
 
+<file path=ppt/revisionInfo.xml><?xml version="1.0" encoding="utf-8"?>
+<p1510:revInfo xmlns:a="http://schemas.openxmlformats.org/drawingml/2006/main" xmlns:r="http://schemas.openxmlformats.org/officeDocument/2006/relationships" xmlns:p1510="http://schemas.microsoft.com/office/powerpoint/2015/10/main">
+  <p1510:revLst>
+    <p1510:client id="{1902492F-BE3E-4C58-80F9-C6D8AF964107}" v="8" dt="2023-02-10T04:13:11.327"/>
+  </p1510:revLst>
+</p1510:revInfo>
+</file>
+
 <file path=ppt/notesMasters/notesMaster1.xml><?xml version="1.0" encoding="utf-8"?>
-<p:notesMaster xmlns:a="http://schemas.openxmlformats.org/drawingml/2006/main" xmlns:r="http://schemas.openxmlformats.org/officeDocument/2006/relationships" xmlns:mc="http://schemas.openxmlformats.org/markup-compatibility/2006" xmlns:mv="urn:schemas-microsoft-com:mac:vml" xmlns:p="http://schemas.openxmlformats.org/presentationml/2006/main" xmlns:c="http://schemas.openxmlformats.org/drawingml/2006/chart" xmlns:dgm="http://schemas.openxmlformats.org/drawingml/2006/diagram" xmlns:o="urn:schemas-microsoft-com:office:office" xmlns:v="urn:schemas-microsoft-com:vml" xmlns:pvml="urn:schemas-microsoft-com:office:powerpoint" xmlns:com="http://schemas.openxmlformats.org/drawingml/2006/compatibility" xmlns:p14="http://schemas.microsoft.com/office/powerpoint/2010/main" xmlns:p15="http://schemas.microsoft.com/office/powerpoint/2012/main" xmlns:ahyp="http://schemas.microsoft.com/office/drawing/2018/hyperlinkcolor">
+<p:notesMaster xmlns:a="http://schemas.openxmlformats.org/drawingml/2006/main" xmlns:r="http://schemas.openxmlformats.org/officeDocument/2006/relationships" xmlns:p="http://schemas.openxmlformats.org/presentationml/2006/main">
   <p:cSld>
+    <p:bg>
+      <p:bgRef idx="1001">
+        <a:schemeClr val="bg1"/>
+      </p:bgRef>
+    </p:bg>
     <p:spTree>
       <p:nvGrpSpPr>
-        <p:cNvPr id="2" name="Shape 2"/>
+        <p:cNvPr id="1" name="Shape 2"/>
         <p:cNvGrpSpPr/>
         <p:nvPr/>
       </p:nvGrpSpPr>
@@ -289,9 +302,11 @@
       <p:sp>
         <p:nvSpPr>
           <p:cNvPr id="3" name="Google Shape;3;n"/>
-          <p:cNvSpPr/>
+          <p:cNvSpPr>
+            <a:spLocks noGrp="1" noRot="1" noChangeAspect="1"/>
+          </p:cNvSpPr>
           <p:nvPr>
-            <p:ph idx="2" type="sldImg"/>
+            <p:ph type="sldImg" idx="2"/>
           </p:nvPr>
         </p:nvSpPr>
         <p:spPr>
@@ -300,9 +315,13 @@
             <a:ext cx="6096075" cy="3429000"/>
           </a:xfrm>
           <a:custGeom>
-            <a:rect b="b" l="l" r="r" t="t"/>
+            <a:avLst/>
+            <a:gdLst/>
+            <a:ahLst/>
+            <a:cxnLst/>
+            <a:rect l="l" t="t" r="r" b="b"/>
             <a:pathLst>
-              <a:path extrusionOk="0" h="120000" w="120000">
+              <a:path w="120000" h="120000" extrusionOk="0">
                 <a:moveTo>
                   <a:pt x="0" y="0"/>
                 </a:moveTo>
@@ -320,23 +339,25 @@
             </a:pathLst>
           </a:custGeom>
           <a:noFill/>
-          <a:ln cap="flat" cmpd="sng" w="9525">
+          <a:ln w="9525" cap="flat" cmpd="sng">
             <a:solidFill>
               <a:srgbClr val="000000"/>
             </a:solidFill>
             <a:prstDash val="solid"/>
             <a:round/>
-            <a:headEnd len="sm" w="sm" type="none"/>
-            <a:tailEnd len="sm" w="sm" type="none"/>
+            <a:headEnd type="none" w="sm" len="sm"/>
+            <a:tailEnd type="none" w="sm" len="sm"/>
           </a:ln>
         </p:spPr>
       </p:sp>
       <p:sp>
         <p:nvSpPr>
           <p:cNvPr id="4" name="Google Shape;4;n"/>
-          <p:cNvSpPr txBox="1"/>
+          <p:cNvSpPr txBox="1">
+            <a:spLocks noGrp="1"/>
+          </p:cNvSpPr>
           <p:nvPr>
-            <p:ph idx="1" type="body"/>
+            <p:ph type="body" idx="1"/>
           </p:nvPr>
         </p:nvSpPr>
         <p:spPr>
@@ -353,11 +374,11 @@
           </a:ln>
         </p:spPr>
         <p:txBody>
-          <a:bodyPr anchorCtr="0" anchor="t" bIns="91425" lIns="91425" spcFirstLastPara="1" rIns="91425" wrap="square" tIns="91425">
+          <a:bodyPr spcFirstLastPara="1" wrap="square" lIns="91425" tIns="91425" rIns="91425" bIns="91425" anchor="t" anchorCtr="0">
             <a:noAutofit/>
           </a:bodyPr>
           <a:lstStyle>
-            <a:lvl1pPr indent="-298450" lvl="0" marL="457200">
+            <a:lvl1pPr marL="457200" lvl="0" indent="-298450">
               <a:spcBef>
                 <a:spcPts val="0"/>
               </a:spcBef>
@@ -368,7 +389,7 @@
               <a:buChar char="●"/>
               <a:defRPr sz="1100"/>
             </a:lvl1pPr>
-            <a:lvl2pPr indent="-298450" lvl="1" marL="914400">
+            <a:lvl2pPr marL="914400" lvl="1" indent="-298450">
               <a:spcBef>
                 <a:spcPts val="0"/>
               </a:spcBef>
@@ -379,7 +400,7 @@
               <a:buChar char="○"/>
               <a:defRPr sz="1100"/>
             </a:lvl2pPr>
-            <a:lvl3pPr indent="-298450" lvl="2" marL="1371600">
+            <a:lvl3pPr marL="1371600" lvl="2" indent="-298450">
               <a:spcBef>
                 <a:spcPts val="0"/>
               </a:spcBef>
@@ -390,7 +411,7 @@
               <a:buChar char="■"/>
               <a:defRPr sz="1100"/>
             </a:lvl3pPr>
-            <a:lvl4pPr indent="-298450" lvl="3" marL="1828800">
+            <a:lvl4pPr marL="1828800" lvl="3" indent="-298450">
               <a:spcBef>
                 <a:spcPts val="0"/>
               </a:spcBef>
@@ -401,7 +422,7 @@
               <a:buChar char="●"/>
               <a:defRPr sz="1100"/>
             </a:lvl4pPr>
-            <a:lvl5pPr indent="-298450" lvl="4" marL="2286000">
+            <a:lvl5pPr marL="2286000" lvl="4" indent="-298450">
               <a:spcBef>
                 <a:spcPts val="0"/>
               </a:spcBef>
@@ -412,7 +433,7 @@
               <a:buChar char="○"/>
               <a:defRPr sz="1100"/>
             </a:lvl5pPr>
-            <a:lvl6pPr indent="-298450" lvl="5" marL="2743200">
+            <a:lvl6pPr marL="2743200" lvl="5" indent="-298450">
               <a:spcBef>
                 <a:spcPts val="0"/>
               </a:spcBef>
@@ -423,7 +444,7 @@
               <a:buChar char="■"/>
               <a:defRPr sz="1100"/>
             </a:lvl6pPr>
-            <a:lvl7pPr indent="-298450" lvl="6" marL="3200400">
+            <a:lvl7pPr marL="3200400" lvl="6" indent="-298450">
               <a:spcBef>
                 <a:spcPts val="0"/>
               </a:spcBef>
@@ -434,7 +455,7 @@
               <a:buChar char="●"/>
               <a:defRPr sz="1100"/>
             </a:lvl7pPr>
-            <a:lvl8pPr indent="-298450" lvl="7" marL="3657600">
+            <a:lvl8pPr marL="3657600" lvl="7" indent="-298450">
               <a:spcBef>
                 <a:spcPts val="0"/>
               </a:spcBef>
@@ -445,7 +466,7 @@
               <a:buChar char="○"/>
               <a:defRPr sz="1100"/>
             </a:lvl8pPr>
-            <a:lvl9pPr indent="-298450" lvl="8" marL="4114800">
+            <a:lvl9pPr marL="4114800" lvl="8" indent="-298450">
               <a:spcBef>
                 <a:spcPts val="0"/>
               </a:spcBef>
@@ -457,14 +478,16 @@
               <a:defRPr sz="1100"/>
             </a:lvl9pPr>
           </a:lstStyle>
-          <a:p/>
+          <a:p>
+            <a:endParaRPr/>
+          </a:p>
         </p:txBody>
       </p:sp>
     </p:spTree>
   </p:cSld>
-  <p:clrMap accent1="accent1" accent2="accent2" accent3="accent3" accent4="accent4" accent5="accent5" accent6="accent6" bg1="lt1" bg2="dk2" tx1="dk1" tx2="lt2" folHlink="folHlink" hlink="hlink"/>
+  <p:clrMap bg1="lt1" tx1="dk1" bg2="dk2" tx2="lt2" accent1="accent1" accent2="accent2" accent3="accent3" accent4="accent4" accent5="accent5" accent6="accent6" hlink="hlink" folHlink="folHlink"/>
   <p:notesStyle>
-    <a:defPPr lvl="0" marR="0" rtl="0" algn="l">
+    <a:defPPr marR="0" lvl="0" algn="l" rtl="0">
       <a:lnSpc>
         <a:spcPct val="100000"/>
       </a:lnSpc>
@@ -475,7 +498,7 @@
         <a:spcPts val="0"/>
       </a:spcAft>
     </a:defPPr>
-    <a:lvl1pPr lvl="0" marR="0" rtl="0" algn="l">
+    <a:lvl1pPr marR="0" lvl="0" algn="l" rtl="0">
       <a:lnSpc>
         <a:spcPct val="100000"/>
       </a:lnSpc>
@@ -489,7 +512,7 @@
         <a:srgbClr val="000000"/>
       </a:buClr>
       <a:buFont typeface="Arial"/>
-      <a:defRPr b="0" i="0" sz="1400" u="none" cap="none" strike="noStrike">
+      <a:defRPr sz="1400" b="0" i="0" u="none" strike="noStrike" cap="none">
         <a:solidFill>
           <a:srgbClr val="000000"/>
         </a:solidFill>
@@ -499,7 +522,7 @@
         <a:sym typeface="Arial"/>
       </a:defRPr>
     </a:lvl1pPr>
-    <a:lvl2pPr lvl="1" marR="0" rtl="0" algn="l">
+    <a:lvl2pPr marR="0" lvl="1" algn="l" rtl="0">
       <a:lnSpc>
         <a:spcPct val="100000"/>
       </a:lnSpc>
@@ -513,7 +536,7 @@
         <a:srgbClr val="000000"/>
       </a:buClr>
       <a:buFont typeface="Arial"/>
-      <a:defRPr b="0" i="0" sz="1400" u="none" cap="none" strike="noStrike">
+      <a:defRPr sz="1400" b="0" i="0" u="none" strike="noStrike" cap="none">
         <a:solidFill>
           <a:srgbClr val="000000"/>
         </a:solidFill>
@@ -523,7 +546,7 @@
         <a:sym typeface="Arial"/>
       </a:defRPr>
     </a:lvl2pPr>
-    <a:lvl3pPr lvl="2" marR="0" rtl="0" algn="l">
+    <a:lvl3pPr marR="0" lvl="2" algn="l" rtl="0">
       <a:lnSpc>
         <a:spcPct val="100000"/>
       </a:lnSpc>
@@ -537,7 +560,7 @@
         <a:srgbClr val="000000"/>
       </a:buClr>
       <a:buFont typeface="Arial"/>
-      <a:defRPr b="0" i="0" sz="1400" u="none" cap="none" strike="noStrike">
+      <a:defRPr sz="1400" b="0" i="0" u="none" strike="noStrike" cap="none">
         <a:solidFill>
           <a:srgbClr val="000000"/>
         </a:solidFill>
@@ -547,7 +570,7 @@
         <a:sym typeface="Arial"/>
       </a:defRPr>
     </a:lvl3pPr>
-    <a:lvl4pPr lvl="3" marR="0" rtl="0" algn="l">
+    <a:lvl4pPr marR="0" lvl="3" algn="l" rtl="0">
       <a:lnSpc>
         <a:spcPct val="100000"/>
       </a:lnSpc>
@@ -561,7 +584,7 @@
         <a:srgbClr val="000000"/>
       </a:buClr>
       <a:buFont typeface="Arial"/>
-      <a:defRPr b="0" i="0" sz="1400" u="none" cap="none" strike="noStrike">
+      <a:defRPr sz="1400" b="0" i="0" u="none" strike="noStrike" cap="none">
         <a:solidFill>
           <a:srgbClr val="000000"/>
         </a:solidFill>
@@ -571,7 +594,7 @@
         <a:sym typeface="Arial"/>
       </a:defRPr>
     </a:lvl4pPr>
-    <a:lvl5pPr lvl="4" marR="0" rtl="0" algn="l">
+    <a:lvl5pPr marR="0" lvl="4" algn="l" rtl="0">
       <a:lnSpc>
         <a:spcPct val="100000"/>
       </a:lnSpc>
@@ -585,7 +608,7 @@
         <a:srgbClr val="000000"/>
       </a:buClr>
       <a:buFont typeface="Arial"/>
-      <a:defRPr b="0" i="0" sz="1400" u="none" cap="none" strike="noStrike">
+      <a:defRPr sz="1400" b="0" i="0" u="none" strike="noStrike" cap="none">
         <a:solidFill>
           <a:srgbClr val="000000"/>
         </a:solidFill>
@@ -595,7 +618,7 @@
         <a:sym typeface="Arial"/>
       </a:defRPr>
     </a:lvl5pPr>
-    <a:lvl6pPr lvl="5" marR="0" rtl="0" algn="l">
+    <a:lvl6pPr marR="0" lvl="5" algn="l" rtl="0">
       <a:lnSpc>
         <a:spcPct val="100000"/>
       </a:lnSpc>
@@ -609,7 +632,7 @@
         <a:srgbClr val="000000"/>
       </a:buClr>
       <a:buFont typeface="Arial"/>
-      <a:defRPr b="0" i="0" sz="1400" u="none" cap="none" strike="noStrike">
+      <a:defRPr sz="1400" b="0" i="0" u="none" strike="noStrike" cap="none">
         <a:solidFill>
           <a:srgbClr val="000000"/>
         </a:solidFill>
@@ -619,7 +642,7 @@
         <a:sym typeface="Arial"/>
       </a:defRPr>
     </a:lvl6pPr>
-    <a:lvl7pPr lvl="6" marR="0" rtl="0" algn="l">
+    <a:lvl7pPr marR="0" lvl="6" algn="l" rtl="0">
       <a:lnSpc>
         <a:spcPct val="100000"/>
       </a:lnSpc>
@@ -633,7 +656,7 @@
         <a:srgbClr val="000000"/>
       </a:buClr>
       <a:buFont typeface="Arial"/>
-      <a:defRPr b="0" i="0" sz="1400" u="none" cap="none" strike="noStrike">
+      <a:defRPr sz="1400" b="0" i="0" u="none" strike="noStrike" cap="none">
         <a:solidFill>
           <a:srgbClr val="000000"/>
         </a:solidFill>
@@ -643,7 +666,7 @@
         <a:sym typeface="Arial"/>
       </a:defRPr>
     </a:lvl7pPr>
-    <a:lvl8pPr lvl="7" marR="0" rtl="0" algn="l">
+    <a:lvl8pPr marR="0" lvl="7" algn="l" rtl="0">
       <a:lnSpc>
         <a:spcPct val="100000"/>
       </a:lnSpc>
@@ -657,7 +680,7 @@
         <a:srgbClr val="000000"/>
       </a:buClr>
       <a:buFont typeface="Arial"/>
-      <a:defRPr b="0" i="0" sz="1400" u="none" cap="none" strike="noStrike">
+      <a:defRPr sz="1400" b="0" i="0" u="none" strike="noStrike" cap="none">
         <a:solidFill>
           <a:srgbClr val="000000"/>
         </a:solidFill>
@@ -667,7 +690,7 @@
         <a:sym typeface="Arial"/>
       </a:defRPr>
     </a:lvl8pPr>
-    <a:lvl9pPr lvl="8" marR="0" rtl="0" algn="l">
+    <a:lvl9pPr marR="0" lvl="8" algn="l" rtl="0">
       <a:lnSpc>
         <a:spcPct val="100000"/>
       </a:lnSpc>
@@ -681,7 +704,7 @@
         <a:srgbClr val="000000"/>
       </a:buClr>
       <a:buFont typeface="Arial"/>
-      <a:defRPr b="0" i="0" sz="1400" u="none" cap="none" strike="noStrike">
+      <a:defRPr sz="1400" b="0" i="0" u="none" strike="noStrike" cap="none">
         <a:solidFill>
           <a:srgbClr val="000000"/>
         </a:solidFill>
@@ -696,11 +719,11 @@
 </file>
 
 <file path=ppt/notesSlides/notesSlide1.xml><?xml version="1.0" encoding="utf-8"?>
-<p:notes xmlns:a="http://schemas.openxmlformats.org/drawingml/2006/main" xmlns:r="http://schemas.openxmlformats.org/officeDocument/2006/relationships" xmlns:mc="http://schemas.openxmlformats.org/markup-compatibility/2006" xmlns:mv="urn:schemas-microsoft-com:mac:vml" xmlns:p="http://schemas.openxmlformats.org/presentationml/2006/main" xmlns:c="http://schemas.openxmlformats.org/drawingml/2006/chart" xmlns:dgm="http://schemas.openxmlformats.org/drawingml/2006/diagram" xmlns:o="urn:schemas-microsoft-com:office:office" xmlns:v="urn:schemas-microsoft-com:vml" xmlns:pvml="urn:schemas-microsoft-com:office:powerpoint" xmlns:com="http://schemas.openxmlformats.org/drawingml/2006/compatibility" xmlns:p14="http://schemas.microsoft.com/office/powerpoint/2010/main" xmlns:p15="http://schemas.microsoft.com/office/powerpoint/2012/main" xmlns:ahyp="http://schemas.microsoft.com/office/drawing/2018/hyperlinkcolor" showMasterPhAnim="0" showMasterSp="0">
+<p:notes xmlns:a="http://schemas.openxmlformats.org/drawingml/2006/main" xmlns:r="http://schemas.openxmlformats.org/officeDocument/2006/relationships" xmlns:p="http://schemas.openxmlformats.org/presentationml/2006/main" showMasterSp="0" showMasterPhAnim="0">
   <p:cSld>
     <p:spTree>
       <p:nvGrpSpPr>
-        <p:cNvPr id="50" name="Shape 50"/>
+        <p:cNvPr id="1" name="Shape 50"/>
         <p:cNvGrpSpPr/>
         <p:nvPr/>
       </p:nvGrpSpPr>
@@ -715,20 +738,26 @@
       <p:sp>
         <p:nvSpPr>
           <p:cNvPr id="51" name="Google Shape;51;geef8b5c52e_0_19:notes"/>
-          <p:cNvSpPr/>
+          <p:cNvSpPr>
+            <a:spLocks noGrp="1" noRot="1" noChangeAspect="1"/>
+          </p:cNvSpPr>
           <p:nvPr>
-            <p:ph idx="2" type="sldImg"/>
+            <p:ph type="sldImg" idx="2"/>
           </p:nvPr>
         </p:nvSpPr>
         <p:spPr>
           <a:xfrm>
-            <a:off x="381300" y="685800"/>
+            <a:off x="381000" y="685800"/>
             <a:ext cx="6096000" cy="3429000"/>
           </a:xfrm>
           <a:custGeom>
-            <a:rect b="b" l="l" r="r" t="t"/>
+            <a:avLst/>
+            <a:gdLst/>
+            <a:ahLst/>
+            <a:cxnLst/>
+            <a:rect l="l" t="t" r="r" b="b"/>
             <a:pathLst>
-              <a:path extrusionOk="0" h="120000" w="120000">
+              <a:path w="120000" h="120000" extrusionOk="0">
                 <a:moveTo>
                   <a:pt x="0" y="0"/>
                 </a:moveTo>
@@ -750,9 +779,11 @@
       <p:sp>
         <p:nvSpPr>
           <p:cNvPr id="52" name="Google Shape;52;geef8b5c52e_0_19:notes"/>
-          <p:cNvSpPr txBox="1"/>
+          <p:cNvSpPr txBox="1">
+            <a:spLocks noGrp="1"/>
+          </p:cNvSpPr>
           <p:nvPr>
-            <p:ph idx="1" type="body"/>
+            <p:ph type="body" idx="1"/>
           </p:nvPr>
         </p:nvSpPr>
         <p:spPr>
@@ -765,12 +796,12 @@
           </a:prstGeom>
         </p:spPr>
         <p:txBody>
-          <a:bodyPr anchorCtr="0" anchor="t" bIns="91425" lIns="91425" spcFirstLastPara="1" rIns="91425" wrap="square" tIns="91425">
+          <a:bodyPr spcFirstLastPara="1" wrap="square" lIns="91425" tIns="91425" rIns="91425" bIns="91425" anchor="t" anchorCtr="0">
             <a:noAutofit/>
           </a:bodyPr>
           <a:lstStyle/>
           <a:p>
-            <a:pPr indent="0" lvl="0" marL="0" rtl="0" algn="l">
+            <a:pPr marL="0" lvl="0" indent="0" algn="l" rtl="0">
               <a:spcBef>
                 <a:spcPts val="0"/>
               </a:spcBef>
@@ -779,108 +810,6 @@
               </a:spcAft>
               <a:buNone/>
             </a:pPr>
-            <a:r>
-              <a:t/>
-            </a:r>
-            <a:endParaRPr/>
-          </a:p>
-        </p:txBody>
-      </p:sp>
-    </p:spTree>
-  </p:cSld>
-  <p:clrMapOvr>
-    <a:masterClrMapping/>
-  </p:clrMapOvr>
-</p:notes>
-</file>
-
-<file path=ppt/notesSlides/notesSlide10.xml><?xml version="1.0" encoding="utf-8"?>
-<p:notes xmlns:a="http://schemas.openxmlformats.org/drawingml/2006/main" xmlns:r="http://schemas.openxmlformats.org/officeDocument/2006/relationships" xmlns:mc="http://schemas.openxmlformats.org/markup-compatibility/2006" xmlns:mv="urn:schemas-microsoft-com:mac:vml" xmlns:p="http://schemas.openxmlformats.org/presentationml/2006/main" xmlns:c="http://schemas.openxmlformats.org/drawingml/2006/chart" xmlns:dgm="http://schemas.openxmlformats.org/drawingml/2006/diagram" xmlns:o="urn:schemas-microsoft-com:office:office" xmlns:v="urn:schemas-microsoft-com:vml" xmlns:pvml="urn:schemas-microsoft-com:office:powerpoint" xmlns:com="http://schemas.openxmlformats.org/drawingml/2006/compatibility" xmlns:p14="http://schemas.microsoft.com/office/powerpoint/2010/main" xmlns:p15="http://schemas.microsoft.com/office/powerpoint/2012/main" xmlns:ahyp="http://schemas.microsoft.com/office/drawing/2018/hyperlinkcolor" showMasterPhAnim="0" showMasterSp="0">
-  <p:cSld>
-    <p:spTree>
-      <p:nvGrpSpPr>
-        <p:cNvPr id="106" name="Shape 106"/>
-        <p:cNvGrpSpPr/>
-        <p:nvPr/>
-      </p:nvGrpSpPr>
-      <p:grpSpPr>
-        <a:xfrm>
-          <a:off x="0" y="0"/>
-          <a:ext cx="0" cy="0"/>
-          <a:chOff x="0" y="0"/>
-          <a:chExt cx="0" cy="0"/>
-        </a:xfrm>
-      </p:grpSpPr>
-      <p:sp>
-        <p:nvSpPr>
-          <p:cNvPr id="107" name="Google Shape;107;geef8b5c52e_0_45:notes"/>
-          <p:cNvSpPr/>
-          <p:nvPr>
-            <p:ph idx="2" type="sldImg"/>
-          </p:nvPr>
-        </p:nvSpPr>
-        <p:spPr>
-          <a:xfrm>
-            <a:off x="381300" y="685800"/>
-            <a:ext cx="6096000" cy="3429000"/>
-          </a:xfrm>
-          <a:custGeom>
-            <a:rect b="b" l="l" r="r" t="t"/>
-            <a:pathLst>
-              <a:path extrusionOk="0" h="120000" w="120000">
-                <a:moveTo>
-                  <a:pt x="0" y="0"/>
-                </a:moveTo>
-                <a:lnTo>
-                  <a:pt x="120000" y="0"/>
-                </a:lnTo>
-                <a:lnTo>
-                  <a:pt x="120000" y="120000"/>
-                </a:lnTo>
-                <a:lnTo>
-                  <a:pt x="0" y="120000"/>
-                </a:lnTo>
-                <a:close/>
-              </a:path>
-            </a:pathLst>
-          </a:custGeom>
-        </p:spPr>
-      </p:sp>
-      <p:sp>
-        <p:nvSpPr>
-          <p:cNvPr id="108" name="Google Shape;108;geef8b5c52e_0_45:notes"/>
-          <p:cNvSpPr txBox="1"/>
-          <p:nvPr>
-            <p:ph idx="1" type="body"/>
-          </p:nvPr>
-        </p:nvSpPr>
-        <p:spPr>
-          <a:xfrm>
-            <a:off x="685800" y="4343400"/>
-            <a:ext cx="5486400" cy="4114800"/>
-          </a:xfrm>
-          <a:prstGeom prst="rect">
-            <a:avLst/>
-          </a:prstGeom>
-        </p:spPr>
-        <p:txBody>
-          <a:bodyPr anchorCtr="0" anchor="t" bIns="91425" lIns="91425" spcFirstLastPara="1" rIns="91425" wrap="square" tIns="91425">
-            <a:noAutofit/>
-          </a:bodyPr>
-          <a:lstStyle/>
-          <a:p>
-            <a:pPr indent="0" lvl="0" marL="0" rtl="0" algn="l">
-              <a:spcBef>
-                <a:spcPts val="0"/>
-              </a:spcBef>
-              <a:spcAft>
-                <a:spcPts val="0"/>
-              </a:spcAft>
-              <a:buNone/>
-            </a:pPr>
-            <a:r>
-              <a:t/>
-            </a:r>
             <a:endParaRPr/>
           </a:p>
         </p:txBody>
@@ -894,11 +823,11 @@
 </file>
 
 <file path=ppt/notesSlides/notesSlide2.xml><?xml version="1.0" encoding="utf-8"?>
-<p:notes xmlns:a="http://schemas.openxmlformats.org/drawingml/2006/main" xmlns:r="http://schemas.openxmlformats.org/officeDocument/2006/relationships" xmlns:mc="http://schemas.openxmlformats.org/markup-compatibility/2006" xmlns:mv="urn:schemas-microsoft-com:mac:vml" xmlns:p="http://schemas.openxmlformats.org/presentationml/2006/main" xmlns:c="http://schemas.openxmlformats.org/drawingml/2006/chart" xmlns:dgm="http://schemas.openxmlformats.org/drawingml/2006/diagram" xmlns:o="urn:schemas-microsoft-com:office:office" xmlns:v="urn:schemas-microsoft-com:vml" xmlns:pvml="urn:schemas-microsoft-com:office:powerpoint" xmlns:com="http://schemas.openxmlformats.org/drawingml/2006/compatibility" xmlns:p14="http://schemas.microsoft.com/office/powerpoint/2010/main" xmlns:p15="http://schemas.microsoft.com/office/powerpoint/2012/main" xmlns:ahyp="http://schemas.microsoft.com/office/drawing/2018/hyperlinkcolor" showMasterPhAnim="0" showMasterSp="0">
+<p:notes xmlns:a="http://schemas.openxmlformats.org/drawingml/2006/main" xmlns:r="http://schemas.openxmlformats.org/officeDocument/2006/relationships" xmlns:p="http://schemas.openxmlformats.org/presentationml/2006/main" showMasterSp="0" showMasterPhAnim="0">
   <p:cSld>
     <p:spTree>
       <p:nvGrpSpPr>
-        <p:cNvPr id="56" name="Shape 56"/>
+        <p:cNvPr id="1" name="Shape 56"/>
         <p:cNvGrpSpPr/>
         <p:nvPr/>
       </p:nvGrpSpPr>
@@ -913,20 +842,26 @@
       <p:sp>
         <p:nvSpPr>
           <p:cNvPr id="57" name="Google Shape;57;geef8b5c52e_0_2:notes"/>
-          <p:cNvSpPr/>
+          <p:cNvSpPr>
+            <a:spLocks noGrp="1" noRot="1" noChangeAspect="1"/>
+          </p:cNvSpPr>
           <p:nvPr>
-            <p:ph idx="2" type="sldImg"/>
+            <p:ph type="sldImg" idx="2"/>
           </p:nvPr>
         </p:nvSpPr>
         <p:spPr>
           <a:xfrm>
-            <a:off x="381300" y="685800"/>
+            <a:off x="381000" y="685800"/>
             <a:ext cx="6096000" cy="3429000"/>
           </a:xfrm>
           <a:custGeom>
-            <a:rect b="b" l="l" r="r" t="t"/>
+            <a:avLst/>
+            <a:gdLst/>
+            <a:ahLst/>
+            <a:cxnLst/>
+            <a:rect l="l" t="t" r="r" b="b"/>
             <a:pathLst>
-              <a:path extrusionOk="0" h="120000" w="120000">
+              <a:path w="120000" h="120000" extrusionOk="0">
                 <a:moveTo>
                   <a:pt x="0" y="0"/>
                 </a:moveTo>
@@ -948,9 +883,11 @@
       <p:sp>
         <p:nvSpPr>
           <p:cNvPr id="58" name="Google Shape;58;geef8b5c52e_0_2:notes"/>
-          <p:cNvSpPr txBox="1"/>
+          <p:cNvSpPr txBox="1">
+            <a:spLocks noGrp="1"/>
+          </p:cNvSpPr>
           <p:nvPr>
-            <p:ph idx="1" type="body"/>
+            <p:ph type="body" idx="1"/>
           </p:nvPr>
         </p:nvSpPr>
         <p:spPr>
@@ -963,12 +900,12 @@
           </a:prstGeom>
         </p:spPr>
         <p:txBody>
-          <a:bodyPr anchorCtr="0" anchor="t" bIns="91425" lIns="91425" spcFirstLastPara="1" rIns="91425" wrap="square" tIns="91425">
+          <a:bodyPr spcFirstLastPara="1" wrap="square" lIns="91425" tIns="91425" rIns="91425" bIns="91425" anchor="t" anchorCtr="0">
             <a:noAutofit/>
           </a:bodyPr>
           <a:lstStyle/>
           <a:p>
-            <a:pPr indent="0" lvl="0" marL="0" rtl="0" algn="l">
+            <a:pPr marL="0" lvl="0" indent="0" algn="l" rtl="0">
               <a:spcBef>
                 <a:spcPts val="0"/>
               </a:spcBef>
@@ -977,9 +914,6 @@
               </a:spcAft>
               <a:buNone/>
             </a:pPr>
-            <a:r>
-              <a:t/>
-            </a:r>
             <a:endParaRPr/>
           </a:p>
         </p:txBody>
@@ -993,11 +927,11 @@
 </file>
 
 <file path=ppt/notesSlides/notesSlide3.xml><?xml version="1.0" encoding="utf-8"?>
-<p:notes xmlns:a="http://schemas.openxmlformats.org/drawingml/2006/main" xmlns:r="http://schemas.openxmlformats.org/officeDocument/2006/relationships" xmlns:mc="http://schemas.openxmlformats.org/markup-compatibility/2006" xmlns:mv="urn:schemas-microsoft-com:mac:vml" xmlns:p="http://schemas.openxmlformats.org/presentationml/2006/main" xmlns:c="http://schemas.openxmlformats.org/drawingml/2006/chart" xmlns:dgm="http://schemas.openxmlformats.org/drawingml/2006/diagram" xmlns:o="urn:schemas-microsoft-com:office:office" xmlns:v="urn:schemas-microsoft-com:vml" xmlns:pvml="urn:schemas-microsoft-com:office:powerpoint" xmlns:com="http://schemas.openxmlformats.org/drawingml/2006/compatibility" xmlns:p14="http://schemas.microsoft.com/office/powerpoint/2010/main" xmlns:p15="http://schemas.microsoft.com/office/powerpoint/2012/main" xmlns:ahyp="http://schemas.microsoft.com/office/drawing/2018/hyperlinkcolor" showMasterPhAnim="0" showMasterSp="0">
+<p:notes xmlns:a="http://schemas.openxmlformats.org/drawingml/2006/main" xmlns:r="http://schemas.openxmlformats.org/officeDocument/2006/relationships" xmlns:p="http://schemas.openxmlformats.org/presentationml/2006/main" showMasterSp="0" showMasterPhAnim="0">
   <p:cSld>
     <p:spTree>
       <p:nvGrpSpPr>
-        <p:cNvPr id="62" name="Shape 62"/>
+        <p:cNvPr id="1" name="Shape 62"/>
         <p:cNvGrpSpPr/>
         <p:nvPr/>
       </p:nvGrpSpPr>
@@ -1012,20 +946,26 @@
       <p:sp>
         <p:nvSpPr>
           <p:cNvPr id="63" name="Google Shape;63;p:notes"/>
-          <p:cNvSpPr/>
+          <p:cNvSpPr>
+            <a:spLocks noGrp="1" noRot="1" noChangeAspect="1"/>
+          </p:cNvSpPr>
           <p:nvPr>
-            <p:ph idx="2" type="sldImg"/>
+            <p:ph type="sldImg" idx="2"/>
           </p:nvPr>
         </p:nvSpPr>
         <p:spPr>
           <a:xfrm>
-            <a:off x="381300" y="685800"/>
-            <a:ext cx="6096075" cy="3429000"/>
+            <a:off x="381000" y="685800"/>
+            <a:ext cx="6096000" cy="3429000"/>
           </a:xfrm>
           <a:custGeom>
-            <a:rect b="b" l="l" r="r" t="t"/>
+            <a:avLst/>
+            <a:gdLst/>
+            <a:ahLst/>
+            <a:cxnLst/>
+            <a:rect l="l" t="t" r="r" b="b"/>
             <a:pathLst>
-              <a:path extrusionOk="0" h="120000" w="120000">
+              <a:path w="120000" h="120000" extrusionOk="0">
                 <a:moveTo>
                   <a:pt x="0" y="0"/>
                 </a:moveTo>
@@ -1047,9 +987,11 @@
       <p:sp>
         <p:nvSpPr>
           <p:cNvPr id="64" name="Google Shape;64;p:notes"/>
-          <p:cNvSpPr txBox="1"/>
+          <p:cNvSpPr txBox="1">
+            <a:spLocks noGrp="1"/>
+          </p:cNvSpPr>
           <p:nvPr>
-            <p:ph idx="1" type="body"/>
+            <p:ph type="body" idx="1"/>
           </p:nvPr>
         </p:nvSpPr>
         <p:spPr>
@@ -1062,12 +1004,12 @@
           </a:prstGeom>
         </p:spPr>
         <p:txBody>
-          <a:bodyPr anchorCtr="0" anchor="t" bIns="91425" lIns="91425" spcFirstLastPara="1" rIns="91425" wrap="square" tIns="91425">
+          <a:bodyPr spcFirstLastPara="1" wrap="square" lIns="91425" tIns="91425" rIns="91425" bIns="91425" anchor="t" anchorCtr="0">
             <a:noAutofit/>
           </a:bodyPr>
           <a:lstStyle/>
           <a:p>
-            <a:pPr indent="0" lvl="0" marL="0" rtl="0" algn="l">
+            <a:pPr marL="0" lvl="0" indent="0" algn="l" rtl="0">
               <a:spcBef>
                 <a:spcPts val="0"/>
               </a:spcBef>
@@ -1076,9 +1018,6 @@
               </a:spcAft>
               <a:buNone/>
             </a:pPr>
-            <a:r>
-              <a:t/>
-            </a:r>
             <a:endParaRPr/>
           </a:p>
         </p:txBody>
@@ -1092,11 +1031,11 @@
 </file>
 
 <file path=ppt/notesSlides/notesSlide4.xml><?xml version="1.0" encoding="utf-8"?>
-<p:notes xmlns:a="http://schemas.openxmlformats.org/drawingml/2006/main" xmlns:r="http://schemas.openxmlformats.org/officeDocument/2006/relationships" xmlns:mc="http://schemas.openxmlformats.org/markup-compatibility/2006" xmlns:mv="urn:schemas-microsoft-com:mac:vml" xmlns:p="http://schemas.openxmlformats.org/presentationml/2006/main" xmlns:c="http://schemas.openxmlformats.org/drawingml/2006/chart" xmlns:dgm="http://schemas.openxmlformats.org/drawingml/2006/diagram" xmlns:o="urn:schemas-microsoft-com:office:office" xmlns:v="urn:schemas-microsoft-com:vml" xmlns:pvml="urn:schemas-microsoft-com:office:powerpoint" xmlns:com="http://schemas.openxmlformats.org/drawingml/2006/compatibility" xmlns:p14="http://schemas.microsoft.com/office/powerpoint/2010/main" xmlns:p15="http://schemas.microsoft.com/office/powerpoint/2012/main" xmlns:ahyp="http://schemas.microsoft.com/office/drawing/2018/hyperlinkcolor" showMasterPhAnim="0" showMasterSp="0">
+<p:notes xmlns:a="http://schemas.openxmlformats.org/drawingml/2006/main" xmlns:r="http://schemas.openxmlformats.org/officeDocument/2006/relationships" xmlns:p="http://schemas.openxmlformats.org/presentationml/2006/main" showMasterSp="0" showMasterPhAnim="0">
   <p:cSld>
     <p:spTree>
       <p:nvGrpSpPr>
-        <p:cNvPr id="68" name="Shape 68"/>
+        <p:cNvPr id="1" name="Shape 68"/>
         <p:cNvGrpSpPr/>
         <p:nvPr/>
       </p:nvGrpSpPr>
@@ -1111,20 +1050,26 @@
       <p:sp>
         <p:nvSpPr>
           <p:cNvPr id="69" name="Google Shape;69;geef8b5c52e_0_8:notes"/>
-          <p:cNvSpPr/>
+          <p:cNvSpPr>
+            <a:spLocks noGrp="1" noRot="1" noChangeAspect="1"/>
+          </p:cNvSpPr>
           <p:nvPr>
-            <p:ph idx="2" type="sldImg"/>
+            <p:ph type="sldImg" idx="2"/>
           </p:nvPr>
         </p:nvSpPr>
         <p:spPr>
           <a:xfrm>
-            <a:off x="381300" y="685800"/>
+            <a:off x="381000" y="685800"/>
             <a:ext cx="6096000" cy="3429000"/>
           </a:xfrm>
           <a:custGeom>
-            <a:rect b="b" l="l" r="r" t="t"/>
+            <a:avLst/>
+            <a:gdLst/>
+            <a:ahLst/>
+            <a:cxnLst/>
+            <a:rect l="l" t="t" r="r" b="b"/>
             <a:pathLst>
-              <a:path extrusionOk="0" h="120000" w="120000">
+              <a:path w="120000" h="120000" extrusionOk="0">
                 <a:moveTo>
                   <a:pt x="0" y="0"/>
                 </a:moveTo>
@@ -1146,9 +1091,11 @@
       <p:sp>
         <p:nvSpPr>
           <p:cNvPr id="70" name="Google Shape;70;geef8b5c52e_0_8:notes"/>
-          <p:cNvSpPr txBox="1"/>
+          <p:cNvSpPr txBox="1">
+            <a:spLocks noGrp="1"/>
+          </p:cNvSpPr>
           <p:nvPr>
-            <p:ph idx="1" type="body"/>
+            <p:ph type="body" idx="1"/>
           </p:nvPr>
         </p:nvSpPr>
         <p:spPr>
@@ -1161,12 +1108,12 @@
           </a:prstGeom>
         </p:spPr>
         <p:txBody>
-          <a:bodyPr anchorCtr="0" anchor="t" bIns="91425" lIns="91425" spcFirstLastPara="1" rIns="91425" wrap="square" tIns="91425">
+          <a:bodyPr spcFirstLastPara="1" wrap="square" lIns="91425" tIns="91425" rIns="91425" bIns="91425" anchor="t" anchorCtr="0">
             <a:noAutofit/>
           </a:bodyPr>
           <a:lstStyle/>
           <a:p>
-            <a:pPr indent="0" lvl="0" marL="0" rtl="0" algn="l">
+            <a:pPr marL="0" lvl="0" indent="0" algn="l" rtl="0">
               <a:spcBef>
                 <a:spcPts val="0"/>
               </a:spcBef>
@@ -1175,9 +1122,6 @@
               </a:spcAft>
               <a:buNone/>
             </a:pPr>
-            <a:r>
-              <a:t/>
-            </a:r>
             <a:endParaRPr/>
           </a:p>
         </p:txBody>
@@ -1191,11 +1135,11 @@
 </file>
 
 <file path=ppt/notesSlides/notesSlide5.xml><?xml version="1.0" encoding="utf-8"?>
-<p:notes xmlns:a="http://schemas.openxmlformats.org/drawingml/2006/main" xmlns:r="http://schemas.openxmlformats.org/officeDocument/2006/relationships" xmlns:mc="http://schemas.openxmlformats.org/markup-compatibility/2006" xmlns:mv="urn:schemas-microsoft-com:mac:vml" xmlns:p="http://schemas.openxmlformats.org/presentationml/2006/main" xmlns:c="http://schemas.openxmlformats.org/drawingml/2006/chart" xmlns:dgm="http://schemas.openxmlformats.org/drawingml/2006/diagram" xmlns:o="urn:schemas-microsoft-com:office:office" xmlns:v="urn:schemas-microsoft-com:vml" xmlns:pvml="urn:schemas-microsoft-com:office:powerpoint" xmlns:com="http://schemas.openxmlformats.org/drawingml/2006/compatibility" xmlns:p14="http://schemas.microsoft.com/office/powerpoint/2010/main" xmlns:p15="http://schemas.microsoft.com/office/powerpoint/2012/main" xmlns:ahyp="http://schemas.microsoft.com/office/drawing/2018/hyperlinkcolor" showMasterPhAnim="0" showMasterSp="0">
+<p:notes xmlns:a="http://schemas.openxmlformats.org/drawingml/2006/main" xmlns:r="http://schemas.openxmlformats.org/officeDocument/2006/relationships" xmlns:p="http://schemas.openxmlformats.org/presentationml/2006/main" showMasterSp="0" showMasterPhAnim="0">
   <p:cSld>
     <p:spTree>
       <p:nvGrpSpPr>
-        <p:cNvPr id="74" name="Shape 74"/>
+        <p:cNvPr id="1" name="Shape 74"/>
         <p:cNvGrpSpPr/>
         <p:nvPr/>
       </p:nvGrpSpPr>
@@ -1210,20 +1154,26 @@
       <p:sp>
         <p:nvSpPr>
           <p:cNvPr id="75" name="Google Shape;75;geef8b5c52e_0_14:notes"/>
-          <p:cNvSpPr/>
+          <p:cNvSpPr>
+            <a:spLocks noGrp="1" noRot="1" noChangeAspect="1"/>
+          </p:cNvSpPr>
           <p:nvPr>
-            <p:ph idx="2" type="sldImg"/>
+            <p:ph type="sldImg" idx="2"/>
           </p:nvPr>
         </p:nvSpPr>
         <p:spPr>
           <a:xfrm>
-            <a:off x="381300" y="685800"/>
+            <a:off x="381000" y="685800"/>
             <a:ext cx="6096000" cy="3429000"/>
           </a:xfrm>
           <a:custGeom>
-            <a:rect b="b" l="l" r="r" t="t"/>
+            <a:avLst/>
+            <a:gdLst/>
+            <a:ahLst/>
+            <a:cxnLst/>
+            <a:rect l="l" t="t" r="r" b="b"/>
             <a:pathLst>
-              <a:path extrusionOk="0" h="120000" w="120000">
+              <a:path w="120000" h="120000" extrusionOk="0">
                 <a:moveTo>
                   <a:pt x="0" y="0"/>
                 </a:moveTo>
@@ -1245,9 +1195,11 @@
       <p:sp>
         <p:nvSpPr>
           <p:cNvPr id="76" name="Google Shape;76;geef8b5c52e_0_14:notes"/>
-          <p:cNvSpPr txBox="1"/>
+          <p:cNvSpPr txBox="1">
+            <a:spLocks noGrp="1"/>
+          </p:cNvSpPr>
           <p:nvPr>
-            <p:ph idx="1" type="body"/>
+            <p:ph type="body" idx="1"/>
           </p:nvPr>
         </p:nvSpPr>
         <p:spPr>
@@ -1260,12 +1212,12 @@
           </a:prstGeom>
         </p:spPr>
         <p:txBody>
-          <a:bodyPr anchorCtr="0" anchor="t" bIns="91425" lIns="91425" spcFirstLastPara="1" rIns="91425" wrap="square" tIns="91425">
+          <a:bodyPr spcFirstLastPara="1" wrap="square" lIns="91425" tIns="91425" rIns="91425" bIns="91425" anchor="t" anchorCtr="0">
             <a:noAutofit/>
           </a:bodyPr>
           <a:lstStyle/>
           <a:p>
-            <a:pPr indent="0" lvl="0" marL="0" rtl="0" algn="l">
+            <a:pPr marL="0" lvl="0" indent="0" algn="l" rtl="0">
               <a:spcBef>
                 <a:spcPts val="0"/>
               </a:spcBef>
@@ -1274,9 +1226,6 @@
               </a:spcAft>
               <a:buNone/>
             </a:pPr>
-            <a:r>
-              <a:t/>
-            </a:r>
             <a:endParaRPr/>
           </a:p>
         </p:txBody>
@@ -1290,11 +1239,11 @@
 </file>
 
 <file path=ppt/notesSlides/notesSlide6.xml><?xml version="1.0" encoding="utf-8"?>
-<p:notes xmlns:a="http://schemas.openxmlformats.org/drawingml/2006/main" xmlns:r="http://schemas.openxmlformats.org/officeDocument/2006/relationships" xmlns:mc="http://schemas.openxmlformats.org/markup-compatibility/2006" xmlns:mv="urn:schemas-microsoft-com:mac:vml" xmlns:p="http://schemas.openxmlformats.org/presentationml/2006/main" xmlns:c="http://schemas.openxmlformats.org/drawingml/2006/chart" xmlns:dgm="http://schemas.openxmlformats.org/drawingml/2006/diagram" xmlns:o="urn:schemas-microsoft-com:office:office" xmlns:v="urn:schemas-microsoft-com:vml" xmlns:pvml="urn:schemas-microsoft-com:office:powerpoint" xmlns:com="http://schemas.openxmlformats.org/drawingml/2006/compatibility" xmlns:p14="http://schemas.microsoft.com/office/powerpoint/2010/main" xmlns:p15="http://schemas.microsoft.com/office/powerpoint/2012/main" xmlns:ahyp="http://schemas.microsoft.com/office/drawing/2018/hyperlinkcolor" showMasterPhAnim="0" showMasterSp="0">
+<p:notes xmlns:a="http://schemas.openxmlformats.org/drawingml/2006/main" xmlns:r="http://schemas.openxmlformats.org/officeDocument/2006/relationships" xmlns:p="http://schemas.openxmlformats.org/presentationml/2006/main" showMasterSp="0" showMasterPhAnim="0">
   <p:cSld>
     <p:spTree>
       <p:nvGrpSpPr>
-        <p:cNvPr id="80" name="Shape 80"/>
+        <p:cNvPr id="1" name="Shape 80"/>
         <p:cNvGrpSpPr/>
         <p:nvPr/>
       </p:nvGrpSpPr>
@@ -1309,20 +1258,26 @@
       <p:sp>
         <p:nvSpPr>
           <p:cNvPr id="81" name="Google Shape;81;geef8b5c52e_0_32:notes"/>
-          <p:cNvSpPr/>
+          <p:cNvSpPr>
+            <a:spLocks noGrp="1" noRot="1" noChangeAspect="1"/>
+          </p:cNvSpPr>
           <p:nvPr>
-            <p:ph idx="2" type="sldImg"/>
+            <p:ph type="sldImg" idx="2"/>
           </p:nvPr>
         </p:nvSpPr>
         <p:spPr>
           <a:xfrm>
-            <a:off x="381300" y="685800"/>
+            <a:off x="381000" y="685800"/>
             <a:ext cx="6096000" cy="3429000"/>
           </a:xfrm>
           <a:custGeom>
-            <a:rect b="b" l="l" r="r" t="t"/>
+            <a:avLst/>
+            <a:gdLst/>
+            <a:ahLst/>
+            <a:cxnLst/>
+            <a:rect l="l" t="t" r="r" b="b"/>
             <a:pathLst>
-              <a:path extrusionOk="0" h="120000" w="120000">
+              <a:path w="120000" h="120000" extrusionOk="0">
                 <a:moveTo>
                   <a:pt x="0" y="0"/>
                 </a:moveTo>
@@ -1344,9 +1299,11 @@
       <p:sp>
         <p:nvSpPr>
           <p:cNvPr id="82" name="Google Shape;82;geef8b5c52e_0_32:notes"/>
-          <p:cNvSpPr txBox="1"/>
+          <p:cNvSpPr txBox="1">
+            <a:spLocks noGrp="1"/>
+          </p:cNvSpPr>
           <p:nvPr>
-            <p:ph idx="1" type="body"/>
+            <p:ph type="body" idx="1"/>
           </p:nvPr>
         </p:nvSpPr>
         <p:spPr>
@@ -1359,12 +1316,12 @@
           </a:prstGeom>
         </p:spPr>
         <p:txBody>
-          <a:bodyPr anchorCtr="0" anchor="t" bIns="91425" lIns="91425" spcFirstLastPara="1" rIns="91425" wrap="square" tIns="91425">
+          <a:bodyPr spcFirstLastPara="1" wrap="square" lIns="91425" tIns="91425" rIns="91425" bIns="91425" anchor="t" anchorCtr="0">
             <a:noAutofit/>
           </a:bodyPr>
           <a:lstStyle/>
           <a:p>
-            <a:pPr indent="0" lvl="0" marL="0" rtl="0" algn="l">
+            <a:pPr marL="0" lvl="0" indent="0" algn="l" rtl="0">
               <a:spcBef>
                 <a:spcPts val="0"/>
               </a:spcBef>
@@ -1373,9 +1330,6 @@
               </a:spcAft>
               <a:buNone/>
             </a:pPr>
-            <a:r>
-              <a:t/>
-            </a:r>
             <a:endParaRPr/>
           </a:p>
         </p:txBody>
@@ -1389,11 +1343,11 @@
 </file>
 
 <file path=ppt/notesSlides/notesSlide7.xml><?xml version="1.0" encoding="utf-8"?>
-<p:notes xmlns:a="http://schemas.openxmlformats.org/drawingml/2006/main" xmlns:r="http://schemas.openxmlformats.org/officeDocument/2006/relationships" xmlns:mc="http://schemas.openxmlformats.org/markup-compatibility/2006" xmlns:mv="urn:schemas-microsoft-com:mac:vml" xmlns:p="http://schemas.openxmlformats.org/presentationml/2006/main" xmlns:c="http://schemas.openxmlformats.org/drawingml/2006/chart" xmlns:dgm="http://schemas.openxmlformats.org/drawingml/2006/diagram" xmlns:o="urn:schemas-microsoft-com:office:office" xmlns:v="urn:schemas-microsoft-com:vml" xmlns:pvml="urn:schemas-microsoft-com:office:powerpoint" xmlns:com="http://schemas.openxmlformats.org/drawingml/2006/compatibility" xmlns:p14="http://schemas.microsoft.com/office/powerpoint/2010/main" xmlns:p15="http://schemas.microsoft.com/office/powerpoint/2012/main" xmlns:ahyp="http://schemas.microsoft.com/office/drawing/2018/hyperlinkcolor" showMasterPhAnim="0" showMasterSp="0">
+<p:notes xmlns:a="http://schemas.openxmlformats.org/drawingml/2006/main" xmlns:r="http://schemas.openxmlformats.org/officeDocument/2006/relationships" xmlns:p="http://schemas.openxmlformats.org/presentationml/2006/main" showMasterSp="0" showMasterPhAnim="0">
   <p:cSld>
     <p:spTree>
       <p:nvGrpSpPr>
-        <p:cNvPr id="86" name="Shape 86"/>
+        <p:cNvPr id="1" name="Shape 86"/>
         <p:cNvGrpSpPr/>
         <p:nvPr/>
       </p:nvGrpSpPr>
@@ -1408,20 +1362,26 @@
       <p:sp>
         <p:nvSpPr>
           <p:cNvPr id="87" name="Google Shape;87;geef8b5c52e_0_40:notes"/>
-          <p:cNvSpPr/>
+          <p:cNvSpPr>
+            <a:spLocks noGrp="1" noRot="1" noChangeAspect="1"/>
+          </p:cNvSpPr>
           <p:nvPr>
-            <p:ph idx="2" type="sldImg"/>
+            <p:ph type="sldImg" idx="2"/>
           </p:nvPr>
         </p:nvSpPr>
         <p:spPr>
           <a:xfrm>
-            <a:off x="381300" y="685800"/>
+            <a:off x="381000" y="685800"/>
             <a:ext cx="6096000" cy="3429000"/>
           </a:xfrm>
           <a:custGeom>
-            <a:rect b="b" l="l" r="r" t="t"/>
+            <a:avLst/>
+            <a:gdLst/>
+            <a:ahLst/>
+            <a:cxnLst/>
+            <a:rect l="l" t="t" r="r" b="b"/>
             <a:pathLst>
-              <a:path extrusionOk="0" h="120000" w="120000">
+              <a:path w="120000" h="120000" extrusionOk="0">
                 <a:moveTo>
                   <a:pt x="0" y="0"/>
                 </a:moveTo>
@@ -1443,9 +1403,11 @@
       <p:sp>
         <p:nvSpPr>
           <p:cNvPr id="88" name="Google Shape;88;geef8b5c52e_0_40:notes"/>
-          <p:cNvSpPr txBox="1"/>
+          <p:cNvSpPr txBox="1">
+            <a:spLocks noGrp="1"/>
+          </p:cNvSpPr>
           <p:nvPr>
-            <p:ph idx="1" type="body"/>
+            <p:ph type="body" idx="1"/>
           </p:nvPr>
         </p:nvSpPr>
         <p:spPr>
@@ -1458,12 +1420,12 @@
           </a:prstGeom>
         </p:spPr>
         <p:txBody>
-          <a:bodyPr anchorCtr="0" anchor="t" bIns="91425" lIns="91425" spcFirstLastPara="1" rIns="91425" wrap="square" tIns="91425">
+          <a:bodyPr spcFirstLastPara="1" wrap="square" lIns="91425" tIns="91425" rIns="91425" bIns="91425" anchor="t" anchorCtr="0">
             <a:noAutofit/>
           </a:bodyPr>
           <a:lstStyle/>
           <a:p>
-            <a:pPr indent="0" lvl="0" marL="0" rtl="0" algn="l">
+            <a:pPr marL="0" lvl="0" indent="0" algn="l" rtl="0">
               <a:spcBef>
                 <a:spcPts val="0"/>
               </a:spcBef>
@@ -1472,9 +1434,6 @@
               </a:spcAft>
               <a:buNone/>
             </a:pPr>
-            <a:r>
-              <a:t/>
-            </a:r>
             <a:endParaRPr/>
           </a:p>
         </p:txBody>
@@ -1488,11 +1447,11 @@
 </file>
 
 <file path=ppt/notesSlides/notesSlide8.xml><?xml version="1.0" encoding="utf-8"?>
-<p:notes xmlns:a="http://schemas.openxmlformats.org/drawingml/2006/main" xmlns:r="http://schemas.openxmlformats.org/officeDocument/2006/relationships" xmlns:mc="http://schemas.openxmlformats.org/markup-compatibility/2006" xmlns:mv="urn:schemas-microsoft-com:mac:vml" xmlns:p="http://schemas.openxmlformats.org/presentationml/2006/main" xmlns:c="http://schemas.openxmlformats.org/drawingml/2006/chart" xmlns:dgm="http://schemas.openxmlformats.org/drawingml/2006/diagram" xmlns:o="urn:schemas-microsoft-com:office:office" xmlns:v="urn:schemas-microsoft-com:vml" xmlns:pvml="urn:schemas-microsoft-com:office:powerpoint" xmlns:com="http://schemas.openxmlformats.org/drawingml/2006/compatibility" xmlns:p14="http://schemas.microsoft.com/office/powerpoint/2010/main" xmlns:p15="http://schemas.microsoft.com/office/powerpoint/2012/main" xmlns:ahyp="http://schemas.microsoft.com/office/drawing/2018/hyperlinkcolor" showMasterPhAnim="0" showMasterSp="0">
+<p:notes xmlns:a="http://schemas.openxmlformats.org/drawingml/2006/main" xmlns:r="http://schemas.openxmlformats.org/officeDocument/2006/relationships" xmlns:p="http://schemas.openxmlformats.org/presentationml/2006/main" showMasterSp="0" showMasterPhAnim="0">
   <p:cSld>
     <p:spTree>
       <p:nvGrpSpPr>
-        <p:cNvPr id="94" name="Shape 94"/>
+        <p:cNvPr id="1" name="Shape 94"/>
         <p:cNvGrpSpPr/>
         <p:nvPr/>
       </p:nvGrpSpPr>
@@ -1507,20 +1466,26 @@
       <p:sp>
         <p:nvSpPr>
           <p:cNvPr id="95" name="Google Shape;95;g110ad6888d5_0_0:notes"/>
-          <p:cNvSpPr/>
+          <p:cNvSpPr>
+            <a:spLocks noGrp="1" noRot="1" noChangeAspect="1"/>
+          </p:cNvSpPr>
           <p:nvPr>
-            <p:ph idx="2" type="sldImg"/>
+            <p:ph type="sldImg" idx="2"/>
           </p:nvPr>
         </p:nvSpPr>
         <p:spPr>
           <a:xfrm>
-            <a:off x="381300" y="685800"/>
+            <a:off x="381000" y="685800"/>
             <a:ext cx="6096000" cy="3429000"/>
           </a:xfrm>
           <a:custGeom>
-            <a:rect b="b" l="l" r="r" t="t"/>
+            <a:avLst/>
+            <a:gdLst/>
+            <a:ahLst/>
+            <a:cxnLst/>
+            <a:rect l="l" t="t" r="r" b="b"/>
             <a:pathLst>
-              <a:path extrusionOk="0" h="120000" w="120000">
+              <a:path w="120000" h="120000" extrusionOk="0">
                 <a:moveTo>
                   <a:pt x="0" y="0"/>
                 </a:moveTo>
@@ -1542,9 +1507,11 @@
       <p:sp>
         <p:nvSpPr>
           <p:cNvPr id="96" name="Google Shape;96;g110ad6888d5_0_0:notes"/>
-          <p:cNvSpPr txBox="1"/>
+          <p:cNvSpPr txBox="1">
+            <a:spLocks noGrp="1"/>
+          </p:cNvSpPr>
           <p:nvPr>
-            <p:ph idx="1" type="body"/>
+            <p:ph type="body" idx="1"/>
           </p:nvPr>
         </p:nvSpPr>
         <p:spPr>
@@ -1557,12 +1524,12 @@
           </a:prstGeom>
         </p:spPr>
         <p:txBody>
-          <a:bodyPr anchorCtr="0" anchor="t" bIns="91425" lIns="91425" spcFirstLastPara="1" rIns="91425" wrap="square" tIns="91425">
+          <a:bodyPr spcFirstLastPara="1" wrap="square" lIns="91425" tIns="91425" rIns="91425" bIns="91425" anchor="t" anchorCtr="0">
             <a:noAutofit/>
           </a:bodyPr>
           <a:lstStyle/>
           <a:p>
-            <a:pPr indent="0" lvl="0" marL="0" rtl="0" algn="l">
+            <a:pPr marL="0" lvl="0" indent="0" algn="l" rtl="0">
               <a:spcBef>
                 <a:spcPts val="0"/>
               </a:spcBef>
@@ -1571,108 +1538,6 @@
               </a:spcAft>
               <a:buNone/>
             </a:pPr>
-            <a:r>
-              <a:t/>
-            </a:r>
-            <a:endParaRPr/>
-          </a:p>
-        </p:txBody>
-      </p:sp>
-    </p:spTree>
-  </p:cSld>
-  <p:clrMapOvr>
-    <a:masterClrMapping/>
-  </p:clrMapOvr>
-</p:notes>
-</file>
-
-<file path=ppt/notesSlides/notesSlide9.xml><?xml version="1.0" encoding="utf-8"?>
-<p:notes xmlns:a="http://schemas.openxmlformats.org/drawingml/2006/main" xmlns:r="http://schemas.openxmlformats.org/officeDocument/2006/relationships" xmlns:mc="http://schemas.openxmlformats.org/markup-compatibility/2006" xmlns:mv="urn:schemas-microsoft-com:mac:vml" xmlns:p="http://schemas.openxmlformats.org/presentationml/2006/main" xmlns:c="http://schemas.openxmlformats.org/drawingml/2006/chart" xmlns:dgm="http://schemas.openxmlformats.org/drawingml/2006/diagram" xmlns:o="urn:schemas-microsoft-com:office:office" xmlns:v="urn:schemas-microsoft-com:vml" xmlns:pvml="urn:schemas-microsoft-com:office:powerpoint" xmlns:com="http://schemas.openxmlformats.org/drawingml/2006/compatibility" xmlns:p14="http://schemas.microsoft.com/office/powerpoint/2010/main" xmlns:p15="http://schemas.microsoft.com/office/powerpoint/2012/main" xmlns:ahyp="http://schemas.microsoft.com/office/drawing/2018/hyperlinkcolor" showMasterPhAnim="0" showMasterSp="0">
-  <p:cSld>
-    <p:spTree>
-      <p:nvGrpSpPr>
-        <p:cNvPr id="100" name="Shape 100"/>
-        <p:cNvGrpSpPr/>
-        <p:nvPr/>
-      </p:nvGrpSpPr>
-      <p:grpSpPr>
-        <a:xfrm>
-          <a:off x="0" y="0"/>
-          <a:ext cx="0" cy="0"/>
-          <a:chOff x="0" y="0"/>
-          <a:chExt cx="0" cy="0"/>
-        </a:xfrm>
-      </p:grpSpPr>
-      <p:sp>
-        <p:nvSpPr>
-          <p:cNvPr id="101" name="Google Shape;101;g110ad6888d5_0_5:notes"/>
-          <p:cNvSpPr/>
-          <p:nvPr>
-            <p:ph idx="2" type="sldImg"/>
-          </p:nvPr>
-        </p:nvSpPr>
-        <p:spPr>
-          <a:xfrm>
-            <a:off x="381300" y="685800"/>
-            <a:ext cx="6096000" cy="3429000"/>
-          </a:xfrm>
-          <a:custGeom>
-            <a:rect b="b" l="l" r="r" t="t"/>
-            <a:pathLst>
-              <a:path extrusionOk="0" h="120000" w="120000">
-                <a:moveTo>
-                  <a:pt x="0" y="0"/>
-                </a:moveTo>
-                <a:lnTo>
-                  <a:pt x="120000" y="0"/>
-                </a:lnTo>
-                <a:lnTo>
-                  <a:pt x="120000" y="120000"/>
-                </a:lnTo>
-                <a:lnTo>
-                  <a:pt x="0" y="120000"/>
-                </a:lnTo>
-                <a:close/>
-              </a:path>
-            </a:pathLst>
-          </a:custGeom>
-        </p:spPr>
-      </p:sp>
-      <p:sp>
-        <p:nvSpPr>
-          <p:cNvPr id="102" name="Google Shape;102;g110ad6888d5_0_5:notes"/>
-          <p:cNvSpPr txBox="1"/>
-          <p:nvPr>
-            <p:ph idx="1" type="body"/>
-          </p:nvPr>
-        </p:nvSpPr>
-        <p:spPr>
-          <a:xfrm>
-            <a:off x="685800" y="4343400"/>
-            <a:ext cx="5486400" cy="4114800"/>
-          </a:xfrm>
-          <a:prstGeom prst="rect">
-            <a:avLst/>
-          </a:prstGeom>
-        </p:spPr>
-        <p:txBody>
-          <a:bodyPr anchorCtr="0" anchor="t" bIns="91425" lIns="91425" spcFirstLastPara="1" rIns="91425" wrap="square" tIns="91425">
-            <a:noAutofit/>
-          </a:bodyPr>
-          <a:lstStyle/>
-          <a:p>
-            <a:pPr indent="0" lvl="0" marL="0" rtl="0" algn="l">
-              <a:spcBef>
-                <a:spcPts val="0"/>
-              </a:spcBef>
-              <a:spcAft>
-                <a:spcPts val="0"/>
-              </a:spcAft>
-              <a:buNone/>
-            </a:pPr>
-            <a:r>
-              <a:t/>
-            </a:r>
             <a:endParaRPr/>
           </a:p>
         </p:txBody>
@@ -1686,11 +1551,11 @@
 </file>
 
 <file path=ppt/slideLayouts/slideLayout1.xml><?xml version="1.0" encoding="utf-8"?>
-<p:sldLayout xmlns:a="http://schemas.openxmlformats.org/drawingml/2006/main" xmlns:r="http://schemas.openxmlformats.org/officeDocument/2006/relationships" xmlns:mc="http://schemas.openxmlformats.org/markup-compatibility/2006" xmlns:mv="urn:schemas-microsoft-com:mac:vml" xmlns:p="http://schemas.openxmlformats.org/presentationml/2006/main" xmlns:c="http://schemas.openxmlformats.org/drawingml/2006/chart" xmlns:dgm="http://schemas.openxmlformats.org/drawingml/2006/diagram" xmlns:o="urn:schemas-microsoft-com:office:office" xmlns:v="urn:schemas-microsoft-com:vml" xmlns:pvml="urn:schemas-microsoft-com:office:powerpoint" xmlns:com="http://schemas.openxmlformats.org/drawingml/2006/compatibility" xmlns:p14="http://schemas.microsoft.com/office/powerpoint/2010/main" xmlns:p15="http://schemas.microsoft.com/office/powerpoint/2012/main" xmlns:ahyp="http://schemas.microsoft.com/office/drawing/2018/hyperlinkcolor" matchingName="Title slide" type="title">
+<p:sldLayout xmlns:a="http://schemas.openxmlformats.org/drawingml/2006/main" xmlns:r="http://schemas.openxmlformats.org/officeDocument/2006/relationships" xmlns:p="http://schemas.openxmlformats.org/presentationml/2006/main" matchingName="Title slide" type="title">
   <p:cSld name="TITLE">
     <p:spTree>
       <p:nvGrpSpPr>
-        <p:cNvPr id="9" name="Shape 9"/>
+        <p:cNvPr id="1" name="Shape 9"/>
         <p:cNvGrpSpPr/>
         <p:nvPr/>
       </p:nvGrpSpPr>
@@ -1705,7 +1570,9 @@
       <p:sp>
         <p:nvSpPr>
           <p:cNvPr id="10" name="Google Shape;10;p2"/>
-          <p:cNvSpPr txBox="1"/>
+          <p:cNvSpPr txBox="1">
+            <a:spLocks noGrp="1"/>
+          </p:cNvSpPr>
           <p:nvPr>
             <p:ph type="ctrTitle"/>
           </p:nvPr>
@@ -1720,7 +1587,7 @@
           </a:prstGeom>
         </p:spPr>
         <p:txBody>
-          <a:bodyPr anchorCtr="0" anchor="b" bIns="91425" lIns="91425" spcFirstLastPara="1" rIns="91425" wrap="square" tIns="91425">
+          <a:bodyPr spcFirstLastPara="1" wrap="square" lIns="91425" tIns="91425" rIns="91425" bIns="91425" anchor="b" anchorCtr="0">
             <a:normAutofit/>
           </a:bodyPr>
           <a:lstStyle>
@@ -1824,15 +1691,19 @@
               <a:defRPr sz="5200"/>
             </a:lvl9pPr>
           </a:lstStyle>
-          <a:p/>
+          <a:p>
+            <a:endParaRPr/>
+          </a:p>
         </p:txBody>
       </p:sp>
       <p:sp>
         <p:nvSpPr>
           <p:cNvPr id="11" name="Google Shape;11;p2"/>
-          <p:cNvSpPr txBox="1"/>
+          <p:cNvSpPr txBox="1">
+            <a:spLocks noGrp="1"/>
+          </p:cNvSpPr>
           <p:nvPr>
-            <p:ph idx="1" type="subTitle"/>
+            <p:ph type="subTitle" idx="1"/>
           </p:nvPr>
         </p:nvSpPr>
         <p:spPr>
@@ -1845,7 +1716,7 @@
           </a:prstGeom>
         </p:spPr>
         <p:txBody>
-          <a:bodyPr anchorCtr="0" anchor="t" bIns="91425" lIns="91425" spcFirstLastPara="1" rIns="91425" wrap="square" tIns="91425">
+          <a:bodyPr spcFirstLastPara="1" wrap="square" lIns="91425" tIns="91425" rIns="91425" bIns="91425" anchor="t" anchorCtr="0">
             <a:normAutofit/>
           </a:bodyPr>
           <a:lstStyle>
@@ -1976,15 +1847,19 @@
               <a:defRPr sz="2800"/>
             </a:lvl9pPr>
           </a:lstStyle>
-          <a:p/>
+          <a:p>
+            <a:endParaRPr/>
+          </a:p>
         </p:txBody>
       </p:sp>
       <p:sp>
         <p:nvSpPr>
           <p:cNvPr id="12" name="Google Shape;12;p2"/>
-          <p:cNvSpPr txBox="1"/>
+          <p:cNvSpPr txBox="1">
+            <a:spLocks noGrp="1"/>
+          </p:cNvSpPr>
           <p:nvPr>
-            <p:ph idx="12" type="sldNum"/>
+            <p:ph type="sldNum" idx="12"/>
           </p:nvPr>
         </p:nvSpPr>
         <p:spPr>
@@ -1997,7 +1872,7 @@
           </a:prstGeom>
         </p:spPr>
         <p:txBody>
-          <a:bodyPr anchorCtr="0" anchor="ctr" bIns="91425" lIns="91425" spcFirstLastPara="1" rIns="91425" wrap="square" tIns="91425">
+          <a:bodyPr spcFirstLastPara="1" wrap="square" lIns="91425" tIns="91425" rIns="91425" bIns="91425" anchor="ctr" anchorCtr="0">
             <a:normAutofit/>
           </a:bodyPr>
           <a:lstStyle>
@@ -2039,7 +1914,7 @@
             </a:lvl9pPr>
           </a:lstStyle>
           <a:p>
-            <a:pPr indent="0" lvl="0" marL="0" rtl="0" algn="r">
+            <a:pPr marL="0" lvl="0" indent="0" algn="r" rtl="0">
               <a:spcBef>
                 <a:spcPts val="0"/>
               </a:spcBef>
@@ -2065,11 +1940,11 @@
 </file>
 
 <file path=ppt/slideLayouts/slideLayout10.xml><?xml version="1.0" encoding="utf-8"?>
-<p:sldLayout xmlns:a="http://schemas.openxmlformats.org/drawingml/2006/main" xmlns:r="http://schemas.openxmlformats.org/officeDocument/2006/relationships" xmlns:mc="http://schemas.openxmlformats.org/markup-compatibility/2006" xmlns:mv="urn:schemas-microsoft-com:mac:vml" xmlns:p="http://schemas.openxmlformats.org/presentationml/2006/main" xmlns:c="http://schemas.openxmlformats.org/drawingml/2006/chart" xmlns:dgm="http://schemas.openxmlformats.org/drawingml/2006/diagram" xmlns:o="urn:schemas-microsoft-com:office:office" xmlns:v="urn:schemas-microsoft-com:vml" xmlns:pvml="urn:schemas-microsoft-com:office:powerpoint" xmlns:com="http://schemas.openxmlformats.org/drawingml/2006/compatibility" xmlns:p14="http://schemas.microsoft.com/office/powerpoint/2010/main" xmlns:p15="http://schemas.microsoft.com/office/powerpoint/2012/main" xmlns:ahyp="http://schemas.microsoft.com/office/drawing/2018/hyperlinkcolor" matchingName="Big number">
+<p:sldLayout xmlns:a="http://schemas.openxmlformats.org/drawingml/2006/main" xmlns:r="http://schemas.openxmlformats.org/officeDocument/2006/relationships" xmlns:p="http://schemas.openxmlformats.org/presentationml/2006/main" matchingName="Big number">
   <p:cSld name="BIG_NUMBER">
     <p:spTree>
       <p:nvGrpSpPr>
-        <p:cNvPr id="44" name="Shape 44"/>
+        <p:cNvPr id="1" name="Shape 44"/>
         <p:cNvGrpSpPr/>
         <p:nvPr/>
       </p:nvGrpSpPr>
@@ -2084,9 +1959,11 @@
       <p:sp>
         <p:nvSpPr>
           <p:cNvPr id="45" name="Google Shape;45;p11"/>
-          <p:cNvSpPr txBox="1"/>
+          <p:cNvSpPr txBox="1">
+            <a:spLocks noGrp="1"/>
+          </p:cNvSpPr>
           <p:nvPr>
-            <p:ph hasCustomPrompt="1" type="title"/>
+            <p:ph type="title" hasCustomPrompt="1"/>
           </p:nvPr>
         </p:nvSpPr>
         <p:spPr>
@@ -2099,7 +1976,7 @@
           </a:prstGeom>
         </p:spPr>
         <p:txBody>
-          <a:bodyPr anchorCtr="0" anchor="b" bIns="91425" lIns="91425" spcFirstLastPara="1" rIns="91425" wrap="square" tIns="91425">
+          <a:bodyPr spcFirstLastPara="1" wrap="square" lIns="91425" tIns="91425" rIns="91425" bIns="91425" anchor="b" anchorCtr="0">
             <a:normAutofit/>
           </a:bodyPr>
           <a:lstStyle>
@@ -2213,9 +2090,11 @@
       <p:sp>
         <p:nvSpPr>
           <p:cNvPr id="46" name="Google Shape;46;p11"/>
-          <p:cNvSpPr txBox="1"/>
+          <p:cNvSpPr txBox="1">
+            <a:spLocks noGrp="1"/>
+          </p:cNvSpPr>
           <p:nvPr>
-            <p:ph idx="1" type="body"/>
+            <p:ph type="body" idx="1"/>
           </p:nvPr>
         </p:nvSpPr>
         <p:spPr>
@@ -2228,11 +2107,11 @@
           </a:prstGeom>
         </p:spPr>
         <p:txBody>
-          <a:bodyPr anchorCtr="0" anchor="t" bIns="91425" lIns="91425" spcFirstLastPara="1" rIns="91425" wrap="square" tIns="91425">
+          <a:bodyPr spcFirstLastPara="1" wrap="square" lIns="91425" tIns="91425" rIns="91425" bIns="91425" anchor="t" anchorCtr="0">
             <a:normAutofit/>
           </a:bodyPr>
           <a:lstStyle>
-            <a:lvl1pPr indent="-342900" lvl="0" marL="457200" algn="ctr">
+            <a:lvl1pPr marL="457200" lvl="0" indent="-342900" algn="ctr">
               <a:spcBef>
                 <a:spcPts val="0"/>
               </a:spcBef>
@@ -2243,7 +2122,7 @@
               <a:buChar char="●"/>
               <a:defRPr/>
             </a:lvl1pPr>
-            <a:lvl2pPr indent="-317500" lvl="1" marL="914400" algn="ctr">
+            <a:lvl2pPr marL="914400" lvl="1" indent="-317500" algn="ctr">
               <a:spcBef>
                 <a:spcPts val="0"/>
               </a:spcBef>
@@ -2254,7 +2133,7 @@
               <a:buChar char="○"/>
               <a:defRPr/>
             </a:lvl2pPr>
-            <a:lvl3pPr indent="-317500" lvl="2" marL="1371600" algn="ctr">
+            <a:lvl3pPr marL="1371600" lvl="2" indent="-317500" algn="ctr">
               <a:spcBef>
                 <a:spcPts val="0"/>
               </a:spcBef>
@@ -2265,7 +2144,7 @@
               <a:buChar char="■"/>
               <a:defRPr/>
             </a:lvl3pPr>
-            <a:lvl4pPr indent="-317500" lvl="3" marL="1828800" algn="ctr">
+            <a:lvl4pPr marL="1828800" lvl="3" indent="-317500" algn="ctr">
               <a:spcBef>
                 <a:spcPts val="0"/>
               </a:spcBef>
@@ -2276,7 +2155,7 @@
               <a:buChar char="●"/>
               <a:defRPr/>
             </a:lvl4pPr>
-            <a:lvl5pPr indent="-317500" lvl="4" marL="2286000" algn="ctr">
+            <a:lvl5pPr marL="2286000" lvl="4" indent="-317500" algn="ctr">
               <a:spcBef>
                 <a:spcPts val="0"/>
               </a:spcBef>
@@ -2287,7 +2166,7 @@
               <a:buChar char="○"/>
               <a:defRPr/>
             </a:lvl5pPr>
-            <a:lvl6pPr indent="-317500" lvl="5" marL="2743200" algn="ctr">
+            <a:lvl6pPr marL="2743200" lvl="5" indent="-317500" algn="ctr">
               <a:spcBef>
                 <a:spcPts val="0"/>
               </a:spcBef>
@@ -2298,7 +2177,7 @@
               <a:buChar char="■"/>
               <a:defRPr/>
             </a:lvl6pPr>
-            <a:lvl7pPr indent="-317500" lvl="6" marL="3200400" algn="ctr">
+            <a:lvl7pPr marL="3200400" lvl="6" indent="-317500" algn="ctr">
               <a:spcBef>
                 <a:spcPts val="0"/>
               </a:spcBef>
@@ -2309,7 +2188,7 @@
               <a:buChar char="●"/>
               <a:defRPr/>
             </a:lvl7pPr>
-            <a:lvl8pPr indent="-317500" lvl="7" marL="3657600" algn="ctr">
+            <a:lvl8pPr marL="3657600" lvl="7" indent="-317500" algn="ctr">
               <a:spcBef>
                 <a:spcPts val="0"/>
               </a:spcBef>
@@ -2320,7 +2199,7 @@
               <a:buChar char="○"/>
               <a:defRPr/>
             </a:lvl8pPr>
-            <a:lvl9pPr indent="-317500" lvl="8" marL="4114800" algn="ctr">
+            <a:lvl9pPr marL="4114800" lvl="8" indent="-317500" algn="ctr">
               <a:spcBef>
                 <a:spcPts val="0"/>
               </a:spcBef>
@@ -2332,15 +2211,19 @@
               <a:defRPr/>
             </a:lvl9pPr>
           </a:lstStyle>
-          <a:p/>
+          <a:p>
+            <a:endParaRPr/>
+          </a:p>
         </p:txBody>
       </p:sp>
       <p:sp>
         <p:nvSpPr>
           <p:cNvPr id="47" name="Google Shape;47;p11"/>
-          <p:cNvSpPr txBox="1"/>
+          <p:cNvSpPr txBox="1">
+            <a:spLocks noGrp="1"/>
+          </p:cNvSpPr>
           <p:nvPr>
-            <p:ph idx="12" type="sldNum"/>
+            <p:ph type="sldNum" idx="12"/>
           </p:nvPr>
         </p:nvSpPr>
         <p:spPr>
@@ -2353,7 +2236,7 @@
           </a:prstGeom>
         </p:spPr>
         <p:txBody>
-          <a:bodyPr anchorCtr="0" anchor="ctr" bIns="91425" lIns="91425" spcFirstLastPara="1" rIns="91425" wrap="square" tIns="91425">
+          <a:bodyPr spcFirstLastPara="1" wrap="square" lIns="91425" tIns="91425" rIns="91425" bIns="91425" anchor="ctr" anchorCtr="0">
             <a:normAutofit/>
           </a:bodyPr>
           <a:lstStyle>
@@ -2395,7 +2278,7 @@
             </a:lvl9pPr>
           </a:lstStyle>
           <a:p>
-            <a:pPr indent="0" lvl="0" marL="0" rtl="0" algn="r">
+            <a:pPr marL="0" lvl="0" indent="0" algn="r" rtl="0">
               <a:spcBef>
                 <a:spcPts val="0"/>
               </a:spcBef>
@@ -2421,11 +2304,11 @@
 </file>
 
 <file path=ppt/slideLayouts/slideLayout11.xml><?xml version="1.0" encoding="utf-8"?>
-<p:sldLayout xmlns:a="http://schemas.openxmlformats.org/drawingml/2006/main" xmlns:r="http://schemas.openxmlformats.org/officeDocument/2006/relationships" xmlns:mc="http://schemas.openxmlformats.org/markup-compatibility/2006" xmlns:mv="urn:schemas-microsoft-com:mac:vml" xmlns:p="http://schemas.openxmlformats.org/presentationml/2006/main" xmlns:c="http://schemas.openxmlformats.org/drawingml/2006/chart" xmlns:dgm="http://schemas.openxmlformats.org/drawingml/2006/diagram" xmlns:o="urn:schemas-microsoft-com:office:office" xmlns:v="urn:schemas-microsoft-com:vml" xmlns:pvml="urn:schemas-microsoft-com:office:powerpoint" xmlns:com="http://schemas.openxmlformats.org/drawingml/2006/compatibility" xmlns:p14="http://schemas.microsoft.com/office/powerpoint/2010/main" xmlns:p15="http://schemas.microsoft.com/office/powerpoint/2012/main" xmlns:ahyp="http://schemas.microsoft.com/office/drawing/2018/hyperlinkcolor" matchingName="Blank" type="blank">
+<p:sldLayout xmlns:a="http://schemas.openxmlformats.org/drawingml/2006/main" xmlns:r="http://schemas.openxmlformats.org/officeDocument/2006/relationships" xmlns:p="http://schemas.openxmlformats.org/presentationml/2006/main" matchingName="Blank" type="blank">
   <p:cSld name="BLANK">
     <p:spTree>
       <p:nvGrpSpPr>
-        <p:cNvPr id="48" name="Shape 48"/>
+        <p:cNvPr id="1" name="Shape 48"/>
         <p:cNvGrpSpPr/>
         <p:nvPr/>
       </p:nvGrpSpPr>
@@ -2440,9 +2323,11 @@
       <p:sp>
         <p:nvSpPr>
           <p:cNvPr id="49" name="Google Shape;49;p12"/>
-          <p:cNvSpPr txBox="1"/>
+          <p:cNvSpPr txBox="1">
+            <a:spLocks noGrp="1"/>
+          </p:cNvSpPr>
           <p:nvPr>
-            <p:ph idx="12" type="sldNum"/>
+            <p:ph type="sldNum" idx="12"/>
           </p:nvPr>
         </p:nvSpPr>
         <p:spPr>
@@ -2455,7 +2340,7 @@
           </a:prstGeom>
         </p:spPr>
         <p:txBody>
-          <a:bodyPr anchorCtr="0" anchor="ctr" bIns="91425" lIns="91425" spcFirstLastPara="1" rIns="91425" wrap="square" tIns="91425">
+          <a:bodyPr spcFirstLastPara="1" wrap="square" lIns="91425" tIns="91425" rIns="91425" bIns="91425" anchor="ctr" anchorCtr="0">
             <a:normAutofit/>
           </a:bodyPr>
           <a:lstStyle>
@@ -2497,7 +2382,7 @@
             </a:lvl9pPr>
           </a:lstStyle>
           <a:p>
-            <a:pPr indent="0" lvl="0" marL="0" rtl="0" algn="r">
+            <a:pPr marL="0" lvl="0" indent="0" algn="r" rtl="0">
               <a:spcBef>
                 <a:spcPts val="0"/>
               </a:spcBef>
@@ -2522,12 +2407,160 @@
 </p:sldLayout>
 </file>
 
+<file path=ppt/slideLayouts/slideLayout12.xml><?xml version="1.0" encoding="utf-8"?>
+<p:sldLayout xmlns:a="http://schemas.openxmlformats.org/drawingml/2006/main" xmlns:r="http://schemas.openxmlformats.org/officeDocument/2006/relationships" xmlns:p="http://schemas.openxmlformats.org/presentationml/2006/main" type="tx">
+  <p:cSld name="CAPTION_ONLY">
+    <p:spTree>
+      <p:nvGrpSpPr>
+        <p:cNvPr id="1" name=""/>
+        <p:cNvGrpSpPr/>
+        <p:nvPr/>
+      </p:nvGrpSpPr>
+      <p:grpSpPr>
+        <a:xfrm>
+          <a:off x="0" y="0"/>
+          <a:ext cx="0" cy="0"/>
+          <a:chOff x="0" y="0"/>
+          <a:chExt cx="0" cy="0"/>
+        </a:xfrm>
+      </p:grpSpPr>
+      <p:sp>
+        <p:nvSpPr>
+          <p:cNvPr id="83" name="Body Level One…"/>
+          <p:cNvSpPr txBox="1">
+            <a:spLocks noGrp="1"/>
+          </p:cNvSpPr>
+          <p:nvPr>
+            <p:ph type="body" sz="quarter" idx="1"/>
+          </p:nvPr>
+        </p:nvSpPr>
+        <p:spPr>
+          <a:xfrm>
+            <a:off x="311699" y="4230575"/>
+            <a:ext cx="5998802" cy="605101"/>
+          </a:xfrm>
+          <a:prstGeom prst="rect">
+            <a:avLst/>
+          </a:prstGeom>
+        </p:spPr>
+        <p:txBody>
+          <a:bodyPr anchor="ctr"/>
+          <a:lstStyle>
+            <a:lvl1pPr marL="228600" indent="0">
+              <a:lnSpc>
+                <a:spcPct val="100000"/>
+              </a:lnSpc>
+              <a:buClrTx/>
+              <a:buSzTx/>
+              <a:buFontTx/>
+              <a:buNone/>
+            </a:lvl1pPr>
+            <a:lvl2pPr>
+              <a:lnSpc>
+                <a:spcPct val="100000"/>
+              </a:lnSpc>
+              <a:buClrTx/>
+              <a:buFontTx/>
+            </a:lvl2pPr>
+            <a:lvl3pPr>
+              <a:lnSpc>
+                <a:spcPct val="100000"/>
+              </a:lnSpc>
+              <a:buClrTx/>
+              <a:buFontTx/>
+            </a:lvl3pPr>
+            <a:lvl4pPr>
+              <a:lnSpc>
+                <a:spcPct val="100000"/>
+              </a:lnSpc>
+              <a:buClrTx/>
+              <a:buFontTx/>
+            </a:lvl4pPr>
+            <a:lvl5pPr>
+              <a:lnSpc>
+                <a:spcPct val="100000"/>
+              </a:lnSpc>
+              <a:buClrTx/>
+              <a:buFontTx/>
+            </a:lvl5pPr>
+          </a:lstStyle>
+          <a:p>
+            <a:r>
+              <a:t>Body Level One</a:t>
+            </a:r>
+          </a:p>
+          <a:p>
+            <a:pPr lvl="1"/>
+            <a:r>
+              <a:t>Body Level Two</a:t>
+            </a:r>
+          </a:p>
+          <a:p>
+            <a:pPr lvl="2"/>
+            <a:r>
+              <a:t>Body Level Three</a:t>
+            </a:r>
+          </a:p>
+          <a:p>
+            <a:pPr lvl="3"/>
+            <a:r>
+              <a:t>Body Level Four</a:t>
+            </a:r>
+          </a:p>
+          <a:p>
+            <a:pPr lvl="4"/>
+            <a:r>
+              <a:t>Body Level Five</a:t>
+            </a:r>
+          </a:p>
+        </p:txBody>
+      </p:sp>
+      <p:sp>
+        <p:nvSpPr>
+          <p:cNvPr id="84" name="Slide Number"/>
+          <p:cNvSpPr txBox="1">
+            <a:spLocks noGrp="1"/>
+          </p:cNvSpPr>
+          <p:nvPr>
+            <p:ph type="sldNum" sz="quarter" idx="2"/>
+          </p:nvPr>
+        </p:nvSpPr>
+        <p:spPr>
+          <a:prstGeom prst="rect">
+            <a:avLst/>
+          </a:prstGeom>
+        </p:spPr>
+        <p:txBody>
+          <a:bodyPr/>
+          <a:lstStyle/>
+          <a:p>
+            <a:fld id="{86CB4B4D-7CA3-9044-876B-883B54F8677D}" type="slidenum">
+              <a:t>‹#›</a:t>
+            </a:fld>
+            <a:endParaRPr/>
+          </a:p>
+        </p:txBody>
+      </p:sp>
+    </p:spTree>
+    <p:extLst>
+      <p:ext uri="{BB962C8B-B14F-4D97-AF65-F5344CB8AC3E}">
+        <p14:creationId xmlns:p14="http://schemas.microsoft.com/office/powerpoint/2010/main" val="4219975961"/>
+      </p:ext>
+    </p:extLst>
+  </p:cSld>
+  <p:clrMapOvr>
+    <a:masterClrMapping/>
+  </p:clrMapOvr>
+  <p:transition spd="med"/>
+</p:sldLayout>
+</file>
+
 <file path=ppt/slideLayouts/slideLayout2.xml><?xml version="1.0" encoding="utf-8"?>
-<p:sldLayout xmlns:a="http://schemas.openxmlformats.org/drawingml/2006/main" xmlns:r="http://schemas.openxmlformats.org/officeDocument/2006/relationships" xmlns:mc="http://schemas.openxmlformats.org/markup-compatibility/2006" xmlns:mv="urn:schemas-microsoft-com:mac:vml" xmlns:p="http://schemas.openxmlformats.org/presentationml/2006/main" xmlns:c="http://schemas.openxmlformats.org/drawingml/2006/chart" xmlns:dgm="http://schemas.openxmlformats.org/drawingml/2006/diagram" xmlns:o="urn:schemas-microsoft-com:office:office" xmlns:v="urn:schemas-microsoft-com:vml" xmlns:pvml="urn:schemas-microsoft-com:office:powerpoint" xmlns:com="http://schemas.openxmlformats.org/drawingml/2006/compatibility" xmlns:p14="http://schemas.microsoft.com/office/powerpoint/2010/main" xmlns:p15="http://schemas.microsoft.com/office/powerpoint/2012/main" xmlns:ahyp="http://schemas.microsoft.com/office/drawing/2018/hyperlinkcolor" matchingName="Section header" type="secHead">
+<p:sldLayout xmlns:a="http://schemas.openxmlformats.org/drawingml/2006/main" xmlns:r="http://schemas.openxmlformats.org/officeDocument/2006/relationships" xmlns:p="http://schemas.openxmlformats.org/presentationml/2006/main" matchingName="Section header" type="secHead">
   <p:cSld name="SECTION_HEADER">
     <p:spTree>
       <p:nvGrpSpPr>
-        <p:cNvPr id="13" name="Shape 13"/>
+        <p:cNvPr id="1" name="Shape 13"/>
         <p:cNvGrpSpPr/>
         <p:nvPr/>
       </p:nvGrpSpPr>
@@ -2542,7 +2575,9 @@
       <p:sp>
         <p:nvSpPr>
           <p:cNvPr id="14" name="Google Shape;14;p3"/>
-          <p:cNvSpPr txBox="1"/>
+          <p:cNvSpPr txBox="1">
+            <a:spLocks noGrp="1"/>
+          </p:cNvSpPr>
           <p:nvPr>
             <p:ph type="title"/>
           </p:nvPr>
@@ -2557,7 +2592,7 @@
           </a:prstGeom>
         </p:spPr>
         <p:txBody>
-          <a:bodyPr anchorCtr="0" anchor="ctr" bIns="91425" lIns="91425" spcFirstLastPara="1" rIns="91425" wrap="square" tIns="91425">
+          <a:bodyPr spcFirstLastPara="1" wrap="square" lIns="91425" tIns="91425" rIns="91425" bIns="91425" anchor="ctr" anchorCtr="0">
             <a:normAutofit/>
           </a:bodyPr>
           <a:lstStyle>
@@ -2661,15 +2696,19 @@
               <a:defRPr sz="3600"/>
             </a:lvl9pPr>
           </a:lstStyle>
-          <a:p/>
+          <a:p>
+            <a:endParaRPr/>
+          </a:p>
         </p:txBody>
       </p:sp>
       <p:sp>
         <p:nvSpPr>
           <p:cNvPr id="15" name="Google Shape;15;p3"/>
-          <p:cNvSpPr txBox="1"/>
+          <p:cNvSpPr txBox="1">
+            <a:spLocks noGrp="1"/>
+          </p:cNvSpPr>
           <p:nvPr>
-            <p:ph idx="12" type="sldNum"/>
+            <p:ph type="sldNum" idx="12"/>
           </p:nvPr>
         </p:nvSpPr>
         <p:spPr>
@@ -2682,7 +2721,7 @@
           </a:prstGeom>
         </p:spPr>
         <p:txBody>
-          <a:bodyPr anchorCtr="0" anchor="ctr" bIns="91425" lIns="91425" spcFirstLastPara="1" rIns="91425" wrap="square" tIns="91425">
+          <a:bodyPr spcFirstLastPara="1" wrap="square" lIns="91425" tIns="91425" rIns="91425" bIns="91425" anchor="ctr" anchorCtr="0">
             <a:normAutofit/>
           </a:bodyPr>
           <a:lstStyle>
@@ -2724,7 +2763,7 @@
             </a:lvl9pPr>
           </a:lstStyle>
           <a:p>
-            <a:pPr indent="0" lvl="0" marL="0" rtl="0" algn="r">
+            <a:pPr marL="0" lvl="0" indent="0" algn="r" rtl="0">
               <a:spcBef>
                 <a:spcPts val="0"/>
               </a:spcBef>
@@ -2750,11 +2789,11 @@
 </file>
 
 <file path=ppt/slideLayouts/slideLayout3.xml><?xml version="1.0" encoding="utf-8"?>
-<p:sldLayout xmlns:a="http://schemas.openxmlformats.org/drawingml/2006/main" xmlns:r="http://schemas.openxmlformats.org/officeDocument/2006/relationships" xmlns:mc="http://schemas.openxmlformats.org/markup-compatibility/2006" xmlns:mv="urn:schemas-microsoft-com:mac:vml" xmlns:p="http://schemas.openxmlformats.org/presentationml/2006/main" xmlns:c="http://schemas.openxmlformats.org/drawingml/2006/chart" xmlns:dgm="http://schemas.openxmlformats.org/drawingml/2006/diagram" xmlns:o="urn:schemas-microsoft-com:office:office" xmlns:v="urn:schemas-microsoft-com:vml" xmlns:pvml="urn:schemas-microsoft-com:office:powerpoint" xmlns:com="http://schemas.openxmlformats.org/drawingml/2006/compatibility" xmlns:p14="http://schemas.microsoft.com/office/powerpoint/2010/main" xmlns:p15="http://schemas.microsoft.com/office/powerpoint/2012/main" xmlns:ahyp="http://schemas.microsoft.com/office/drawing/2018/hyperlinkcolor" matchingName="Title and body" type="tx">
+<p:sldLayout xmlns:a="http://schemas.openxmlformats.org/drawingml/2006/main" xmlns:r="http://schemas.openxmlformats.org/officeDocument/2006/relationships" xmlns:p="http://schemas.openxmlformats.org/presentationml/2006/main" matchingName="Title and body" type="tx">
   <p:cSld name="TITLE_AND_BODY">
     <p:spTree>
       <p:nvGrpSpPr>
-        <p:cNvPr id="16" name="Shape 16"/>
+        <p:cNvPr id="1" name="Shape 16"/>
         <p:cNvGrpSpPr/>
         <p:nvPr/>
       </p:nvGrpSpPr>
@@ -2769,7 +2808,9 @@
       <p:sp>
         <p:nvSpPr>
           <p:cNvPr id="17" name="Google Shape;17;p4"/>
-          <p:cNvSpPr txBox="1"/>
+          <p:cNvSpPr txBox="1">
+            <a:spLocks noGrp="1"/>
+          </p:cNvSpPr>
           <p:nvPr>
             <p:ph type="title"/>
           </p:nvPr>
@@ -2784,7 +2825,7 @@
           </a:prstGeom>
         </p:spPr>
         <p:txBody>
-          <a:bodyPr anchorCtr="0" anchor="t" bIns="91425" lIns="91425" spcFirstLastPara="1" rIns="91425" wrap="square" tIns="91425">
+          <a:bodyPr spcFirstLastPara="1" wrap="square" lIns="91425" tIns="91425" rIns="91425" bIns="91425" anchor="t" anchorCtr="0">
             <a:normAutofit/>
           </a:bodyPr>
           <a:lstStyle>
@@ -2888,15 +2929,19 @@
               <a:defRPr/>
             </a:lvl9pPr>
           </a:lstStyle>
-          <a:p/>
+          <a:p>
+            <a:endParaRPr/>
+          </a:p>
         </p:txBody>
       </p:sp>
       <p:sp>
         <p:nvSpPr>
           <p:cNvPr id="18" name="Google Shape;18;p4"/>
-          <p:cNvSpPr txBox="1"/>
+          <p:cNvSpPr txBox="1">
+            <a:spLocks noGrp="1"/>
+          </p:cNvSpPr>
           <p:nvPr>
-            <p:ph idx="1" type="body"/>
+            <p:ph type="body" idx="1"/>
           </p:nvPr>
         </p:nvSpPr>
         <p:spPr>
@@ -2909,11 +2954,11 @@
           </a:prstGeom>
         </p:spPr>
         <p:txBody>
-          <a:bodyPr anchorCtr="0" anchor="t" bIns="91425" lIns="91425" spcFirstLastPara="1" rIns="91425" wrap="square" tIns="91425">
+          <a:bodyPr spcFirstLastPara="1" wrap="square" lIns="91425" tIns="91425" rIns="91425" bIns="91425" anchor="t" anchorCtr="0">
             <a:normAutofit/>
           </a:bodyPr>
           <a:lstStyle>
-            <a:lvl1pPr indent="-342900" lvl="0" marL="457200">
+            <a:lvl1pPr marL="457200" lvl="0" indent="-342900">
               <a:spcBef>
                 <a:spcPts val="0"/>
               </a:spcBef>
@@ -2924,7 +2969,7 @@
               <a:buChar char="●"/>
               <a:defRPr/>
             </a:lvl1pPr>
-            <a:lvl2pPr indent="-317500" lvl="1" marL="914400">
+            <a:lvl2pPr marL="914400" lvl="1" indent="-317500">
               <a:spcBef>
                 <a:spcPts val="0"/>
               </a:spcBef>
@@ -2935,7 +2980,7 @@
               <a:buChar char="○"/>
               <a:defRPr/>
             </a:lvl2pPr>
-            <a:lvl3pPr indent="-317500" lvl="2" marL="1371600">
+            <a:lvl3pPr marL="1371600" lvl="2" indent="-317500">
               <a:spcBef>
                 <a:spcPts val="0"/>
               </a:spcBef>
@@ -2946,7 +2991,7 @@
               <a:buChar char="■"/>
               <a:defRPr/>
             </a:lvl3pPr>
-            <a:lvl4pPr indent="-317500" lvl="3" marL="1828800">
+            <a:lvl4pPr marL="1828800" lvl="3" indent="-317500">
               <a:spcBef>
                 <a:spcPts val="0"/>
               </a:spcBef>
@@ -2957,7 +3002,7 @@
               <a:buChar char="●"/>
               <a:defRPr/>
             </a:lvl4pPr>
-            <a:lvl5pPr indent="-317500" lvl="4" marL="2286000">
+            <a:lvl5pPr marL="2286000" lvl="4" indent="-317500">
               <a:spcBef>
                 <a:spcPts val="0"/>
               </a:spcBef>
@@ -2968,7 +3013,7 @@
               <a:buChar char="○"/>
               <a:defRPr/>
             </a:lvl5pPr>
-            <a:lvl6pPr indent="-317500" lvl="5" marL="2743200">
+            <a:lvl6pPr marL="2743200" lvl="5" indent="-317500">
               <a:spcBef>
                 <a:spcPts val="0"/>
               </a:spcBef>
@@ -2979,7 +3024,7 @@
               <a:buChar char="■"/>
               <a:defRPr/>
             </a:lvl6pPr>
-            <a:lvl7pPr indent="-317500" lvl="6" marL="3200400">
+            <a:lvl7pPr marL="3200400" lvl="6" indent="-317500">
               <a:spcBef>
                 <a:spcPts val="0"/>
               </a:spcBef>
@@ -2990,7 +3035,7 @@
               <a:buChar char="●"/>
               <a:defRPr/>
             </a:lvl7pPr>
-            <a:lvl8pPr indent="-317500" lvl="7" marL="3657600">
+            <a:lvl8pPr marL="3657600" lvl="7" indent="-317500">
               <a:spcBef>
                 <a:spcPts val="0"/>
               </a:spcBef>
@@ -3001,7 +3046,7 @@
               <a:buChar char="○"/>
               <a:defRPr/>
             </a:lvl8pPr>
-            <a:lvl9pPr indent="-317500" lvl="8" marL="4114800">
+            <a:lvl9pPr marL="4114800" lvl="8" indent="-317500">
               <a:spcBef>
                 <a:spcPts val="0"/>
               </a:spcBef>
@@ -3013,15 +3058,19 @@
               <a:defRPr/>
             </a:lvl9pPr>
           </a:lstStyle>
-          <a:p/>
+          <a:p>
+            <a:endParaRPr/>
+          </a:p>
         </p:txBody>
       </p:sp>
       <p:sp>
         <p:nvSpPr>
           <p:cNvPr id="19" name="Google Shape;19;p4"/>
-          <p:cNvSpPr txBox="1"/>
+          <p:cNvSpPr txBox="1">
+            <a:spLocks noGrp="1"/>
+          </p:cNvSpPr>
           <p:nvPr>
-            <p:ph idx="12" type="sldNum"/>
+            <p:ph type="sldNum" idx="12"/>
           </p:nvPr>
         </p:nvSpPr>
         <p:spPr>
@@ -3034,7 +3083,7 @@
           </a:prstGeom>
         </p:spPr>
         <p:txBody>
-          <a:bodyPr anchorCtr="0" anchor="ctr" bIns="91425" lIns="91425" spcFirstLastPara="1" rIns="91425" wrap="square" tIns="91425">
+          <a:bodyPr spcFirstLastPara="1" wrap="square" lIns="91425" tIns="91425" rIns="91425" bIns="91425" anchor="ctr" anchorCtr="0">
             <a:normAutofit/>
           </a:bodyPr>
           <a:lstStyle>
@@ -3076,7 +3125,7 @@
             </a:lvl9pPr>
           </a:lstStyle>
           <a:p>
-            <a:pPr indent="0" lvl="0" marL="0" rtl="0" algn="r">
+            <a:pPr marL="0" lvl="0" indent="0" algn="r" rtl="0">
               <a:spcBef>
                 <a:spcPts val="0"/>
               </a:spcBef>
@@ -3102,11 +3151,11 @@
 </file>
 
 <file path=ppt/slideLayouts/slideLayout4.xml><?xml version="1.0" encoding="utf-8"?>
-<p:sldLayout xmlns:a="http://schemas.openxmlformats.org/drawingml/2006/main" xmlns:r="http://schemas.openxmlformats.org/officeDocument/2006/relationships" xmlns:mc="http://schemas.openxmlformats.org/markup-compatibility/2006" xmlns:mv="urn:schemas-microsoft-com:mac:vml" xmlns:p="http://schemas.openxmlformats.org/presentationml/2006/main" xmlns:c="http://schemas.openxmlformats.org/drawingml/2006/chart" xmlns:dgm="http://schemas.openxmlformats.org/drawingml/2006/diagram" xmlns:o="urn:schemas-microsoft-com:office:office" xmlns:v="urn:schemas-microsoft-com:vml" xmlns:pvml="urn:schemas-microsoft-com:office:powerpoint" xmlns:com="http://schemas.openxmlformats.org/drawingml/2006/compatibility" xmlns:p14="http://schemas.microsoft.com/office/powerpoint/2010/main" xmlns:p15="http://schemas.microsoft.com/office/powerpoint/2012/main" xmlns:ahyp="http://schemas.microsoft.com/office/drawing/2018/hyperlinkcolor" matchingName="Title and two columns" type="twoColTx">
+<p:sldLayout xmlns:a="http://schemas.openxmlformats.org/drawingml/2006/main" xmlns:r="http://schemas.openxmlformats.org/officeDocument/2006/relationships" xmlns:p="http://schemas.openxmlformats.org/presentationml/2006/main" matchingName="Title and two columns" type="twoColTx">
   <p:cSld name="TITLE_AND_TWO_COLUMNS">
     <p:spTree>
       <p:nvGrpSpPr>
-        <p:cNvPr id="20" name="Shape 20"/>
+        <p:cNvPr id="1" name="Shape 20"/>
         <p:cNvGrpSpPr/>
         <p:nvPr/>
       </p:nvGrpSpPr>
@@ -3121,7 +3170,9 @@
       <p:sp>
         <p:nvSpPr>
           <p:cNvPr id="21" name="Google Shape;21;p5"/>
-          <p:cNvSpPr txBox="1"/>
+          <p:cNvSpPr txBox="1">
+            <a:spLocks noGrp="1"/>
+          </p:cNvSpPr>
           <p:nvPr>
             <p:ph type="title"/>
           </p:nvPr>
@@ -3136,7 +3187,7 @@
           </a:prstGeom>
         </p:spPr>
         <p:txBody>
-          <a:bodyPr anchorCtr="0" anchor="t" bIns="91425" lIns="91425" spcFirstLastPara="1" rIns="91425" wrap="square" tIns="91425">
+          <a:bodyPr spcFirstLastPara="1" wrap="square" lIns="91425" tIns="91425" rIns="91425" bIns="91425" anchor="t" anchorCtr="0">
             <a:normAutofit/>
           </a:bodyPr>
           <a:lstStyle>
@@ -3240,15 +3291,19 @@
               <a:defRPr/>
             </a:lvl9pPr>
           </a:lstStyle>
-          <a:p/>
+          <a:p>
+            <a:endParaRPr/>
+          </a:p>
         </p:txBody>
       </p:sp>
       <p:sp>
         <p:nvSpPr>
           <p:cNvPr id="22" name="Google Shape;22;p5"/>
-          <p:cNvSpPr txBox="1"/>
+          <p:cNvSpPr txBox="1">
+            <a:spLocks noGrp="1"/>
+          </p:cNvSpPr>
           <p:nvPr>
-            <p:ph idx="1" type="body"/>
+            <p:ph type="body" idx="1"/>
           </p:nvPr>
         </p:nvSpPr>
         <p:spPr>
@@ -3261,11 +3316,11 @@
           </a:prstGeom>
         </p:spPr>
         <p:txBody>
-          <a:bodyPr anchorCtr="0" anchor="t" bIns="91425" lIns="91425" spcFirstLastPara="1" rIns="91425" wrap="square" tIns="91425">
+          <a:bodyPr spcFirstLastPara="1" wrap="square" lIns="91425" tIns="91425" rIns="91425" bIns="91425" anchor="t" anchorCtr="0">
             <a:normAutofit/>
           </a:bodyPr>
           <a:lstStyle>
-            <a:lvl1pPr indent="-317500" lvl="0" marL="457200">
+            <a:lvl1pPr marL="457200" lvl="0" indent="-317500">
               <a:spcBef>
                 <a:spcPts val="0"/>
               </a:spcBef>
@@ -3276,7 +3331,7 @@
               <a:buChar char="●"/>
               <a:defRPr sz="1400"/>
             </a:lvl1pPr>
-            <a:lvl2pPr indent="-304800" lvl="1" marL="914400">
+            <a:lvl2pPr marL="914400" lvl="1" indent="-304800">
               <a:spcBef>
                 <a:spcPts val="0"/>
               </a:spcBef>
@@ -3287,7 +3342,7 @@
               <a:buChar char="○"/>
               <a:defRPr sz="1200"/>
             </a:lvl2pPr>
-            <a:lvl3pPr indent="-304800" lvl="2" marL="1371600">
+            <a:lvl3pPr marL="1371600" lvl="2" indent="-304800">
               <a:spcBef>
                 <a:spcPts val="0"/>
               </a:spcBef>
@@ -3298,7 +3353,7 @@
               <a:buChar char="■"/>
               <a:defRPr sz="1200"/>
             </a:lvl3pPr>
-            <a:lvl4pPr indent="-304800" lvl="3" marL="1828800">
+            <a:lvl4pPr marL="1828800" lvl="3" indent="-304800">
               <a:spcBef>
                 <a:spcPts val="0"/>
               </a:spcBef>
@@ -3309,7 +3364,7 @@
               <a:buChar char="●"/>
               <a:defRPr sz="1200"/>
             </a:lvl4pPr>
-            <a:lvl5pPr indent="-304800" lvl="4" marL="2286000">
+            <a:lvl5pPr marL="2286000" lvl="4" indent="-304800">
               <a:spcBef>
                 <a:spcPts val="0"/>
               </a:spcBef>
@@ -3320,7 +3375,7 @@
               <a:buChar char="○"/>
               <a:defRPr sz="1200"/>
             </a:lvl5pPr>
-            <a:lvl6pPr indent="-304800" lvl="5" marL="2743200">
+            <a:lvl6pPr marL="2743200" lvl="5" indent="-304800">
               <a:spcBef>
                 <a:spcPts val="0"/>
               </a:spcBef>
@@ -3331,7 +3386,7 @@
               <a:buChar char="■"/>
               <a:defRPr sz="1200"/>
             </a:lvl6pPr>
-            <a:lvl7pPr indent="-304800" lvl="6" marL="3200400">
+            <a:lvl7pPr marL="3200400" lvl="6" indent="-304800">
               <a:spcBef>
                 <a:spcPts val="0"/>
               </a:spcBef>
@@ -3342,7 +3397,7 @@
               <a:buChar char="●"/>
               <a:defRPr sz="1200"/>
             </a:lvl7pPr>
-            <a:lvl8pPr indent="-304800" lvl="7" marL="3657600">
+            <a:lvl8pPr marL="3657600" lvl="7" indent="-304800">
               <a:spcBef>
                 <a:spcPts val="0"/>
               </a:spcBef>
@@ -3353,7 +3408,7 @@
               <a:buChar char="○"/>
               <a:defRPr sz="1200"/>
             </a:lvl8pPr>
-            <a:lvl9pPr indent="-304800" lvl="8" marL="4114800">
+            <a:lvl9pPr marL="4114800" lvl="8" indent="-304800">
               <a:spcBef>
                 <a:spcPts val="0"/>
               </a:spcBef>
@@ -3365,15 +3420,19 @@
               <a:defRPr sz="1200"/>
             </a:lvl9pPr>
           </a:lstStyle>
-          <a:p/>
+          <a:p>
+            <a:endParaRPr/>
+          </a:p>
         </p:txBody>
       </p:sp>
       <p:sp>
         <p:nvSpPr>
           <p:cNvPr id="23" name="Google Shape;23;p5"/>
-          <p:cNvSpPr txBox="1"/>
+          <p:cNvSpPr txBox="1">
+            <a:spLocks noGrp="1"/>
+          </p:cNvSpPr>
           <p:nvPr>
-            <p:ph idx="2" type="body"/>
+            <p:ph type="body" idx="2"/>
           </p:nvPr>
         </p:nvSpPr>
         <p:spPr>
@@ -3386,11 +3445,11 @@
           </a:prstGeom>
         </p:spPr>
         <p:txBody>
-          <a:bodyPr anchorCtr="0" anchor="t" bIns="91425" lIns="91425" spcFirstLastPara="1" rIns="91425" wrap="square" tIns="91425">
+          <a:bodyPr spcFirstLastPara="1" wrap="square" lIns="91425" tIns="91425" rIns="91425" bIns="91425" anchor="t" anchorCtr="0">
             <a:normAutofit/>
           </a:bodyPr>
           <a:lstStyle>
-            <a:lvl1pPr indent="-317500" lvl="0" marL="457200">
+            <a:lvl1pPr marL="457200" lvl="0" indent="-317500">
               <a:spcBef>
                 <a:spcPts val="0"/>
               </a:spcBef>
@@ -3401,7 +3460,7 @@
               <a:buChar char="●"/>
               <a:defRPr sz="1400"/>
             </a:lvl1pPr>
-            <a:lvl2pPr indent="-304800" lvl="1" marL="914400">
+            <a:lvl2pPr marL="914400" lvl="1" indent="-304800">
               <a:spcBef>
                 <a:spcPts val="0"/>
               </a:spcBef>
@@ -3412,7 +3471,7 @@
               <a:buChar char="○"/>
               <a:defRPr sz="1200"/>
             </a:lvl2pPr>
-            <a:lvl3pPr indent="-304800" lvl="2" marL="1371600">
+            <a:lvl3pPr marL="1371600" lvl="2" indent="-304800">
               <a:spcBef>
                 <a:spcPts val="0"/>
               </a:spcBef>
@@ -3423,7 +3482,7 @@
               <a:buChar char="■"/>
               <a:defRPr sz="1200"/>
             </a:lvl3pPr>
-            <a:lvl4pPr indent="-304800" lvl="3" marL="1828800">
+            <a:lvl4pPr marL="1828800" lvl="3" indent="-304800">
               <a:spcBef>
                 <a:spcPts val="0"/>
               </a:spcBef>
@@ -3434,7 +3493,7 @@
               <a:buChar char="●"/>
               <a:defRPr sz="1200"/>
             </a:lvl4pPr>
-            <a:lvl5pPr indent="-304800" lvl="4" marL="2286000">
+            <a:lvl5pPr marL="2286000" lvl="4" indent="-304800">
               <a:spcBef>
                 <a:spcPts val="0"/>
               </a:spcBef>
@@ -3445,7 +3504,7 @@
               <a:buChar char="○"/>
               <a:defRPr sz="1200"/>
             </a:lvl5pPr>
-            <a:lvl6pPr indent="-304800" lvl="5" marL="2743200">
+            <a:lvl6pPr marL="2743200" lvl="5" indent="-304800">
               <a:spcBef>
                 <a:spcPts val="0"/>
               </a:spcBef>
@@ -3456,7 +3515,7 @@
               <a:buChar char="■"/>
               <a:defRPr sz="1200"/>
             </a:lvl6pPr>
-            <a:lvl7pPr indent="-304800" lvl="6" marL="3200400">
+            <a:lvl7pPr marL="3200400" lvl="6" indent="-304800">
               <a:spcBef>
                 <a:spcPts val="0"/>
               </a:spcBef>
@@ -3467,7 +3526,7 @@
               <a:buChar char="●"/>
               <a:defRPr sz="1200"/>
             </a:lvl7pPr>
-            <a:lvl8pPr indent="-304800" lvl="7" marL="3657600">
+            <a:lvl8pPr marL="3657600" lvl="7" indent="-304800">
               <a:spcBef>
                 <a:spcPts val="0"/>
               </a:spcBef>
@@ -3478,7 +3537,7 @@
               <a:buChar char="○"/>
               <a:defRPr sz="1200"/>
             </a:lvl8pPr>
-            <a:lvl9pPr indent="-304800" lvl="8" marL="4114800">
+            <a:lvl9pPr marL="4114800" lvl="8" indent="-304800">
               <a:spcBef>
                 <a:spcPts val="0"/>
               </a:spcBef>
@@ -3490,15 +3549,19 @@
               <a:defRPr sz="1200"/>
             </a:lvl9pPr>
           </a:lstStyle>
-          <a:p/>
+          <a:p>
+            <a:endParaRPr/>
+          </a:p>
         </p:txBody>
       </p:sp>
       <p:sp>
         <p:nvSpPr>
           <p:cNvPr id="24" name="Google Shape;24;p5"/>
-          <p:cNvSpPr txBox="1"/>
+          <p:cNvSpPr txBox="1">
+            <a:spLocks noGrp="1"/>
+          </p:cNvSpPr>
           <p:nvPr>
-            <p:ph idx="12" type="sldNum"/>
+            <p:ph type="sldNum" idx="12"/>
           </p:nvPr>
         </p:nvSpPr>
         <p:spPr>
@@ -3511,7 +3574,7 @@
           </a:prstGeom>
         </p:spPr>
         <p:txBody>
-          <a:bodyPr anchorCtr="0" anchor="ctr" bIns="91425" lIns="91425" spcFirstLastPara="1" rIns="91425" wrap="square" tIns="91425">
+          <a:bodyPr spcFirstLastPara="1" wrap="square" lIns="91425" tIns="91425" rIns="91425" bIns="91425" anchor="ctr" anchorCtr="0">
             <a:normAutofit/>
           </a:bodyPr>
           <a:lstStyle>
@@ -3553,7 +3616,7 @@
             </a:lvl9pPr>
           </a:lstStyle>
           <a:p>
-            <a:pPr indent="0" lvl="0" marL="0" rtl="0" algn="r">
+            <a:pPr marL="0" lvl="0" indent="0" algn="r" rtl="0">
               <a:spcBef>
                 <a:spcPts val="0"/>
               </a:spcBef>
@@ -3579,11 +3642,11 @@
 </file>
 
 <file path=ppt/slideLayouts/slideLayout5.xml><?xml version="1.0" encoding="utf-8"?>
-<p:sldLayout xmlns:a="http://schemas.openxmlformats.org/drawingml/2006/main" xmlns:r="http://schemas.openxmlformats.org/officeDocument/2006/relationships" xmlns:mc="http://schemas.openxmlformats.org/markup-compatibility/2006" xmlns:mv="urn:schemas-microsoft-com:mac:vml" xmlns:p="http://schemas.openxmlformats.org/presentationml/2006/main" xmlns:c="http://schemas.openxmlformats.org/drawingml/2006/chart" xmlns:dgm="http://schemas.openxmlformats.org/drawingml/2006/diagram" xmlns:o="urn:schemas-microsoft-com:office:office" xmlns:v="urn:schemas-microsoft-com:vml" xmlns:pvml="urn:schemas-microsoft-com:office:powerpoint" xmlns:com="http://schemas.openxmlformats.org/drawingml/2006/compatibility" xmlns:p14="http://schemas.microsoft.com/office/powerpoint/2010/main" xmlns:p15="http://schemas.microsoft.com/office/powerpoint/2012/main" xmlns:ahyp="http://schemas.microsoft.com/office/drawing/2018/hyperlinkcolor" matchingName="Title only" type="titleOnly">
+<p:sldLayout xmlns:a="http://schemas.openxmlformats.org/drawingml/2006/main" xmlns:r="http://schemas.openxmlformats.org/officeDocument/2006/relationships" xmlns:p="http://schemas.openxmlformats.org/presentationml/2006/main" matchingName="Title only" type="titleOnly">
   <p:cSld name="TITLE_ONLY">
     <p:spTree>
       <p:nvGrpSpPr>
-        <p:cNvPr id="25" name="Shape 25"/>
+        <p:cNvPr id="1" name="Shape 25"/>
         <p:cNvGrpSpPr/>
         <p:nvPr/>
       </p:nvGrpSpPr>
@@ -3598,7 +3661,9 @@
       <p:sp>
         <p:nvSpPr>
           <p:cNvPr id="26" name="Google Shape;26;p6"/>
-          <p:cNvSpPr txBox="1"/>
+          <p:cNvSpPr txBox="1">
+            <a:spLocks noGrp="1"/>
+          </p:cNvSpPr>
           <p:nvPr>
             <p:ph type="title"/>
           </p:nvPr>
@@ -3613,7 +3678,7 @@
           </a:prstGeom>
         </p:spPr>
         <p:txBody>
-          <a:bodyPr anchorCtr="0" anchor="t" bIns="91425" lIns="91425" spcFirstLastPara="1" rIns="91425" wrap="square" tIns="91425">
+          <a:bodyPr spcFirstLastPara="1" wrap="square" lIns="91425" tIns="91425" rIns="91425" bIns="91425" anchor="t" anchorCtr="0">
             <a:normAutofit/>
           </a:bodyPr>
           <a:lstStyle>
@@ -3717,15 +3782,19 @@
               <a:defRPr/>
             </a:lvl9pPr>
           </a:lstStyle>
-          <a:p/>
+          <a:p>
+            <a:endParaRPr/>
+          </a:p>
         </p:txBody>
       </p:sp>
       <p:sp>
         <p:nvSpPr>
           <p:cNvPr id="27" name="Google Shape;27;p6"/>
-          <p:cNvSpPr txBox="1"/>
+          <p:cNvSpPr txBox="1">
+            <a:spLocks noGrp="1"/>
+          </p:cNvSpPr>
           <p:nvPr>
-            <p:ph idx="12" type="sldNum"/>
+            <p:ph type="sldNum" idx="12"/>
           </p:nvPr>
         </p:nvSpPr>
         <p:spPr>
@@ -3738,7 +3807,7 @@
           </a:prstGeom>
         </p:spPr>
         <p:txBody>
-          <a:bodyPr anchorCtr="0" anchor="ctr" bIns="91425" lIns="91425" spcFirstLastPara="1" rIns="91425" wrap="square" tIns="91425">
+          <a:bodyPr spcFirstLastPara="1" wrap="square" lIns="91425" tIns="91425" rIns="91425" bIns="91425" anchor="ctr" anchorCtr="0">
             <a:normAutofit/>
           </a:bodyPr>
           <a:lstStyle>
@@ -3780,7 +3849,7 @@
             </a:lvl9pPr>
           </a:lstStyle>
           <a:p>
-            <a:pPr indent="0" lvl="0" marL="0" rtl="0" algn="r">
+            <a:pPr marL="0" lvl="0" indent="0" algn="r" rtl="0">
               <a:spcBef>
                 <a:spcPts val="0"/>
               </a:spcBef>
@@ -3806,11 +3875,11 @@
 </file>
 
 <file path=ppt/slideLayouts/slideLayout6.xml><?xml version="1.0" encoding="utf-8"?>
-<p:sldLayout xmlns:a="http://schemas.openxmlformats.org/drawingml/2006/main" xmlns:r="http://schemas.openxmlformats.org/officeDocument/2006/relationships" xmlns:mc="http://schemas.openxmlformats.org/markup-compatibility/2006" xmlns:mv="urn:schemas-microsoft-com:mac:vml" xmlns:p="http://schemas.openxmlformats.org/presentationml/2006/main" xmlns:c="http://schemas.openxmlformats.org/drawingml/2006/chart" xmlns:dgm="http://schemas.openxmlformats.org/drawingml/2006/diagram" xmlns:o="urn:schemas-microsoft-com:office:office" xmlns:v="urn:schemas-microsoft-com:vml" xmlns:pvml="urn:schemas-microsoft-com:office:powerpoint" xmlns:com="http://schemas.openxmlformats.org/drawingml/2006/compatibility" xmlns:p14="http://schemas.microsoft.com/office/powerpoint/2010/main" xmlns:p15="http://schemas.microsoft.com/office/powerpoint/2012/main" xmlns:ahyp="http://schemas.microsoft.com/office/drawing/2018/hyperlinkcolor" matchingName="One column text">
+<p:sldLayout xmlns:a="http://schemas.openxmlformats.org/drawingml/2006/main" xmlns:r="http://schemas.openxmlformats.org/officeDocument/2006/relationships" xmlns:p="http://schemas.openxmlformats.org/presentationml/2006/main" matchingName="One column text">
   <p:cSld name="ONE_COLUMN_TEXT">
     <p:spTree>
       <p:nvGrpSpPr>
-        <p:cNvPr id="28" name="Shape 28"/>
+        <p:cNvPr id="1" name="Shape 28"/>
         <p:cNvGrpSpPr/>
         <p:nvPr/>
       </p:nvGrpSpPr>
@@ -3825,7 +3894,9 @@
       <p:sp>
         <p:nvSpPr>
           <p:cNvPr id="29" name="Google Shape;29;p7"/>
-          <p:cNvSpPr txBox="1"/>
+          <p:cNvSpPr txBox="1">
+            <a:spLocks noGrp="1"/>
+          </p:cNvSpPr>
           <p:nvPr>
             <p:ph type="title"/>
           </p:nvPr>
@@ -3840,7 +3911,7 @@
           </a:prstGeom>
         </p:spPr>
         <p:txBody>
-          <a:bodyPr anchorCtr="0" anchor="b" bIns="91425" lIns="91425" spcFirstLastPara="1" rIns="91425" wrap="square" tIns="91425">
+          <a:bodyPr spcFirstLastPara="1" wrap="square" lIns="91425" tIns="91425" rIns="91425" bIns="91425" anchor="b" anchorCtr="0">
             <a:normAutofit/>
           </a:bodyPr>
           <a:lstStyle>
@@ -3944,15 +4015,19 @@
               <a:defRPr sz="2400"/>
             </a:lvl9pPr>
           </a:lstStyle>
-          <a:p/>
+          <a:p>
+            <a:endParaRPr/>
+          </a:p>
         </p:txBody>
       </p:sp>
       <p:sp>
         <p:nvSpPr>
           <p:cNvPr id="30" name="Google Shape;30;p7"/>
-          <p:cNvSpPr txBox="1"/>
+          <p:cNvSpPr txBox="1">
+            <a:spLocks noGrp="1"/>
+          </p:cNvSpPr>
           <p:nvPr>
-            <p:ph idx="1" type="body"/>
+            <p:ph type="body" idx="1"/>
           </p:nvPr>
         </p:nvSpPr>
         <p:spPr>
@@ -3965,11 +4040,11 @@
           </a:prstGeom>
         </p:spPr>
         <p:txBody>
-          <a:bodyPr anchorCtr="0" anchor="t" bIns="91425" lIns="91425" spcFirstLastPara="1" rIns="91425" wrap="square" tIns="91425">
+          <a:bodyPr spcFirstLastPara="1" wrap="square" lIns="91425" tIns="91425" rIns="91425" bIns="91425" anchor="t" anchorCtr="0">
             <a:normAutofit/>
           </a:bodyPr>
           <a:lstStyle>
-            <a:lvl1pPr indent="-304800" lvl="0" marL="457200">
+            <a:lvl1pPr marL="457200" lvl="0" indent="-304800">
               <a:spcBef>
                 <a:spcPts val="0"/>
               </a:spcBef>
@@ -3980,7 +4055,7 @@
               <a:buChar char="●"/>
               <a:defRPr sz="1200"/>
             </a:lvl1pPr>
-            <a:lvl2pPr indent="-304800" lvl="1" marL="914400">
+            <a:lvl2pPr marL="914400" lvl="1" indent="-304800">
               <a:spcBef>
                 <a:spcPts val="0"/>
               </a:spcBef>
@@ -3991,7 +4066,7 @@
               <a:buChar char="○"/>
               <a:defRPr sz="1200"/>
             </a:lvl2pPr>
-            <a:lvl3pPr indent="-304800" lvl="2" marL="1371600">
+            <a:lvl3pPr marL="1371600" lvl="2" indent="-304800">
               <a:spcBef>
                 <a:spcPts val="0"/>
               </a:spcBef>
@@ -4002,7 +4077,7 @@
               <a:buChar char="■"/>
               <a:defRPr sz="1200"/>
             </a:lvl3pPr>
-            <a:lvl4pPr indent="-304800" lvl="3" marL="1828800">
+            <a:lvl4pPr marL="1828800" lvl="3" indent="-304800">
               <a:spcBef>
                 <a:spcPts val="0"/>
               </a:spcBef>
@@ -4013,7 +4088,7 @@
               <a:buChar char="●"/>
               <a:defRPr sz="1200"/>
             </a:lvl4pPr>
-            <a:lvl5pPr indent="-304800" lvl="4" marL="2286000">
+            <a:lvl5pPr marL="2286000" lvl="4" indent="-304800">
               <a:spcBef>
                 <a:spcPts val="0"/>
               </a:spcBef>
@@ -4024,7 +4099,7 @@
               <a:buChar char="○"/>
               <a:defRPr sz="1200"/>
             </a:lvl5pPr>
-            <a:lvl6pPr indent="-304800" lvl="5" marL="2743200">
+            <a:lvl6pPr marL="2743200" lvl="5" indent="-304800">
               <a:spcBef>
                 <a:spcPts val="0"/>
               </a:spcBef>
@@ -4035,7 +4110,7 @@
               <a:buChar char="■"/>
               <a:defRPr sz="1200"/>
             </a:lvl6pPr>
-            <a:lvl7pPr indent="-304800" lvl="6" marL="3200400">
+            <a:lvl7pPr marL="3200400" lvl="6" indent="-304800">
               <a:spcBef>
                 <a:spcPts val="0"/>
               </a:spcBef>
@@ -4046,7 +4121,7 @@
               <a:buChar char="●"/>
               <a:defRPr sz="1200"/>
             </a:lvl7pPr>
-            <a:lvl8pPr indent="-304800" lvl="7" marL="3657600">
+            <a:lvl8pPr marL="3657600" lvl="7" indent="-304800">
               <a:spcBef>
                 <a:spcPts val="0"/>
               </a:spcBef>
@@ -4057,7 +4132,7 @@
               <a:buChar char="○"/>
               <a:defRPr sz="1200"/>
             </a:lvl8pPr>
-            <a:lvl9pPr indent="-304800" lvl="8" marL="4114800">
+            <a:lvl9pPr marL="4114800" lvl="8" indent="-304800">
               <a:spcBef>
                 <a:spcPts val="0"/>
               </a:spcBef>
@@ -4069,15 +4144,19 @@
               <a:defRPr sz="1200"/>
             </a:lvl9pPr>
           </a:lstStyle>
-          <a:p/>
+          <a:p>
+            <a:endParaRPr/>
+          </a:p>
         </p:txBody>
       </p:sp>
       <p:sp>
         <p:nvSpPr>
           <p:cNvPr id="31" name="Google Shape;31;p7"/>
-          <p:cNvSpPr txBox="1"/>
+          <p:cNvSpPr txBox="1">
+            <a:spLocks noGrp="1"/>
+          </p:cNvSpPr>
           <p:nvPr>
-            <p:ph idx="12" type="sldNum"/>
+            <p:ph type="sldNum" idx="12"/>
           </p:nvPr>
         </p:nvSpPr>
         <p:spPr>
@@ -4090,7 +4169,7 @@
           </a:prstGeom>
         </p:spPr>
         <p:txBody>
-          <a:bodyPr anchorCtr="0" anchor="ctr" bIns="91425" lIns="91425" spcFirstLastPara="1" rIns="91425" wrap="square" tIns="91425">
+          <a:bodyPr spcFirstLastPara="1" wrap="square" lIns="91425" tIns="91425" rIns="91425" bIns="91425" anchor="ctr" anchorCtr="0">
             <a:normAutofit/>
           </a:bodyPr>
           <a:lstStyle>
@@ -4132,7 +4211,7 @@
             </a:lvl9pPr>
           </a:lstStyle>
           <a:p>
-            <a:pPr indent="0" lvl="0" marL="0" rtl="0" algn="r">
+            <a:pPr marL="0" lvl="0" indent="0" algn="r" rtl="0">
               <a:spcBef>
                 <a:spcPts val="0"/>
               </a:spcBef>
@@ -4158,11 +4237,11 @@
 </file>
 
 <file path=ppt/slideLayouts/slideLayout7.xml><?xml version="1.0" encoding="utf-8"?>
-<p:sldLayout xmlns:a="http://schemas.openxmlformats.org/drawingml/2006/main" xmlns:r="http://schemas.openxmlformats.org/officeDocument/2006/relationships" xmlns:mc="http://schemas.openxmlformats.org/markup-compatibility/2006" xmlns:mv="urn:schemas-microsoft-com:mac:vml" xmlns:p="http://schemas.openxmlformats.org/presentationml/2006/main" xmlns:c="http://schemas.openxmlformats.org/drawingml/2006/chart" xmlns:dgm="http://schemas.openxmlformats.org/drawingml/2006/diagram" xmlns:o="urn:schemas-microsoft-com:office:office" xmlns:v="urn:schemas-microsoft-com:vml" xmlns:pvml="urn:schemas-microsoft-com:office:powerpoint" xmlns:com="http://schemas.openxmlformats.org/drawingml/2006/compatibility" xmlns:p14="http://schemas.microsoft.com/office/powerpoint/2010/main" xmlns:p15="http://schemas.microsoft.com/office/powerpoint/2012/main" xmlns:ahyp="http://schemas.microsoft.com/office/drawing/2018/hyperlinkcolor" matchingName="Main point">
+<p:sldLayout xmlns:a="http://schemas.openxmlformats.org/drawingml/2006/main" xmlns:r="http://schemas.openxmlformats.org/officeDocument/2006/relationships" xmlns:p="http://schemas.openxmlformats.org/presentationml/2006/main" matchingName="Main point">
   <p:cSld name="MAIN_POINT">
     <p:spTree>
       <p:nvGrpSpPr>
-        <p:cNvPr id="32" name="Shape 32"/>
+        <p:cNvPr id="1" name="Shape 32"/>
         <p:cNvGrpSpPr/>
         <p:nvPr/>
       </p:nvGrpSpPr>
@@ -4177,7 +4256,9 @@
       <p:sp>
         <p:nvSpPr>
           <p:cNvPr id="33" name="Google Shape;33;p8"/>
-          <p:cNvSpPr txBox="1"/>
+          <p:cNvSpPr txBox="1">
+            <a:spLocks noGrp="1"/>
+          </p:cNvSpPr>
           <p:nvPr>
             <p:ph type="title"/>
           </p:nvPr>
@@ -4192,7 +4273,7 @@
           </a:prstGeom>
         </p:spPr>
         <p:txBody>
-          <a:bodyPr anchorCtr="0" anchor="ctr" bIns="91425" lIns="91425" spcFirstLastPara="1" rIns="91425" wrap="square" tIns="91425">
+          <a:bodyPr spcFirstLastPara="1" wrap="square" lIns="91425" tIns="91425" rIns="91425" bIns="91425" anchor="ctr" anchorCtr="0">
             <a:normAutofit/>
           </a:bodyPr>
           <a:lstStyle>
@@ -4296,15 +4377,19 @@
               <a:defRPr sz="4800"/>
             </a:lvl9pPr>
           </a:lstStyle>
-          <a:p/>
+          <a:p>
+            <a:endParaRPr/>
+          </a:p>
         </p:txBody>
       </p:sp>
       <p:sp>
         <p:nvSpPr>
           <p:cNvPr id="34" name="Google Shape;34;p8"/>
-          <p:cNvSpPr txBox="1"/>
+          <p:cNvSpPr txBox="1">
+            <a:spLocks noGrp="1"/>
+          </p:cNvSpPr>
           <p:nvPr>
-            <p:ph idx="12" type="sldNum"/>
+            <p:ph type="sldNum" idx="12"/>
           </p:nvPr>
         </p:nvSpPr>
         <p:spPr>
@@ -4317,7 +4402,7 @@
           </a:prstGeom>
         </p:spPr>
         <p:txBody>
-          <a:bodyPr anchorCtr="0" anchor="ctr" bIns="91425" lIns="91425" spcFirstLastPara="1" rIns="91425" wrap="square" tIns="91425">
+          <a:bodyPr spcFirstLastPara="1" wrap="square" lIns="91425" tIns="91425" rIns="91425" bIns="91425" anchor="ctr" anchorCtr="0">
             <a:normAutofit/>
           </a:bodyPr>
           <a:lstStyle>
@@ -4359,7 +4444,7 @@
             </a:lvl9pPr>
           </a:lstStyle>
           <a:p>
-            <a:pPr indent="0" lvl="0" marL="0" rtl="0" algn="r">
+            <a:pPr marL="0" lvl="0" indent="0" algn="r" rtl="0">
               <a:spcBef>
                 <a:spcPts val="0"/>
               </a:spcBef>
@@ -4385,11 +4470,11 @@
 </file>
 
 <file path=ppt/slideLayouts/slideLayout8.xml><?xml version="1.0" encoding="utf-8"?>
-<p:sldLayout xmlns:a="http://schemas.openxmlformats.org/drawingml/2006/main" xmlns:r="http://schemas.openxmlformats.org/officeDocument/2006/relationships" xmlns:mc="http://schemas.openxmlformats.org/markup-compatibility/2006" xmlns:mv="urn:schemas-microsoft-com:mac:vml" xmlns:p="http://schemas.openxmlformats.org/presentationml/2006/main" xmlns:c="http://schemas.openxmlformats.org/drawingml/2006/chart" xmlns:dgm="http://schemas.openxmlformats.org/drawingml/2006/diagram" xmlns:o="urn:schemas-microsoft-com:office:office" xmlns:v="urn:schemas-microsoft-com:vml" xmlns:pvml="urn:schemas-microsoft-com:office:powerpoint" xmlns:com="http://schemas.openxmlformats.org/drawingml/2006/compatibility" xmlns:p14="http://schemas.microsoft.com/office/powerpoint/2010/main" xmlns:p15="http://schemas.microsoft.com/office/powerpoint/2012/main" xmlns:ahyp="http://schemas.microsoft.com/office/drawing/2018/hyperlinkcolor" matchingName="Section title and description">
+<p:sldLayout xmlns:a="http://schemas.openxmlformats.org/drawingml/2006/main" xmlns:r="http://schemas.openxmlformats.org/officeDocument/2006/relationships" xmlns:p="http://schemas.openxmlformats.org/presentationml/2006/main" matchingName="Section title and description">
   <p:cSld name="SECTION_TITLE_AND_DESCRIPTION">
     <p:spTree>
       <p:nvGrpSpPr>
-        <p:cNvPr id="35" name="Shape 35"/>
+        <p:cNvPr id="1" name="Shape 35"/>
         <p:cNvGrpSpPr/>
         <p:nvPr/>
       </p:nvGrpSpPr>
@@ -4423,12 +4508,12 @@
           </a:ln>
         </p:spPr>
         <p:txBody>
-          <a:bodyPr anchorCtr="0" anchor="ctr" bIns="91425" lIns="91425" spcFirstLastPara="1" rIns="91425" wrap="square" tIns="91425">
+          <a:bodyPr spcFirstLastPara="1" wrap="square" lIns="91425" tIns="91425" rIns="91425" bIns="91425" anchor="ctr" anchorCtr="0">
             <a:noAutofit/>
           </a:bodyPr>
           <a:lstStyle/>
           <a:p>
-            <a:pPr indent="0" lvl="0" marL="0" rtl="0" algn="l">
+            <a:pPr marL="0" lvl="0" indent="0" algn="l" rtl="0">
               <a:spcBef>
                 <a:spcPts val="0"/>
               </a:spcBef>
@@ -4437,9 +4522,6 @@
               </a:spcAft>
               <a:buNone/>
             </a:pPr>
-            <a:r>
-              <a:t/>
-            </a:r>
             <a:endParaRPr/>
           </a:p>
         </p:txBody>
@@ -4447,7 +4529,9 @@
       <p:sp>
         <p:nvSpPr>
           <p:cNvPr id="37" name="Google Shape;37;p9"/>
-          <p:cNvSpPr txBox="1"/>
+          <p:cNvSpPr txBox="1">
+            <a:spLocks noGrp="1"/>
+          </p:cNvSpPr>
           <p:nvPr>
             <p:ph type="title"/>
           </p:nvPr>
@@ -4462,7 +4546,7 @@
           </a:prstGeom>
         </p:spPr>
         <p:txBody>
-          <a:bodyPr anchorCtr="0" anchor="b" bIns="91425" lIns="91425" spcFirstLastPara="1" rIns="91425" wrap="square" tIns="91425">
+          <a:bodyPr spcFirstLastPara="1" wrap="square" lIns="91425" tIns="91425" rIns="91425" bIns="91425" anchor="b" anchorCtr="0">
             <a:normAutofit/>
           </a:bodyPr>
           <a:lstStyle>
@@ -4566,15 +4650,19 @@
               <a:defRPr sz="4200"/>
             </a:lvl9pPr>
           </a:lstStyle>
-          <a:p/>
+          <a:p>
+            <a:endParaRPr/>
+          </a:p>
         </p:txBody>
       </p:sp>
       <p:sp>
         <p:nvSpPr>
           <p:cNvPr id="38" name="Google Shape;38;p9"/>
-          <p:cNvSpPr txBox="1"/>
+          <p:cNvSpPr txBox="1">
+            <a:spLocks noGrp="1"/>
+          </p:cNvSpPr>
           <p:nvPr>
-            <p:ph idx="1" type="subTitle"/>
+            <p:ph type="subTitle" idx="1"/>
           </p:nvPr>
         </p:nvSpPr>
         <p:spPr>
@@ -4587,7 +4675,7 @@
           </a:prstGeom>
         </p:spPr>
         <p:txBody>
-          <a:bodyPr anchorCtr="0" anchor="t" bIns="91425" lIns="91425" spcFirstLastPara="1" rIns="91425" wrap="square" tIns="91425">
+          <a:bodyPr spcFirstLastPara="1" wrap="square" lIns="91425" tIns="91425" rIns="91425" bIns="91425" anchor="t" anchorCtr="0">
             <a:normAutofit/>
           </a:bodyPr>
           <a:lstStyle>
@@ -4718,15 +4806,19 @@
               <a:defRPr sz="2100"/>
             </a:lvl9pPr>
           </a:lstStyle>
-          <a:p/>
+          <a:p>
+            <a:endParaRPr/>
+          </a:p>
         </p:txBody>
       </p:sp>
       <p:sp>
         <p:nvSpPr>
           <p:cNvPr id="39" name="Google Shape;39;p9"/>
-          <p:cNvSpPr txBox="1"/>
+          <p:cNvSpPr txBox="1">
+            <a:spLocks noGrp="1"/>
+          </p:cNvSpPr>
           <p:nvPr>
-            <p:ph idx="2" type="body"/>
+            <p:ph type="body" idx="2"/>
           </p:nvPr>
         </p:nvSpPr>
         <p:spPr>
@@ -4739,11 +4831,11 @@
           </a:prstGeom>
         </p:spPr>
         <p:txBody>
-          <a:bodyPr anchorCtr="0" anchor="ctr" bIns="91425" lIns="91425" spcFirstLastPara="1" rIns="91425" wrap="square" tIns="91425">
+          <a:bodyPr spcFirstLastPara="1" wrap="square" lIns="91425" tIns="91425" rIns="91425" bIns="91425" anchor="ctr" anchorCtr="0">
             <a:normAutofit/>
           </a:bodyPr>
           <a:lstStyle>
-            <a:lvl1pPr indent="-342900" lvl="0" marL="457200">
+            <a:lvl1pPr marL="457200" lvl="0" indent="-342900">
               <a:spcBef>
                 <a:spcPts val="0"/>
               </a:spcBef>
@@ -4754,7 +4846,7 @@
               <a:buChar char="●"/>
               <a:defRPr/>
             </a:lvl1pPr>
-            <a:lvl2pPr indent="-317500" lvl="1" marL="914400">
+            <a:lvl2pPr marL="914400" lvl="1" indent="-317500">
               <a:spcBef>
                 <a:spcPts val="0"/>
               </a:spcBef>
@@ -4765,7 +4857,7 @@
               <a:buChar char="○"/>
               <a:defRPr/>
             </a:lvl2pPr>
-            <a:lvl3pPr indent="-317500" lvl="2" marL="1371600">
+            <a:lvl3pPr marL="1371600" lvl="2" indent="-317500">
               <a:spcBef>
                 <a:spcPts val="0"/>
               </a:spcBef>
@@ -4776,7 +4868,7 @@
               <a:buChar char="■"/>
               <a:defRPr/>
             </a:lvl3pPr>
-            <a:lvl4pPr indent="-317500" lvl="3" marL="1828800">
+            <a:lvl4pPr marL="1828800" lvl="3" indent="-317500">
               <a:spcBef>
                 <a:spcPts val="0"/>
               </a:spcBef>
@@ -4787,7 +4879,7 @@
               <a:buChar char="●"/>
               <a:defRPr/>
             </a:lvl4pPr>
-            <a:lvl5pPr indent="-317500" lvl="4" marL="2286000">
+            <a:lvl5pPr marL="2286000" lvl="4" indent="-317500">
               <a:spcBef>
                 <a:spcPts val="0"/>
               </a:spcBef>
@@ -4798,7 +4890,7 @@
               <a:buChar char="○"/>
               <a:defRPr/>
             </a:lvl5pPr>
-            <a:lvl6pPr indent="-317500" lvl="5" marL="2743200">
+            <a:lvl6pPr marL="2743200" lvl="5" indent="-317500">
               <a:spcBef>
                 <a:spcPts val="0"/>
               </a:spcBef>
@@ -4809,7 +4901,7 @@
               <a:buChar char="■"/>
               <a:defRPr/>
             </a:lvl6pPr>
-            <a:lvl7pPr indent="-317500" lvl="6" marL="3200400">
+            <a:lvl7pPr marL="3200400" lvl="6" indent="-317500">
               <a:spcBef>
                 <a:spcPts val="0"/>
               </a:spcBef>
@@ -4820,7 +4912,7 @@
               <a:buChar char="●"/>
               <a:defRPr/>
             </a:lvl7pPr>
-            <a:lvl8pPr indent="-317500" lvl="7" marL="3657600">
+            <a:lvl8pPr marL="3657600" lvl="7" indent="-317500">
               <a:spcBef>
                 <a:spcPts val="0"/>
               </a:spcBef>
@@ -4831,7 +4923,7 @@
               <a:buChar char="○"/>
               <a:defRPr/>
             </a:lvl8pPr>
-            <a:lvl9pPr indent="-317500" lvl="8" marL="4114800">
+            <a:lvl9pPr marL="4114800" lvl="8" indent="-317500">
               <a:spcBef>
                 <a:spcPts val="0"/>
               </a:spcBef>
@@ -4843,15 +4935,19 @@
               <a:defRPr/>
             </a:lvl9pPr>
           </a:lstStyle>
-          <a:p/>
+          <a:p>
+            <a:endParaRPr/>
+          </a:p>
         </p:txBody>
       </p:sp>
       <p:sp>
         <p:nvSpPr>
           <p:cNvPr id="40" name="Google Shape;40;p9"/>
-          <p:cNvSpPr txBox="1"/>
+          <p:cNvSpPr txBox="1">
+            <a:spLocks noGrp="1"/>
+          </p:cNvSpPr>
           <p:nvPr>
-            <p:ph idx="12" type="sldNum"/>
+            <p:ph type="sldNum" idx="12"/>
           </p:nvPr>
         </p:nvSpPr>
         <p:spPr>
@@ -4864,7 +4960,7 @@
           </a:prstGeom>
         </p:spPr>
         <p:txBody>
-          <a:bodyPr anchorCtr="0" anchor="ctr" bIns="91425" lIns="91425" spcFirstLastPara="1" rIns="91425" wrap="square" tIns="91425">
+          <a:bodyPr spcFirstLastPara="1" wrap="square" lIns="91425" tIns="91425" rIns="91425" bIns="91425" anchor="ctr" anchorCtr="0">
             <a:normAutofit/>
           </a:bodyPr>
           <a:lstStyle>
@@ -4906,7 +5002,7 @@
             </a:lvl9pPr>
           </a:lstStyle>
           <a:p>
-            <a:pPr indent="0" lvl="0" marL="0" rtl="0" algn="r">
+            <a:pPr marL="0" lvl="0" indent="0" algn="r" rtl="0">
               <a:spcBef>
                 <a:spcPts val="0"/>
               </a:spcBef>
@@ -4932,11 +5028,11 @@
 </file>
 
 <file path=ppt/slideLayouts/slideLayout9.xml><?xml version="1.0" encoding="utf-8"?>
-<p:sldLayout xmlns:a="http://schemas.openxmlformats.org/drawingml/2006/main" xmlns:r="http://schemas.openxmlformats.org/officeDocument/2006/relationships" xmlns:mc="http://schemas.openxmlformats.org/markup-compatibility/2006" xmlns:mv="urn:schemas-microsoft-com:mac:vml" xmlns:p="http://schemas.openxmlformats.org/presentationml/2006/main" xmlns:c="http://schemas.openxmlformats.org/drawingml/2006/chart" xmlns:dgm="http://schemas.openxmlformats.org/drawingml/2006/diagram" xmlns:o="urn:schemas-microsoft-com:office:office" xmlns:v="urn:schemas-microsoft-com:vml" xmlns:pvml="urn:schemas-microsoft-com:office:powerpoint" xmlns:com="http://schemas.openxmlformats.org/drawingml/2006/compatibility" xmlns:p14="http://schemas.microsoft.com/office/powerpoint/2010/main" xmlns:p15="http://schemas.microsoft.com/office/powerpoint/2012/main" xmlns:ahyp="http://schemas.microsoft.com/office/drawing/2018/hyperlinkcolor" matchingName="Caption">
+<p:sldLayout xmlns:a="http://schemas.openxmlformats.org/drawingml/2006/main" xmlns:r="http://schemas.openxmlformats.org/officeDocument/2006/relationships" xmlns:p="http://schemas.openxmlformats.org/presentationml/2006/main" matchingName="Caption">
   <p:cSld name="CAPTION_ONLY">
     <p:spTree>
       <p:nvGrpSpPr>
-        <p:cNvPr id="41" name="Shape 41"/>
+        <p:cNvPr id="1" name="Shape 41"/>
         <p:cNvGrpSpPr/>
         <p:nvPr/>
       </p:nvGrpSpPr>
@@ -4951,9 +5047,11 @@
       <p:sp>
         <p:nvSpPr>
           <p:cNvPr id="42" name="Google Shape;42;p10"/>
-          <p:cNvSpPr txBox="1"/>
+          <p:cNvSpPr txBox="1">
+            <a:spLocks noGrp="1"/>
+          </p:cNvSpPr>
           <p:nvPr>
-            <p:ph idx="1" type="body"/>
+            <p:ph type="body" idx="1"/>
           </p:nvPr>
         </p:nvSpPr>
         <p:spPr>
@@ -4966,11 +5064,11 @@
           </a:prstGeom>
         </p:spPr>
         <p:txBody>
-          <a:bodyPr anchorCtr="0" anchor="ctr" bIns="91425" lIns="91425" spcFirstLastPara="1" rIns="91425" wrap="square" tIns="91425">
+          <a:bodyPr spcFirstLastPara="1" wrap="square" lIns="91425" tIns="91425" rIns="91425" bIns="91425" anchor="ctr" anchorCtr="0">
             <a:normAutofit/>
           </a:bodyPr>
           <a:lstStyle>
-            <a:lvl1pPr indent="-228600" lvl="0" marL="457200">
+            <a:lvl1pPr marL="457200" lvl="0" indent="-228600">
               <a:lnSpc>
                 <a:spcPct val="100000"/>
               </a:lnSpc>
@@ -4985,15 +5083,19 @@
               <a:defRPr/>
             </a:lvl1pPr>
           </a:lstStyle>
-          <a:p/>
+          <a:p>
+            <a:endParaRPr/>
+          </a:p>
         </p:txBody>
       </p:sp>
       <p:sp>
         <p:nvSpPr>
           <p:cNvPr id="43" name="Google Shape;43;p10"/>
-          <p:cNvSpPr txBox="1"/>
+          <p:cNvSpPr txBox="1">
+            <a:spLocks noGrp="1"/>
+          </p:cNvSpPr>
           <p:nvPr>
-            <p:ph idx="12" type="sldNum"/>
+            <p:ph type="sldNum" idx="12"/>
           </p:nvPr>
         </p:nvSpPr>
         <p:spPr>
@@ -5006,7 +5108,7 @@
           </a:prstGeom>
         </p:spPr>
         <p:txBody>
-          <a:bodyPr anchorCtr="0" anchor="ctr" bIns="91425" lIns="91425" spcFirstLastPara="1" rIns="91425" wrap="square" tIns="91425">
+          <a:bodyPr spcFirstLastPara="1" wrap="square" lIns="91425" tIns="91425" rIns="91425" bIns="91425" anchor="ctr" anchorCtr="0">
             <a:normAutofit/>
           </a:bodyPr>
           <a:lstStyle>
@@ -5048,7 +5150,7 @@
             </a:lvl9pPr>
           </a:lstStyle>
           <a:p>
-            <a:pPr indent="0" lvl="0" marL="0" rtl="0" algn="r">
+            <a:pPr marL="0" lvl="0" indent="0" algn="r" rtl="0">
               <a:spcBef>
                 <a:spcPts val="0"/>
               </a:spcBef>
@@ -5074,18 +5176,19 @@
 </file>
 
 <file path=ppt/slideMasters/slideMaster1.xml><?xml version="1.0" encoding="utf-8"?>
-<p:sldMaster xmlns:a="http://schemas.openxmlformats.org/drawingml/2006/main" xmlns:r="http://schemas.openxmlformats.org/officeDocument/2006/relationships" xmlns:mc="http://schemas.openxmlformats.org/markup-compatibility/2006" xmlns:mv="urn:schemas-microsoft-com:mac:vml" xmlns:p="http://schemas.openxmlformats.org/presentationml/2006/main" xmlns:c="http://schemas.openxmlformats.org/drawingml/2006/chart" xmlns:dgm="http://schemas.openxmlformats.org/drawingml/2006/diagram" xmlns:o="urn:schemas-microsoft-com:office:office" xmlns:v="urn:schemas-microsoft-com:vml" xmlns:pvml="urn:schemas-microsoft-com:office:powerpoint" xmlns:com="http://schemas.openxmlformats.org/drawingml/2006/compatibility" xmlns:p14="http://schemas.microsoft.com/office/powerpoint/2010/main" xmlns:p15="http://schemas.microsoft.com/office/powerpoint/2012/main" xmlns:ahyp="http://schemas.microsoft.com/office/drawing/2018/hyperlinkcolor">
+<p:sldMaster xmlns:a="http://schemas.openxmlformats.org/drawingml/2006/main" xmlns:r="http://schemas.openxmlformats.org/officeDocument/2006/relationships" xmlns:p="http://schemas.openxmlformats.org/presentationml/2006/main">
   <p:cSld name="simple-light-2">
     <p:bg>
       <p:bgPr>
         <a:solidFill>
           <a:schemeClr val="lt1"/>
         </a:solidFill>
+        <a:effectLst/>
       </p:bgPr>
     </p:bg>
     <p:spTree>
       <p:nvGrpSpPr>
-        <p:cNvPr id="5" name="Shape 5"/>
+        <p:cNvPr id="1" name="Shape 5"/>
         <p:cNvGrpSpPr/>
         <p:nvPr/>
       </p:nvGrpSpPr>
@@ -5100,7 +5203,9 @@
       <p:sp>
         <p:nvSpPr>
           <p:cNvPr id="6" name="Google Shape;6;p1"/>
-          <p:cNvSpPr txBox="1"/>
+          <p:cNvSpPr txBox="1">
+            <a:spLocks noGrp="1"/>
+          </p:cNvSpPr>
           <p:nvPr>
             <p:ph type="title"/>
           </p:nvPr>
@@ -5119,7 +5224,7 @@
           </a:ln>
         </p:spPr>
         <p:txBody>
-          <a:bodyPr anchorCtr="0" anchor="t" bIns="91425" lIns="91425" spcFirstLastPara="1" rIns="91425" wrap="square" tIns="91425">
+          <a:bodyPr spcFirstLastPara="1" wrap="square" lIns="91425" tIns="91425" rIns="91425" bIns="91425" anchor="t" anchorCtr="0">
             <a:normAutofit/>
           </a:bodyPr>
           <a:lstStyle>
@@ -5286,15 +5391,19 @@
               </a:defRPr>
             </a:lvl9pPr>
           </a:lstStyle>
-          <a:p/>
+          <a:p>
+            <a:endParaRPr/>
+          </a:p>
         </p:txBody>
       </p:sp>
       <p:sp>
         <p:nvSpPr>
           <p:cNvPr id="7" name="Google Shape;7;p1"/>
-          <p:cNvSpPr txBox="1"/>
+          <p:cNvSpPr txBox="1">
+            <a:spLocks noGrp="1"/>
+          </p:cNvSpPr>
           <p:nvPr>
-            <p:ph idx="1" type="body"/>
+            <p:ph type="body" idx="1"/>
           </p:nvPr>
         </p:nvSpPr>
         <p:spPr>
@@ -5311,11 +5420,11 @@
           </a:ln>
         </p:spPr>
         <p:txBody>
-          <a:bodyPr anchorCtr="0" anchor="t" bIns="91425" lIns="91425" spcFirstLastPara="1" rIns="91425" wrap="square" tIns="91425">
+          <a:bodyPr spcFirstLastPara="1" wrap="square" lIns="91425" tIns="91425" rIns="91425" bIns="91425" anchor="t" anchorCtr="0">
             <a:normAutofit/>
           </a:bodyPr>
           <a:lstStyle>
-            <a:lvl1pPr indent="-342900" lvl="0" marL="457200">
+            <a:lvl1pPr marL="457200" lvl="0" indent="-342900">
               <a:lnSpc>
                 <a:spcPct val="115000"/>
               </a:lnSpc>
@@ -5336,7 +5445,7 @@
                 </a:solidFill>
               </a:defRPr>
             </a:lvl1pPr>
-            <a:lvl2pPr indent="-317500" lvl="1" marL="914400">
+            <a:lvl2pPr marL="914400" lvl="1" indent="-317500">
               <a:lnSpc>
                 <a:spcPct val="115000"/>
               </a:lnSpc>
@@ -5357,7 +5466,7 @@
                 </a:solidFill>
               </a:defRPr>
             </a:lvl2pPr>
-            <a:lvl3pPr indent="-317500" lvl="2" marL="1371600">
+            <a:lvl3pPr marL="1371600" lvl="2" indent="-317500">
               <a:lnSpc>
                 <a:spcPct val="115000"/>
               </a:lnSpc>
@@ -5378,7 +5487,7 @@
                 </a:solidFill>
               </a:defRPr>
             </a:lvl3pPr>
-            <a:lvl4pPr indent="-317500" lvl="3" marL="1828800">
+            <a:lvl4pPr marL="1828800" lvl="3" indent="-317500">
               <a:lnSpc>
                 <a:spcPct val="115000"/>
               </a:lnSpc>
@@ -5399,7 +5508,7 @@
                 </a:solidFill>
               </a:defRPr>
             </a:lvl4pPr>
-            <a:lvl5pPr indent="-317500" lvl="4" marL="2286000">
+            <a:lvl5pPr marL="2286000" lvl="4" indent="-317500">
               <a:lnSpc>
                 <a:spcPct val="115000"/>
               </a:lnSpc>
@@ -5420,7 +5529,7 @@
                 </a:solidFill>
               </a:defRPr>
             </a:lvl5pPr>
-            <a:lvl6pPr indent="-317500" lvl="5" marL="2743200">
+            <a:lvl6pPr marL="2743200" lvl="5" indent="-317500">
               <a:lnSpc>
                 <a:spcPct val="115000"/>
               </a:lnSpc>
@@ -5441,7 +5550,7 @@
                 </a:solidFill>
               </a:defRPr>
             </a:lvl6pPr>
-            <a:lvl7pPr indent="-317500" lvl="6" marL="3200400">
+            <a:lvl7pPr marL="3200400" lvl="6" indent="-317500">
               <a:lnSpc>
                 <a:spcPct val="115000"/>
               </a:lnSpc>
@@ -5462,7 +5571,7 @@
                 </a:solidFill>
               </a:defRPr>
             </a:lvl7pPr>
-            <a:lvl8pPr indent="-317500" lvl="7" marL="3657600">
+            <a:lvl8pPr marL="3657600" lvl="7" indent="-317500">
               <a:lnSpc>
                 <a:spcPct val="115000"/>
               </a:lnSpc>
@@ -5483,7 +5592,7 @@
                 </a:solidFill>
               </a:defRPr>
             </a:lvl8pPr>
-            <a:lvl9pPr indent="-317500" lvl="8" marL="4114800">
+            <a:lvl9pPr marL="4114800" lvl="8" indent="-317500">
               <a:lnSpc>
                 <a:spcPct val="115000"/>
               </a:lnSpc>
@@ -5505,15 +5614,19 @@
               </a:defRPr>
             </a:lvl9pPr>
           </a:lstStyle>
-          <a:p/>
+          <a:p>
+            <a:endParaRPr/>
+          </a:p>
         </p:txBody>
       </p:sp>
       <p:sp>
         <p:nvSpPr>
           <p:cNvPr id="8" name="Google Shape;8;p1"/>
-          <p:cNvSpPr txBox="1"/>
+          <p:cNvSpPr txBox="1">
+            <a:spLocks noGrp="1"/>
+          </p:cNvSpPr>
           <p:nvPr>
-            <p:ph idx="12" type="sldNum"/>
+            <p:ph type="sldNum" idx="12"/>
           </p:nvPr>
         </p:nvSpPr>
         <p:spPr>
@@ -5530,7 +5643,7 @@
           </a:ln>
         </p:spPr>
         <p:txBody>
-          <a:bodyPr anchorCtr="0" anchor="ctr" bIns="91425" lIns="91425" spcFirstLastPara="1" rIns="91425" wrap="square" tIns="91425">
+          <a:bodyPr spcFirstLastPara="1" wrap="square" lIns="91425" tIns="91425" rIns="91425" bIns="91425" anchor="ctr" anchorCtr="0">
             <a:normAutofit/>
           </a:bodyPr>
           <a:lstStyle>
@@ -5608,7 +5721,7 @@
             </a:lvl9pPr>
           </a:lstStyle>
           <a:p>
-            <a:pPr indent="0" lvl="0" marL="0" rtl="0" algn="r">
+            <a:pPr marL="0" lvl="0" indent="0" algn="r" rtl="0">
               <a:spcBef>
                 <a:spcPts val="0"/>
               </a:spcBef>
@@ -5627,7 +5740,7 @@
       </p:sp>
     </p:spTree>
   </p:cSld>
-  <p:clrMap accent1="accent1" accent2="accent2" accent3="accent3" accent4="accent4" accent5="accent5" accent6="accent6" bg1="lt1" bg2="dk2" tx1="dk1" tx2="lt2" folHlink="folHlink" hlink="hlink"/>
+  <p:clrMap bg1="lt1" tx1="dk1" bg2="dk2" tx2="lt2" accent1="accent1" accent2="accent2" accent3="accent3" accent4="accent4" accent5="accent5" accent6="accent6" hlink="hlink" folHlink="folHlink"/>
   <p:sldLayoutIdLst>
     <p:sldLayoutId id="2147483648" r:id="rId1"/>
     <p:sldLayoutId id="2147483649" r:id="rId2"/>
@@ -5640,11 +5753,12 @@
     <p:sldLayoutId id="2147483656" r:id="rId9"/>
     <p:sldLayoutId id="2147483657" r:id="rId10"/>
     <p:sldLayoutId id="2147483658" r:id="rId11"/>
+    <p:sldLayoutId id="2147483660" r:id="rId12"/>
   </p:sldLayoutIdLst>
-  <p:hf dt="0" ftr="0" hdr="0" sldNum="0"/>
+  <p:hf sldNum="0" hdr="0" ftr="0" dt="0"/>
   <p:txStyles>
     <p:titleStyle>
-      <a:defPPr lvl="0" marR="0" rtl="0" algn="l">
+      <a:defPPr marR="0" lvl="0" algn="l" rtl="0">
         <a:lnSpc>
           <a:spcPct val="100000"/>
         </a:lnSpc>
@@ -5655,7 +5769,7 @@
           <a:spcPts val="0"/>
         </a:spcAft>
       </a:defPPr>
-      <a:lvl1pPr lvl="0" marR="0" rtl="0" algn="l">
+      <a:lvl1pPr marR="0" lvl="0" algn="l" rtl="0">
         <a:lnSpc>
           <a:spcPct val="100000"/>
         </a:lnSpc>
@@ -5669,7 +5783,7 @@
           <a:srgbClr val="000000"/>
         </a:buClr>
         <a:buFont typeface="Arial"/>
-        <a:defRPr b="0" i="0" sz="1400" u="none" cap="none" strike="noStrike">
+        <a:defRPr sz="1400" b="0" i="0" u="none" strike="noStrike" cap="none">
           <a:solidFill>
             <a:srgbClr val="000000"/>
           </a:solidFill>
@@ -5679,7 +5793,7 @@
           <a:sym typeface="Arial"/>
         </a:defRPr>
       </a:lvl1pPr>
-      <a:lvl2pPr lvl="1" marR="0" rtl="0" algn="l">
+      <a:lvl2pPr marR="0" lvl="1" algn="l" rtl="0">
         <a:lnSpc>
           <a:spcPct val="100000"/>
         </a:lnSpc>
@@ -5693,7 +5807,7 @@
           <a:srgbClr val="000000"/>
         </a:buClr>
         <a:buFont typeface="Arial"/>
-        <a:defRPr b="0" i="0" sz="1400" u="none" cap="none" strike="noStrike">
+        <a:defRPr sz="1400" b="0" i="0" u="none" strike="noStrike" cap="none">
           <a:solidFill>
             <a:srgbClr val="000000"/>
           </a:solidFill>
@@ -5703,7 +5817,7 @@
           <a:sym typeface="Arial"/>
         </a:defRPr>
       </a:lvl2pPr>
-      <a:lvl3pPr lvl="2" marR="0" rtl="0" algn="l">
+      <a:lvl3pPr marR="0" lvl="2" algn="l" rtl="0">
         <a:lnSpc>
           <a:spcPct val="100000"/>
         </a:lnSpc>
@@ -5717,7 +5831,7 @@
           <a:srgbClr val="000000"/>
         </a:buClr>
         <a:buFont typeface="Arial"/>
-        <a:defRPr b="0" i="0" sz="1400" u="none" cap="none" strike="noStrike">
+        <a:defRPr sz="1400" b="0" i="0" u="none" strike="noStrike" cap="none">
           <a:solidFill>
             <a:srgbClr val="000000"/>
           </a:solidFill>
@@ -5727,7 +5841,7 @@
           <a:sym typeface="Arial"/>
         </a:defRPr>
       </a:lvl3pPr>
-      <a:lvl4pPr lvl="3" marR="0" rtl="0" algn="l">
+      <a:lvl4pPr marR="0" lvl="3" algn="l" rtl="0">
         <a:lnSpc>
           <a:spcPct val="100000"/>
         </a:lnSpc>
@@ -5741,7 +5855,7 @@
           <a:srgbClr val="000000"/>
         </a:buClr>
         <a:buFont typeface="Arial"/>
-        <a:defRPr b="0" i="0" sz="1400" u="none" cap="none" strike="noStrike">
+        <a:defRPr sz="1400" b="0" i="0" u="none" strike="noStrike" cap="none">
           <a:solidFill>
             <a:srgbClr val="000000"/>
           </a:solidFill>
@@ -5751,7 +5865,7 @@
           <a:sym typeface="Arial"/>
         </a:defRPr>
       </a:lvl4pPr>
-      <a:lvl5pPr lvl="4" marR="0" rtl="0" algn="l">
+      <a:lvl5pPr marR="0" lvl="4" algn="l" rtl="0">
         <a:lnSpc>
           <a:spcPct val="100000"/>
         </a:lnSpc>
@@ -5765,7 +5879,7 @@
           <a:srgbClr val="000000"/>
         </a:buClr>
         <a:buFont typeface="Arial"/>
-        <a:defRPr b="0" i="0" sz="1400" u="none" cap="none" strike="noStrike">
+        <a:defRPr sz="1400" b="0" i="0" u="none" strike="noStrike" cap="none">
           <a:solidFill>
             <a:srgbClr val="000000"/>
           </a:solidFill>
@@ -5775,7 +5889,7 @@
           <a:sym typeface="Arial"/>
         </a:defRPr>
       </a:lvl5pPr>
-      <a:lvl6pPr lvl="5" marR="0" rtl="0" algn="l">
+      <a:lvl6pPr marR="0" lvl="5" algn="l" rtl="0">
         <a:lnSpc>
           <a:spcPct val="100000"/>
         </a:lnSpc>
@@ -5789,7 +5903,7 @@
           <a:srgbClr val="000000"/>
         </a:buClr>
         <a:buFont typeface="Arial"/>
-        <a:defRPr b="0" i="0" sz="1400" u="none" cap="none" strike="noStrike">
+        <a:defRPr sz="1400" b="0" i="0" u="none" strike="noStrike" cap="none">
           <a:solidFill>
             <a:srgbClr val="000000"/>
           </a:solidFill>
@@ -5799,7 +5913,7 @@
           <a:sym typeface="Arial"/>
         </a:defRPr>
       </a:lvl6pPr>
-      <a:lvl7pPr lvl="6" marR="0" rtl="0" algn="l">
+      <a:lvl7pPr marR="0" lvl="6" algn="l" rtl="0">
         <a:lnSpc>
           <a:spcPct val="100000"/>
         </a:lnSpc>
@@ -5813,7 +5927,7 @@
           <a:srgbClr val="000000"/>
         </a:buClr>
         <a:buFont typeface="Arial"/>
-        <a:defRPr b="0" i="0" sz="1400" u="none" cap="none" strike="noStrike">
+        <a:defRPr sz="1400" b="0" i="0" u="none" strike="noStrike" cap="none">
           <a:solidFill>
             <a:srgbClr val="000000"/>
           </a:solidFill>
@@ -5823,7 +5937,7 @@
           <a:sym typeface="Arial"/>
         </a:defRPr>
       </a:lvl7pPr>
-      <a:lvl8pPr lvl="7" marR="0" rtl="0" algn="l">
+      <a:lvl8pPr marR="0" lvl="7" algn="l" rtl="0">
         <a:lnSpc>
           <a:spcPct val="100000"/>
         </a:lnSpc>
@@ -5837,7 +5951,7 @@
           <a:srgbClr val="000000"/>
         </a:buClr>
         <a:buFont typeface="Arial"/>
-        <a:defRPr b="0" i="0" sz="1400" u="none" cap="none" strike="noStrike">
+        <a:defRPr sz="1400" b="0" i="0" u="none" strike="noStrike" cap="none">
           <a:solidFill>
             <a:srgbClr val="000000"/>
           </a:solidFill>
@@ -5847,7 +5961,7 @@
           <a:sym typeface="Arial"/>
         </a:defRPr>
       </a:lvl8pPr>
-      <a:lvl9pPr lvl="8" marR="0" rtl="0" algn="l">
+      <a:lvl9pPr marR="0" lvl="8" algn="l" rtl="0">
         <a:lnSpc>
           <a:spcPct val="100000"/>
         </a:lnSpc>
@@ -5861,7 +5975,7 @@
           <a:srgbClr val="000000"/>
         </a:buClr>
         <a:buFont typeface="Arial"/>
-        <a:defRPr b="0" i="0" sz="1400" u="none" cap="none" strike="noStrike">
+        <a:defRPr sz="1400" b="0" i="0" u="none" strike="noStrike" cap="none">
           <a:solidFill>
             <a:srgbClr val="000000"/>
           </a:solidFill>
@@ -5873,7 +5987,7 @@
       </a:lvl9pPr>
     </p:titleStyle>
     <p:bodyStyle>
-      <a:defPPr lvl="0" marR="0" rtl="0" algn="l">
+      <a:defPPr marR="0" lvl="0" algn="l" rtl="0">
         <a:lnSpc>
           <a:spcPct val="100000"/>
         </a:lnSpc>
@@ -5884,7 +5998,7 @@
           <a:spcPts val="0"/>
         </a:spcAft>
       </a:defPPr>
-      <a:lvl1pPr lvl="0" marR="0" rtl="0" algn="l">
+      <a:lvl1pPr marR="0" lvl="0" algn="l" rtl="0">
         <a:lnSpc>
           <a:spcPct val="100000"/>
         </a:lnSpc>
@@ -5898,7 +6012,7 @@
           <a:srgbClr val="000000"/>
         </a:buClr>
         <a:buFont typeface="Arial"/>
-        <a:defRPr b="0" i="0" sz="1400" u="none" cap="none" strike="noStrike">
+        <a:defRPr sz="1400" b="0" i="0" u="none" strike="noStrike" cap="none">
           <a:solidFill>
             <a:srgbClr val="000000"/>
           </a:solidFill>
@@ -5908,7 +6022,7 @@
           <a:sym typeface="Arial"/>
         </a:defRPr>
       </a:lvl1pPr>
-      <a:lvl2pPr lvl="1" marR="0" rtl="0" algn="l">
+      <a:lvl2pPr marR="0" lvl="1" algn="l" rtl="0">
         <a:lnSpc>
           <a:spcPct val="100000"/>
         </a:lnSpc>
@@ -5922,7 +6036,7 @@
           <a:srgbClr val="000000"/>
         </a:buClr>
         <a:buFont typeface="Arial"/>
-        <a:defRPr b="0" i="0" sz="1400" u="none" cap="none" strike="noStrike">
+        <a:defRPr sz="1400" b="0" i="0" u="none" strike="noStrike" cap="none">
           <a:solidFill>
             <a:srgbClr val="000000"/>
           </a:solidFill>
@@ -5932,7 +6046,7 @@
           <a:sym typeface="Arial"/>
         </a:defRPr>
       </a:lvl2pPr>
-      <a:lvl3pPr lvl="2" marR="0" rtl="0" algn="l">
+      <a:lvl3pPr marR="0" lvl="2" algn="l" rtl="0">
         <a:lnSpc>
           <a:spcPct val="100000"/>
         </a:lnSpc>
@@ -5946,7 +6060,7 @@
           <a:srgbClr val="000000"/>
         </a:buClr>
         <a:buFont typeface="Arial"/>
-        <a:defRPr b="0" i="0" sz="1400" u="none" cap="none" strike="noStrike">
+        <a:defRPr sz="1400" b="0" i="0" u="none" strike="noStrike" cap="none">
           <a:solidFill>
             <a:srgbClr val="000000"/>
           </a:solidFill>
@@ -5956,7 +6070,7 @@
           <a:sym typeface="Arial"/>
         </a:defRPr>
       </a:lvl3pPr>
-      <a:lvl4pPr lvl="3" marR="0" rtl="0" algn="l">
+      <a:lvl4pPr marR="0" lvl="3" algn="l" rtl="0">
         <a:lnSpc>
           <a:spcPct val="100000"/>
         </a:lnSpc>
@@ -5970,7 +6084,7 @@
           <a:srgbClr val="000000"/>
         </a:buClr>
         <a:buFont typeface="Arial"/>
-        <a:defRPr b="0" i="0" sz="1400" u="none" cap="none" strike="noStrike">
+        <a:defRPr sz="1400" b="0" i="0" u="none" strike="noStrike" cap="none">
           <a:solidFill>
             <a:srgbClr val="000000"/>
           </a:solidFill>
@@ -5980,7 +6094,7 @@
           <a:sym typeface="Arial"/>
         </a:defRPr>
       </a:lvl4pPr>
-      <a:lvl5pPr lvl="4" marR="0" rtl="0" algn="l">
+      <a:lvl5pPr marR="0" lvl="4" algn="l" rtl="0">
         <a:lnSpc>
           <a:spcPct val="100000"/>
         </a:lnSpc>
@@ -5994,7 +6108,7 @@
           <a:srgbClr val="000000"/>
         </a:buClr>
         <a:buFont typeface="Arial"/>
-        <a:defRPr b="0" i="0" sz="1400" u="none" cap="none" strike="noStrike">
+        <a:defRPr sz="1400" b="0" i="0" u="none" strike="noStrike" cap="none">
           <a:solidFill>
             <a:srgbClr val="000000"/>
           </a:solidFill>
@@ -6004,7 +6118,7 @@
           <a:sym typeface="Arial"/>
         </a:defRPr>
       </a:lvl5pPr>
-      <a:lvl6pPr lvl="5" marR="0" rtl="0" algn="l">
+      <a:lvl6pPr marR="0" lvl="5" algn="l" rtl="0">
         <a:lnSpc>
           <a:spcPct val="100000"/>
         </a:lnSpc>
@@ -6018,7 +6132,7 @@
           <a:srgbClr val="000000"/>
         </a:buClr>
         <a:buFont typeface="Arial"/>
-        <a:defRPr b="0" i="0" sz="1400" u="none" cap="none" strike="noStrike">
+        <a:defRPr sz="1400" b="0" i="0" u="none" strike="noStrike" cap="none">
           <a:solidFill>
             <a:srgbClr val="000000"/>
           </a:solidFill>
@@ -6028,7 +6142,7 @@
           <a:sym typeface="Arial"/>
         </a:defRPr>
       </a:lvl6pPr>
-      <a:lvl7pPr lvl="6" marR="0" rtl="0" algn="l">
+      <a:lvl7pPr marR="0" lvl="6" algn="l" rtl="0">
         <a:lnSpc>
           <a:spcPct val="100000"/>
         </a:lnSpc>
@@ -6042,7 +6156,7 @@
           <a:srgbClr val="000000"/>
         </a:buClr>
         <a:buFont typeface="Arial"/>
-        <a:defRPr b="0" i="0" sz="1400" u="none" cap="none" strike="noStrike">
+        <a:defRPr sz="1400" b="0" i="0" u="none" strike="noStrike" cap="none">
           <a:solidFill>
             <a:srgbClr val="000000"/>
           </a:solidFill>
@@ -6052,7 +6166,7 @@
           <a:sym typeface="Arial"/>
         </a:defRPr>
       </a:lvl7pPr>
-      <a:lvl8pPr lvl="7" marR="0" rtl="0" algn="l">
+      <a:lvl8pPr marR="0" lvl="7" algn="l" rtl="0">
         <a:lnSpc>
           <a:spcPct val="100000"/>
         </a:lnSpc>
@@ -6066,7 +6180,7 @@
           <a:srgbClr val="000000"/>
         </a:buClr>
         <a:buFont typeface="Arial"/>
-        <a:defRPr b="0" i="0" sz="1400" u="none" cap="none" strike="noStrike">
+        <a:defRPr sz="1400" b="0" i="0" u="none" strike="noStrike" cap="none">
           <a:solidFill>
             <a:srgbClr val="000000"/>
           </a:solidFill>
@@ -6076,7 +6190,7 @@
           <a:sym typeface="Arial"/>
         </a:defRPr>
       </a:lvl8pPr>
-      <a:lvl9pPr lvl="8" marR="0" rtl="0" algn="l">
+      <a:lvl9pPr marR="0" lvl="8" algn="l" rtl="0">
         <a:lnSpc>
           <a:spcPct val="100000"/>
         </a:lnSpc>
@@ -6090,7 +6204,7 @@
           <a:srgbClr val="000000"/>
         </a:buClr>
         <a:buFont typeface="Arial"/>
-        <a:defRPr b="0" i="0" sz="1400" u="none" cap="none" strike="noStrike">
+        <a:defRPr sz="1400" b="0" i="0" u="none" strike="noStrike" cap="none">
           <a:solidFill>
             <a:srgbClr val="000000"/>
           </a:solidFill>
@@ -6102,7 +6216,7 @@
       </a:lvl9pPr>
     </p:bodyStyle>
     <p:otherStyle>
-      <a:defPPr lvl="0" marR="0" rtl="0" algn="l">
+      <a:defPPr marR="0" lvl="0" algn="l" rtl="0">
         <a:lnSpc>
           <a:spcPct val="100000"/>
         </a:lnSpc>
@@ -6113,7 +6227,7 @@
           <a:spcPts val="0"/>
         </a:spcAft>
       </a:defPPr>
-      <a:lvl1pPr lvl="0" marR="0" rtl="0" algn="l">
+      <a:lvl1pPr marR="0" lvl="0" algn="l" rtl="0">
         <a:lnSpc>
           <a:spcPct val="100000"/>
         </a:lnSpc>
@@ -6127,7 +6241,7 @@
           <a:srgbClr val="000000"/>
         </a:buClr>
         <a:buFont typeface="Arial"/>
-        <a:defRPr b="0" i="0" sz="1400" u="none" cap="none" strike="noStrike">
+        <a:defRPr sz="1400" b="0" i="0" u="none" strike="noStrike" cap="none">
           <a:solidFill>
             <a:srgbClr val="000000"/>
           </a:solidFill>
@@ -6137,7 +6251,7 @@
           <a:sym typeface="Arial"/>
         </a:defRPr>
       </a:lvl1pPr>
-      <a:lvl2pPr lvl="1" marR="0" rtl="0" algn="l">
+      <a:lvl2pPr marR="0" lvl="1" algn="l" rtl="0">
         <a:lnSpc>
           <a:spcPct val="100000"/>
         </a:lnSpc>
@@ -6151,7 +6265,7 @@
           <a:srgbClr val="000000"/>
         </a:buClr>
         <a:buFont typeface="Arial"/>
-        <a:defRPr b="0" i="0" sz="1400" u="none" cap="none" strike="noStrike">
+        <a:defRPr sz="1400" b="0" i="0" u="none" strike="noStrike" cap="none">
           <a:solidFill>
             <a:srgbClr val="000000"/>
           </a:solidFill>
@@ -6161,7 +6275,7 @@
           <a:sym typeface="Arial"/>
         </a:defRPr>
       </a:lvl2pPr>
-      <a:lvl3pPr lvl="2" marR="0" rtl="0" algn="l">
+      <a:lvl3pPr marR="0" lvl="2" algn="l" rtl="0">
         <a:lnSpc>
           <a:spcPct val="100000"/>
         </a:lnSpc>
@@ -6175,7 +6289,7 @@
           <a:srgbClr val="000000"/>
         </a:buClr>
         <a:buFont typeface="Arial"/>
-        <a:defRPr b="0" i="0" sz="1400" u="none" cap="none" strike="noStrike">
+        <a:defRPr sz="1400" b="0" i="0" u="none" strike="noStrike" cap="none">
           <a:solidFill>
             <a:srgbClr val="000000"/>
           </a:solidFill>
@@ -6185,7 +6299,7 @@
           <a:sym typeface="Arial"/>
         </a:defRPr>
       </a:lvl3pPr>
-      <a:lvl4pPr lvl="3" marR="0" rtl="0" algn="l">
+      <a:lvl4pPr marR="0" lvl="3" algn="l" rtl="0">
         <a:lnSpc>
           <a:spcPct val="100000"/>
         </a:lnSpc>
@@ -6199,7 +6313,7 @@
           <a:srgbClr val="000000"/>
         </a:buClr>
         <a:buFont typeface="Arial"/>
-        <a:defRPr b="0" i="0" sz="1400" u="none" cap="none" strike="noStrike">
+        <a:defRPr sz="1400" b="0" i="0" u="none" strike="noStrike" cap="none">
           <a:solidFill>
             <a:srgbClr val="000000"/>
           </a:solidFill>
@@ -6209,7 +6323,7 @@
           <a:sym typeface="Arial"/>
         </a:defRPr>
       </a:lvl4pPr>
-      <a:lvl5pPr lvl="4" marR="0" rtl="0" algn="l">
+      <a:lvl5pPr marR="0" lvl="4" algn="l" rtl="0">
         <a:lnSpc>
           <a:spcPct val="100000"/>
         </a:lnSpc>
@@ -6223,7 +6337,7 @@
           <a:srgbClr val="000000"/>
         </a:buClr>
         <a:buFont typeface="Arial"/>
-        <a:defRPr b="0" i="0" sz="1400" u="none" cap="none" strike="noStrike">
+        <a:defRPr sz="1400" b="0" i="0" u="none" strike="noStrike" cap="none">
           <a:solidFill>
             <a:srgbClr val="000000"/>
           </a:solidFill>
@@ -6233,7 +6347,7 @@
           <a:sym typeface="Arial"/>
         </a:defRPr>
       </a:lvl5pPr>
-      <a:lvl6pPr lvl="5" marR="0" rtl="0" algn="l">
+      <a:lvl6pPr marR="0" lvl="5" algn="l" rtl="0">
         <a:lnSpc>
           <a:spcPct val="100000"/>
         </a:lnSpc>
@@ -6247,7 +6361,7 @@
           <a:srgbClr val="000000"/>
         </a:buClr>
         <a:buFont typeface="Arial"/>
-        <a:defRPr b="0" i="0" sz="1400" u="none" cap="none" strike="noStrike">
+        <a:defRPr sz="1400" b="0" i="0" u="none" strike="noStrike" cap="none">
           <a:solidFill>
             <a:srgbClr val="000000"/>
           </a:solidFill>
@@ -6257,7 +6371,7 @@
           <a:sym typeface="Arial"/>
         </a:defRPr>
       </a:lvl6pPr>
-      <a:lvl7pPr lvl="6" marR="0" rtl="0" algn="l">
+      <a:lvl7pPr marR="0" lvl="6" algn="l" rtl="0">
         <a:lnSpc>
           <a:spcPct val="100000"/>
         </a:lnSpc>
@@ -6271,7 +6385,7 @@
           <a:srgbClr val="000000"/>
         </a:buClr>
         <a:buFont typeface="Arial"/>
-        <a:defRPr b="0" i="0" sz="1400" u="none" cap="none" strike="noStrike">
+        <a:defRPr sz="1400" b="0" i="0" u="none" strike="noStrike" cap="none">
           <a:solidFill>
             <a:srgbClr val="000000"/>
           </a:solidFill>
@@ -6281,7 +6395,7 @@
           <a:sym typeface="Arial"/>
         </a:defRPr>
       </a:lvl7pPr>
-      <a:lvl8pPr lvl="7" marR="0" rtl="0" algn="l">
+      <a:lvl8pPr marR="0" lvl="7" algn="l" rtl="0">
         <a:lnSpc>
           <a:spcPct val="100000"/>
         </a:lnSpc>
@@ -6295,7 +6409,7 @@
           <a:srgbClr val="000000"/>
         </a:buClr>
         <a:buFont typeface="Arial"/>
-        <a:defRPr b="0" i="0" sz="1400" u="none" cap="none" strike="noStrike">
+        <a:defRPr sz="1400" b="0" i="0" u="none" strike="noStrike" cap="none">
           <a:solidFill>
             <a:srgbClr val="000000"/>
           </a:solidFill>
@@ -6305,7 +6419,7 @@
           <a:sym typeface="Arial"/>
         </a:defRPr>
       </a:lvl8pPr>
-      <a:lvl9pPr lvl="8" marR="0" rtl="0" algn="l">
+      <a:lvl9pPr marR="0" lvl="8" algn="l" rtl="0">
         <a:lnSpc>
           <a:spcPct val="100000"/>
         </a:lnSpc>
@@ -6319,7 +6433,7 @@
           <a:srgbClr val="000000"/>
         </a:buClr>
         <a:buFont typeface="Arial"/>
-        <a:defRPr b="0" i="0" sz="1400" u="none" cap="none" strike="noStrike">
+        <a:defRPr sz="1400" b="0" i="0" u="none" strike="noStrike" cap="none">
           <a:solidFill>
             <a:srgbClr val="000000"/>
           </a:solidFill>
@@ -6335,11 +6449,11 @@
 </file>
 
 <file path=ppt/slides/slide1.xml><?xml version="1.0" encoding="utf-8"?>
-<p:sld xmlns:a="http://schemas.openxmlformats.org/drawingml/2006/main" xmlns:r="http://schemas.openxmlformats.org/officeDocument/2006/relationships" xmlns:mc="http://schemas.openxmlformats.org/markup-compatibility/2006" xmlns:mv="urn:schemas-microsoft-com:mac:vml" xmlns:p="http://schemas.openxmlformats.org/presentationml/2006/main" xmlns:c="http://schemas.openxmlformats.org/drawingml/2006/chart" xmlns:dgm="http://schemas.openxmlformats.org/drawingml/2006/diagram" xmlns:o="urn:schemas-microsoft-com:office:office" xmlns:v="urn:schemas-microsoft-com:vml" xmlns:pvml="urn:schemas-microsoft-com:office:powerpoint" xmlns:com="http://schemas.openxmlformats.org/drawingml/2006/compatibility" xmlns:p14="http://schemas.microsoft.com/office/powerpoint/2010/main" xmlns:p15="http://schemas.microsoft.com/office/powerpoint/2012/main" xmlns:ahyp="http://schemas.microsoft.com/office/drawing/2018/hyperlinkcolor">
+<p:sld xmlns:a="http://schemas.openxmlformats.org/drawingml/2006/main" xmlns:r="http://schemas.openxmlformats.org/officeDocument/2006/relationships" xmlns:p="http://schemas.openxmlformats.org/presentationml/2006/main">
   <p:cSld>
     <p:spTree>
       <p:nvGrpSpPr>
-        <p:cNvPr id="53" name="Shape 53"/>
+        <p:cNvPr id="1" name="Shape 53"/>
         <p:cNvGrpSpPr/>
         <p:nvPr/>
       </p:nvGrpSpPr>
@@ -6354,7 +6468,9 @@
       <p:sp>
         <p:nvSpPr>
           <p:cNvPr id="54" name="Google Shape;54;p13"/>
-          <p:cNvSpPr txBox="1"/>
+          <p:cNvSpPr txBox="1">
+            <a:spLocks noGrp="1"/>
+          </p:cNvSpPr>
           <p:nvPr>
             <p:ph type="title"/>
           </p:nvPr>
@@ -6369,12 +6485,12 @@
           </a:prstGeom>
         </p:spPr>
         <p:txBody>
-          <a:bodyPr anchorCtr="0" anchor="b" bIns="91425" lIns="91425" spcFirstLastPara="1" rIns="91425" wrap="square" tIns="91425">
+          <a:bodyPr spcFirstLastPara="1" wrap="square" lIns="91425" tIns="91425" rIns="91425" bIns="91425" anchor="b" anchorCtr="0">
             <a:normAutofit/>
           </a:bodyPr>
           <a:lstStyle/>
           <a:p>
-            <a:pPr indent="0" lvl="0" marL="0" rtl="0" algn="ctr">
+            <a:pPr marL="0" lvl="0" indent="0" algn="ctr" rtl="0">
               <a:spcBef>
                 <a:spcPts val="0"/>
               </a:spcBef>
@@ -6394,9 +6510,11 @@
       <p:sp>
         <p:nvSpPr>
           <p:cNvPr id="55" name="Google Shape;55;p13"/>
-          <p:cNvSpPr txBox="1"/>
+          <p:cNvSpPr txBox="1">
+            <a:spLocks noGrp="1"/>
+          </p:cNvSpPr>
           <p:nvPr>
-            <p:ph idx="1" type="body"/>
+            <p:ph type="body" idx="1"/>
           </p:nvPr>
         </p:nvSpPr>
         <p:spPr>
@@ -6409,12 +6527,12 @@
           </a:prstGeom>
         </p:spPr>
         <p:txBody>
-          <a:bodyPr anchorCtr="0" anchor="t" bIns="91425" lIns="91425" spcFirstLastPara="1" rIns="91425" wrap="square" tIns="91425">
-            <a:normAutofit fontScale="25000" lnSpcReduction="20000"/>
+          <a:bodyPr spcFirstLastPara="1" wrap="square" lIns="91425" tIns="91425" rIns="91425" bIns="91425" anchor="t" anchorCtr="0">
+            <a:normAutofit fontScale="55000" lnSpcReduction="20000"/>
           </a:bodyPr>
           <a:lstStyle/>
           <a:p>
-            <a:pPr indent="0" lvl="0" marL="0" rtl="0" algn="ctr">
+            <a:pPr marL="0" lvl="0" indent="0" algn="ctr" rtl="0">
               <a:spcBef>
                 <a:spcPts val="0"/>
               </a:spcBef>
@@ -6424,13 +6542,13 @@
               <a:buNone/>
             </a:pPr>
             <a:r>
-              <a:rPr lang="en" sz="4815"/>
-              <a:t>1/27/2022</a:t>
-            </a:r>
-            <a:endParaRPr sz="4815"/>
-          </a:p>
-          <a:p>
-            <a:pPr indent="0" lvl="0" marL="0" rtl="0" algn="ctr">
+              <a:rPr lang="en" sz="4815" dirty="0"/>
+              <a:t>2/10/23</a:t>
+            </a:r>
+            <a:endParaRPr sz="4815" dirty="0"/>
+          </a:p>
+          <a:p>
+            <a:pPr marL="0" lvl="0" indent="0" algn="ctr" rtl="0">
               <a:spcBef>
                 <a:spcPts val="1200"/>
               </a:spcBef>
@@ -6445,21 +6563,29 @@
               <a:buNone/>
             </a:pPr>
             <a:r>
-              <a:rPr lang="en" sz="4815"/>
+              <a:rPr lang="en" sz="4815" dirty="0"/>
               <a:t>Credit to</a:t>
             </a:r>
             <a:r>
-              <a:rPr lang="en" sz="4815"/>
-              <a:t> William, Ishan and Sridhama</a:t>
-            </a:r>
-            <a:endParaRPr sz="5115">
+              <a:rPr lang="en-US" sz="4815" dirty="0"/>
+              <a:t> William, Ishan, </a:t>
+            </a:r>
+            <a:r>
+              <a:rPr lang="en-US" sz="4815" dirty="0" err="1"/>
+              <a:t>Sridhama</a:t>
+            </a:r>
+            <a:r>
+              <a:rPr lang="en-US" sz="4815" dirty="0"/>
+              <a:t>, Isi, and Stanley</a:t>
+            </a:r>
+            <a:endParaRPr lang="en-US" sz="5115" dirty="0">
               <a:solidFill>
                 <a:srgbClr val="474747"/>
               </a:solidFill>
             </a:endParaRPr>
           </a:p>
           <a:p>
-            <a:pPr indent="0" lvl="0" marL="0" rtl="0" algn="ctr">
+            <a:pPr marL="0" lvl="0" indent="0" algn="ctr" rtl="0">
               <a:spcBef>
                 <a:spcPts val="1200"/>
               </a:spcBef>
@@ -6468,13 +6594,10 @@
               </a:spcAft>
               <a:buNone/>
             </a:pPr>
-            <a:r>
-              <a:t/>
-            </a:r>
-            <a:endParaRPr/>
-          </a:p>
-          <a:p>
-            <a:pPr indent="0" lvl="0" marL="0" rtl="0" algn="ctr">
+            <a:endParaRPr lang="en-US" dirty="0"/>
+          </a:p>
+          <a:p>
+            <a:pPr marL="0" lvl="0" indent="0" algn="ctr" rtl="0">
               <a:spcBef>
                 <a:spcPts val="1200"/>
               </a:spcBef>
@@ -6483,17 +6606,14 @@
               </a:spcAft>
               <a:buNone/>
             </a:pPr>
-            <a:r>
-              <a:t/>
-            </a:r>
-            <a:endParaRPr sz="2100">
+            <a:endParaRPr sz="2100" dirty="0">
               <a:solidFill>
                 <a:srgbClr val="474747"/>
               </a:solidFill>
             </a:endParaRPr>
           </a:p>
           <a:p>
-            <a:pPr indent="0" lvl="0" marL="0" rtl="0" algn="ctr">
+            <a:pPr marL="0" lvl="0" indent="0" algn="ctr" rtl="0">
               <a:spcBef>
                 <a:spcPts val="1200"/>
               </a:spcBef>
@@ -6502,10 +6622,7 @@
               </a:spcAft>
               <a:buNone/>
             </a:pPr>
-            <a:r>
-              <a:t/>
-            </a:r>
-            <a:endParaRPr/>
+            <a:endParaRPr dirty="0"/>
           </a:p>
         </p:txBody>
       </p:sp>
@@ -6518,11 +6635,11 @@
 </file>
 
 <file path=ppt/slides/slide10.xml><?xml version="1.0" encoding="utf-8"?>
-<p:sld xmlns:a="http://schemas.openxmlformats.org/drawingml/2006/main" xmlns:r="http://schemas.openxmlformats.org/officeDocument/2006/relationships" xmlns:mc="http://schemas.openxmlformats.org/markup-compatibility/2006" xmlns:mv="urn:schemas-microsoft-com:mac:vml" xmlns:p="http://schemas.openxmlformats.org/presentationml/2006/main" xmlns:c="http://schemas.openxmlformats.org/drawingml/2006/chart" xmlns:dgm="http://schemas.openxmlformats.org/drawingml/2006/diagram" xmlns:o="urn:schemas-microsoft-com:office:office" xmlns:v="urn:schemas-microsoft-com:vml" xmlns:pvml="urn:schemas-microsoft-com:office:powerpoint" xmlns:com="http://schemas.openxmlformats.org/drawingml/2006/compatibility" xmlns:p14="http://schemas.microsoft.com/office/powerpoint/2010/main" xmlns:p15="http://schemas.microsoft.com/office/powerpoint/2012/main" xmlns:ahyp="http://schemas.microsoft.com/office/drawing/2018/hyperlinkcolor">
+<p:sld xmlns:a="http://schemas.openxmlformats.org/drawingml/2006/main" xmlns:r="http://schemas.openxmlformats.org/officeDocument/2006/relationships" xmlns:p="http://schemas.openxmlformats.org/presentationml/2006/main">
   <p:cSld>
     <p:spTree>
       <p:nvGrpSpPr>
-        <p:cNvPr id="109" name="Shape 109"/>
+        <p:cNvPr id="1" name=""/>
         <p:cNvGrpSpPr/>
         <p:nvPr/>
       </p:nvGrpSpPr>
@@ -6536,114 +6653,83 @@
       </p:grpSpPr>
       <p:sp>
         <p:nvSpPr>
-          <p:cNvPr id="110" name="Google Shape;110;p22"/>
-          <p:cNvSpPr txBox="1"/>
+          <p:cNvPr id="138" name="https://www.earthdatascience.org/images/earth-analytics/git-version-control/"/>
+          <p:cNvSpPr txBox="1">
+            <a:spLocks noGrp="1"/>
+          </p:cNvSpPr>
           <p:nvPr>
-            <p:ph type="title"/>
+            <p:ph type="body" sz="quarter" idx="1"/>
           </p:nvPr>
         </p:nvSpPr>
         <p:spPr>
           <a:xfrm>
-            <a:off x="311700" y="445025"/>
-            <a:ext cx="8520600" cy="572700"/>
+            <a:off x="311699" y="4230575"/>
+            <a:ext cx="7461211" cy="605101"/>
           </a:xfrm>
           <a:prstGeom prst="rect">
             <a:avLst/>
           </a:prstGeom>
         </p:spPr>
         <p:txBody>
-          <a:bodyPr anchorCtr="0" anchor="t" bIns="91425" lIns="91425" spcFirstLastPara="1" rIns="91425" wrap="square" tIns="91425">
-            <a:normAutofit fontScale="90000"/>
-          </a:bodyPr>
-          <a:lstStyle/>
-          <a:p>
-            <a:pPr indent="0" lvl="0" marL="0" rtl="0" algn="l">
-              <a:spcBef>
-                <a:spcPts val="0"/>
-              </a:spcBef>
-              <a:spcAft>
-                <a:spcPts val="0"/>
-              </a:spcAft>
-              <a:buNone/>
-            </a:pPr>
-            <a:r>
-              <a:rPr lang="en"/>
-              <a:t>Lab attendance </a:t>
-            </a:r>
-            <a:endParaRPr/>
+          <a:bodyPr/>
+          <a:lstStyle>
+            <a:lvl1pPr marL="0">
+              <a:defRPr sz="1400">
+                <a:solidFill>
+                  <a:srgbClr val="000000"/>
+                </a:solidFill>
+              </a:defRPr>
+            </a:lvl1pPr>
+          </a:lstStyle>
+          <a:p>
+            <a:r>
+              <a:t>https://www.earthdatascience.org/images/earth-analytics/git-version-control/</a:t>
+            </a:r>
           </a:p>
         </p:txBody>
       </p:sp>
-      <p:sp>
-        <p:nvSpPr>
-          <p:cNvPr id="111" name="Google Shape;111;p22"/>
-          <p:cNvSpPr txBox="1"/>
-          <p:nvPr>
-            <p:ph idx="1" type="body"/>
-          </p:nvPr>
-        </p:nvSpPr>
+      <p:pic>
+        <p:nvPicPr>
+          <p:cNvPr id="139" name="git-add-commit.png" descr="git-add-commit.png"/>
+          <p:cNvPicPr>
+            <a:picLocks noChangeAspect="1"/>
+          </p:cNvPicPr>
+          <p:nvPr/>
+        </p:nvPicPr>
+        <p:blipFill>
+          <a:blip r:embed="rId2"/>
+          <a:stretch>
+            <a:fillRect/>
+          </a:stretch>
+        </p:blipFill>
         <p:spPr>
           <a:xfrm>
-            <a:off x="311700" y="1152475"/>
-            <a:ext cx="8520600" cy="3416400"/>
+            <a:off x="341262" y="230992"/>
+            <a:ext cx="7929616" cy="3995116"/>
           </a:xfrm>
           <a:prstGeom prst="rect">
             <a:avLst/>
           </a:prstGeom>
+          <a:ln w="12700">
+            <a:miter lim="400000"/>
+          </a:ln>
         </p:spPr>
-        <p:txBody>
-          <a:bodyPr anchorCtr="0" anchor="t" bIns="91425" lIns="91425" spcFirstLastPara="1" rIns="91425" wrap="square" tIns="91425">
-            <a:normAutofit/>
-          </a:bodyPr>
-          <a:lstStyle/>
-          <a:p>
-            <a:pPr indent="0" lvl="0" marL="0" rtl="0" algn="l">
-              <a:spcBef>
-                <a:spcPts val="0"/>
-              </a:spcBef>
-              <a:spcAft>
-                <a:spcPts val="0"/>
-              </a:spcAft>
-              <a:buNone/>
-            </a:pPr>
-            <a:r>
-              <a:rPr lang="en"/>
-              <a:t>Please fill out this google form by the end of the day:</a:t>
-            </a:r>
-            <a:endParaRPr/>
-          </a:p>
-          <a:p>
-            <a:pPr indent="0" lvl="0" marL="0" rtl="0" algn="l">
-              <a:spcBef>
-                <a:spcPts val="1200"/>
-              </a:spcBef>
-              <a:spcAft>
-                <a:spcPts val="1200"/>
-              </a:spcAft>
-              <a:buNone/>
-            </a:pPr>
-            <a:r>
-              <a:rPr lang="en"/>
-              <a:t>https://forms.gle/otGEHY2ZVqmBJwm97</a:t>
-            </a:r>
-            <a:endParaRPr/>
-          </a:p>
-        </p:txBody>
-      </p:sp>
+      </p:pic>
     </p:spTree>
   </p:cSld>
   <p:clrMapOvr>
     <a:masterClrMapping/>
   </p:clrMapOvr>
+  <p:transition spd="med"/>
 </p:sld>
 </file>
 
 <file path=ppt/slides/slide2.xml><?xml version="1.0" encoding="utf-8"?>
-<p:sld xmlns:a="http://schemas.openxmlformats.org/drawingml/2006/main" xmlns:r="http://schemas.openxmlformats.org/officeDocument/2006/relationships" xmlns:mc="http://schemas.openxmlformats.org/markup-compatibility/2006" xmlns:mv="urn:schemas-microsoft-com:mac:vml" xmlns:p="http://schemas.openxmlformats.org/presentationml/2006/main" xmlns:c="http://schemas.openxmlformats.org/drawingml/2006/chart" xmlns:dgm="http://schemas.openxmlformats.org/drawingml/2006/diagram" xmlns:o="urn:schemas-microsoft-com:office:office" xmlns:v="urn:schemas-microsoft-com:vml" xmlns:pvml="urn:schemas-microsoft-com:office:powerpoint" xmlns:com="http://schemas.openxmlformats.org/drawingml/2006/compatibility" xmlns:p14="http://schemas.microsoft.com/office/powerpoint/2010/main" xmlns:p15="http://schemas.microsoft.com/office/powerpoint/2012/main" xmlns:ahyp="http://schemas.microsoft.com/office/drawing/2018/hyperlinkcolor">
+<p:sld xmlns:a="http://schemas.openxmlformats.org/drawingml/2006/main" xmlns:r="http://schemas.openxmlformats.org/officeDocument/2006/relationships" xmlns:p="http://schemas.openxmlformats.org/presentationml/2006/main">
   <p:cSld>
     <p:spTree>
       <p:nvGrpSpPr>
-        <p:cNvPr id="59" name="Shape 59"/>
+        <p:cNvPr id="1" name="Shape 59"/>
         <p:cNvGrpSpPr/>
         <p:nvPr/>
       </p:nvGrpSpPr>
@@ -6658,7 +6744,9 @@
       <p:sp>
         <p:nvSpPr>
           <p:cNvPr id="60" name="Google Shape;60;p14"/>
-          <p:cNvSpPr txBox="1"/>
+          <p:cNvSpPr txBox="1">
+            <a:spLocks noGrp="1"/>
+          </p:cNvSpPr>
           <p:nvPr>
             <p:ph type="title"/>
           </p:nvPr>
@@ -6673,12 +6761,12 @@
           </a:prstGeom>
         </p:spPr>
         <p:txBody>
-          <a:bodyPr anchorCtr="0" anchor="t" bIns="91425" lIns="91425" spcFirstLastPara="1" rIns="91425" wrap="square" tIns="91425">
+          <a:bodyPr spcFirstLastPara="1" wrap="square" lIns="91425" tIns="91425" rIns="91425" bIns="91425" anchor="t" anchorCtr="0">
             <a:normAutofit/>
           </a:bodyPr>
           <a:lstStyle/>
           <a:p>
-            <a:pPr indent="-346075" lvl="0" marL="457200" rtl="0" algn="l">
+            <a:pPr marL="457200" lvl="0" indent="-346075" algn="l" rtl="0">
               <a:lnSpc>
                 <a:spcPct val="115000"/>
               </a:lnSpc>
@@ -6695,29 +6783,110 @@
               <a:buChar char="●"/>
             </a:pPr>
             <a:r>
-              <a:rPr lang="en" sz="1850">
+              <a:rPr lang="en-US" sz="1850" dirty="0">
                 <a:solidFill>
                   <a:srgbClr val="474747"/>
                 </a:solidFill>
               </a:rPr>
-              <a:t>For windows you can use the default command prompt </a:t>
-            </a:r>
-            <a:r>
-              <a:rPr lang="en" sz="1350" u="sng">
+              <a:t>For Windows you can install Git from </a:t>
+            </a:r>
+            <a:r>
+              <a:rPr lang="en-US" sz="1850" dirty="0" err="1">
+                <a:solidFill>
+                  <a:srgbClr val="474747"/>
+                </a:solidFill>
+              </a:rPr>
+              <a:t>from</a:t>
+            </a:r>
+            <a:r>
+              <a:rPr lang="en-US" sz="1850" dirty="0">
+                <a:solidFill>
+                  <a:srgbClr val="474747"/>
+                </a:solidFill>
+              </a:rPr>
+              <a:t> it’s website</a:t>
+            </a:r>
+            <a:br>
+              <a:rPr lang="en-US" sz="2000" u="sng" dirty="0">
                 <a:solidFill>
                   <a:srgbClr val="118696"/>
                 </a:solidFill>
               </a:rPr>
-              <a:t>https://git-scm.com/download/win</a:t>
-            </a:r>
-            <a:endParaRPr sz="1850">
-              <a:solidFill>
+            </a:br>
+            <a:r>
+              <a:rPr lang="en-US" sz="1850" dirty="0">
+                <a:solidFill>
+                  <a:srgbClr val="474747"/>
+                </a:solidFill>
+              </a:rPr>
+              <a:t>For MacOS you first installed a package manager (e.g., Homebrew) via the </a:t>
+            </a:r>
+            <a:r>
+              <a:rPr lang="en-US" sz="1850" dirty="0">
+                <a:solidFill>
+                  <a:srgbClr val="474747"/>
+                </a:solidFill>
+                <a:latin typeface="Courier New" panose="02070309020205020404" pitchFamily="49" charset="0"/>
+                <a:cs typeface="Courier New" panose="02070309020205020404" pitchFamily="49" charset="0"/>
+              </a:rPr>
+              <a:t>curl</a:t>
+            </a:r>
+            <a:r>
+              <a:rPr lang="en-US" sz="1850" dirty="0">
+                <a:solidFill>
+                  <a:srgbClr val="474747"/>
+                </a:solidFill>
+                <a:latin typeface="+mj-lt"/>
+                <a:cs typeface="Courier New" panose="02070309020205020404" pitchFamily="49" charset="0"/>
+              </a:rPr>
+              <a:t> </a:t>
+            </a:r>
+            <a:r>
+              <a:rPr lang="en-US" sz="1850" dirty="0">
+                <a:solidFill>
+                  <a:srgbClr val="474747"/>
+                </a:solidFill>
+                <a:latin typeface="+mj-lt"/>
+              </a:rPr>
+              <a:t>command</a:t>
+            </a:r>
+            <a:r>
+              <a:rPr lang="en-US" sz="1850" dirty="0">
+                <a:solidFill>
+                  <a:srgbClr val="474747"/>
+                </a:solidFill>
+              </a:rPr>
+              <a:t> (which just downloads files via the terminal) and then you used the package manager to install Git</a:t>
+            </a:r>
+          </a:p>
+          <a:p>
+            <a:pPr marL="914400" lvl="1" indent="-327025" algn="l" rtl="0">
+              <a:lnSpc>
+                <a:spcPct val="115000"/>
+              </a:lnSpc>
+              <a:spcBef>
+                <a:spcPts val="0"/>
+              </a:spcBef>
+              <a:spcAft>
+                <a:spcPts val="0"/>
+              </a:spcAft>
+              <a:buClr>
                 <a:srgbClr val="474747"/>
-              </a:solidFill>
-            </a:endParaRPr>
-          </a:p>
-          <a:p>
-            <a:pPr indent="-346075" lvl="0" marL="457200" rtl="0" algn="l">
+              </a:buClr>
+              <a:buSzPts val="1550"/>
+              <a:buChar char="●"/>
+            </a:pPr>
+            <a:r>
+              <a:rPr lang="en-US" sz="1550" dirty="0">
+                <a:solidFill>
+                  <a:srgbClr val="474747"/>
+                </a:solidFill>
+              </a:rPr>
+              <a:t>A package manager is just a program that installs and manages other programs. It’s like the app store, except it doesn’t have a GUI</a:t>
+            </a:r>
+          </a:p>
+          <a:p>
+            <a:pPr marL="457200" lvl="0" indent="-346075" algn="l" rtl="0">
               <a:lnSpc>
                 <a:spcPct val="115000"/>
               </a:lnSpc>
@@ -6734,95 +6903,43 @@
               <a:buChar char="●"/>
             </a:pPr>
             <a:r>
-              <a:rPr lang="en" sz="1850">
+              <a:rPr lang="en-US" sz="1850" dirty="0">
                 <a:solidFill>
                   <a:srgbClr val="474747"/>
                 </a:solidFill>
               </a:rPr>
-              <a:t>For MacOS you first installed a package manager (homebrew) via the `curl` command (which just downloads files via the terminal) and then you used the package manager to install git</a:t>
-            </a:r>
-            <a:endParaRPr sz="1850">
-              <a:solidFill>
-                <a:srgbClr val="474747"/>
-              </a:solidFill>
-            </a:endParaRPr>
-          </a:p>
-          <a:p>
-            <a:pPr indent="-327025" lvl="1" marL="914400" rtl="0" algn="l">
-              <a:lnSpc>
-                <a:spcPct val="115000"/>
-              </a:lnSpc>
-              <a:spcBef>
-                <a:spcPts val="0"/>
-              </a:spcBef>
-              <a:spcAft>
-                <a:spcPts val="0"/>
-              </a:spcAft>
-              <a:buClr>
-                <a:srgbClr val="474747"/>
-              </a:buClr>
-              <a:buSzPts val="1550"/>
-              <a:buChar char="●"/>
-            </a:pPr>
-            <a:r>
-              <a:rPr lang="en" sz="1550">
+              <a:t>For Linux you used the built-in package manager called Aptitude (abbreviated 	</a:t>
+            </a:r>
+            <a:r>
+              <a:rPr lang="en-US" sz="1850" dirty="0">
+                <a:solidFill>
+                  <a:srgbClr val="474747"/>
+                </a:solidFill>
+                <a:latin typeface="Courier New" panose="02070309020205020404" pitchFamily="49" charset="0"/>
+                <a:cs typeface="Courier New" panose="02070309020205020404" pitchFamily="49" charset="0"/>
+              </a:rPr>
+              <a:t>apt</a:t>
+            </a:r>
+            <a:r>
+              <a:rPr lang="en-US" sz="1850" dirty="0">
                 <a:solidFill>
                   <a:srgbClr val="474747"/>
                 </a:solidFill>
               </a:rPr>
-              <a:t>A package manager is just a program that installs and manages other programs. It’s like the app store, except it doesn’t have a GUI</a:t>
-            </a:r>
-            <a:endParaRPr sz="1550">
-              <a:solidFill>
-                <a:srgbClr val="474747"/>
-              </a:solidFill>
-            </a:endParaRPr>
-          </a:p>
-          <a:p>
-            <a:pPr indent="-346075" lvl="0" marL="457200" rtl="0" algn="l">
-              <a:lnSpc>
-                <a:spcPct val="115000"/>
-              </a:lnSpc>
-              <a:spcBef>
-                <a:spcPts val="0"/>
-              </a:spcBef>
-              <a:spcAft>
-                <a:spcPts val="0"/>
-              </a:spcAft>
-              <a:buClr>
-                <a:srgbClr val="474747"/>
-              </a:buClr>
-              <a:buSzPts val="1850"/>
-              <a:buChar char="●"/>
+              <a:t>) to install Git</a:t>
+            </a:r>
+          </a:p>
+          <a:p>
+            <a:pPr marL="0" lvl="0" indent="0" algn="l" rtl="0">
+              <a:spcBef>
+                <a:spcPts val="1200"/>
+              </a:spcBef>
+              <a:spcAft>
+                <a:spcPts val="0"/>
+              </a:spcAft>
+              <a:buNone/>
             </a:pPr>
-            <a:r>
-              <a:rPr lang="en" sz="1850">
-                <a:solidFill>
-                  <a:srgbClr val="474747"/>
-                </a:solidFill>
-              </a:rPr>
-              <a:t>For linux you used the built in package manager called “aptitude” (abbreviated 	`apt`) to install git</a:t>
-            </a:r>
-            <a:endParaRPr sz="1850">
-              <a:solidFill>
-                <a:srgbClr val="474747"/>
-              </a:solidFill>
-            </a:endParaRPr>
-          </a:p>
-          <a:p>
-            <a:pPr indent="0" lvl="0" marL="0" rtl="0" algn="l">
-              <a:spcBef>
-                <a:spcPts val="1200"/>
-              </a:spcBef>
-              <a:spcAft>
-                <a:spcPts val="0"/>
-              </a:spcAft>
-              <a:buNone/>
-            </a:pPr>
-            <a:r>
-              <a:t/>
-            </a:r>
-            <a:endParaRPr/>
+            <a:endParaRPr dirty="0"/>
           </a:p>
         </p:txBody>
       </p:sp>
@@ -6846,12 +6963,12 @@
           </a:ln>
         </p:spPr>
         <p:txBody>
-          <a:bodyPr anchorCtr="0" anchor="t" bIns="91425" lIns="91425" spcFirstLastPara="1" rIns="91425" wrap="square" tIns="91425">
+          <a:bodyPr spcFirstLastPara="1" wrap="square" lIns="91425" tIns="91425" rIns="91425" bIns="91425" anchor="t" anchorCtr="0">
             <a:spAutoFit/>
           </a:bodyPr>
           <a:lstStyle/>
           <a:p>
-            <a:pPr indent="0" lvl="0" marL="0" rtl="0" algn="l">
+            <a:pPr marL="0" lvl="0" indent="0" algn="l" rtl="0">
               <a:spcBef>
                 <a:spcPts val="0"/>
               </a:spcBef>
@@ -6861,10 +6978,10 @@
               <a:buNone/>
             </a:pPr>
             <a:r>
-              <a:rPr lang="en" sz="2100"/>
-              <a:t>Install git</a:t>
-            </a:r>
-            <a:endParaRPr sz="2200"/>
+              <a:rPr lang="en" sz="2100" dirty="0"/>
+              <a:t>Install Git</a:t>
+            </a:r>
+            <a:endParaRPr sz="2200" dirty="0"/>
           </a:p>
         </p:txBody>
       </p:sp>
@@ -6877,11 +6994,11 @@
 </file>
 
 <file path=ppt/slides/slide3.xml><?xml version="1.0" encoding="utf-8"?>
-<p:sld xmlns:a="http://schemas.openxmlformats.org/drawingml/2006/main" xmlns:r="http://schemas.openxmlformats.org/officeDocument/2006/relationships" xmlns:mc="http://schemas.openxmlformats.org/markup-compatibility/2006" xmlns:mv="urn:schemas-microsoft-com:mac:vml" xmlns:p="http://schemas.openxmlformats.org/presentationml/2006/main" xmlns:c="http://schemas.openxmlformats.org/drawingml/2006/chart" xmlns:dgm="http://schemas.openxmlformats.org/drawingml/2006/diagram" xmlns:o="urn:schemas-microsoft-com:office:office" xmlns:v="urn:schemas-microsoft-com:vml" xmlns:pvml="urn:schemas-microsoft-com:office:powerpoint" xmlns:com="http://schemas.openxmlformats.org/drawingml/2006/compatibility" xmlns:p14="http://schemas.microsoft.com/office/powerpoint/2010/main" xmlns:p15="http://schemas.microsoft.com/office/powerpoint/2012/main" xmlns:ahyp="http://schemas.microsoft.com/office/drawing/2018/hyperlinkcolor">
+<p:sld xmlns:a="http://schemas.openxmlformats.org/drawingml/2006/main" xmlns:r="http://schemas.openxmlformats.org/officeDocument/2006/relationships" xmlns:p="http://schemas.openxmlformats.org/presentationml/2006/main">
   <p:cSld>
     <p:spTree>
       <p:nvGrpSpPr>
-        <p:cNvPr id="65" name="Shape 65"/>
+        <p:cNvPr id="1" name="Shape 65"/>
         <p:cNvGrpSpPr/>
         <p:nvPr/>
       </p:nvGrpSpPr>
@@ -6896,9 +7013,11 @@
       <p:sp>
         <p:nvSpPr>
           <p:cNvPr id="66" name="Google Shape;66;p15"/>
-          <p:cNvSpPr txBox="1"/>
+          <p:cNvSpPr txBox="1">
+            <a:spLocks noGrp="1"/>
+          </p:cNvSpPr>
           <p:nvPr>
-            <p:ph idx="1" type="subTitle"/>
+            <p:ph type="subTitle" idx="1"/>
           </p:nvPr>
         </p:nvSpPr>
         <p:spPr>
@@ -6911,12 +7030,12 @@
           </a:prstGeom>
         </p:spPr>
         <p:txBody>
-          <a:bodyPr anchorCtr="0" anchor="t" bIns="91425" lIns="91425" spcFirstLastPara="1" rIns="91425" wrap="square" tIns="91425">
+          <a:bodyPr spcFirstLastPara="1" wrap="square" lIns="91425" tIns="91425" rIns="91425" bIns="91425" anchor="t" anchorCtr="0">
             <a:noAutofit/>
           </a:bodyPr>
           <a:lstStyle/>
           <a:p>
-            <a:pPr indent="0" lvl="0" marL="0" rtl="0" algn="l">
+            <a:pPr marL="0" lvl="0" indent="0" algn="l" rtl="0">
               <a:lnSpc>
                 <a:spcPct val="115000"/>
               </a:lnSpc>
@@ -6934,21 +7053,21 @@
               <a:buNone/>
             </a:pPr>
             <a:r>
-              <a:rPr b="1" lang="en" sz="1350">
+              <a:rPr lang="en" sz="1350" b="1" dirty="0">
                 <a:solidFill>
                   <a:srgbClr val="474747"/>
                 </a:solidFill>
               </a:rPr>
               <a:t>Windows</a:t>
             </a:r>
-            <a:endParaRPr b="1" sz="1350">
+            <a:endParaRPr sz="1350" b="1" dirty="0">
               <a:solidFill>
                 <a:srgbClr val="474747"/>
               </a:solidFill>
             </a:endParaRPr>
           </a:p>
           <a:p>
-            <a:pPr indent="-314325" lvl="0" marL="457200" rtl="0" algn="l">
+            <a:pPr marL="457200" lvl="0" indent="-314325" algn="l" rtl="0">
               <a:lnSpc>
                 <a:spcPct val="115000"/>
               </a:lnSpc>
@@ -6965,7 +7084,7 @@
               <a:buAutoNum type="arabicPeriod"/>
             </a:pPr>
             <a:r>
-              <a:rPr lang="en" sz="1350">
+              <a:rPr lang="en" sz="1350" dirty="0">
                 <a:solidFill>
                   <a:srgbClr val="474747"/>
                 </a:solidFill>
@@ -6973,40 +7092,33 @@
               <a:t>Go to</a:t>
             </a:r>
             <a:r>
-              <a:rPr lang="en" sz="1350">
+              <a:rPr lang="en" sz="1350" dirty="0">
                 <a:solidFill>
                   <a:srgbClr val="474747"/>
                 </a:solidFill>
                 <a:uFill>
                   <a:noFill/>
                 </a:uFill>
-                <a:hlinkClick r:id="rId3">
-                  <a:extLst>
-                    <a:ext uri="{A12FA001-AC4F-418D-AE19-62706E023703}">
-                      <ahyp:hlinkClr val="tx"/>
-                    </a:ext>
-                  </a:extLst>
-                </a:hlinkClick>
               </a:rPr>
               <a:t> </a:t>
             </a:r>
             <a:r>
-              <a:rPr lang="en" sz="1350" u="sng">
+              <a:rPr lang="en" sz="1350" u="sng" dirty="0">
                 <a:solidFill>
                   <a:schemeClr val="hlink"/>
                 </a:solidFill>
-                <a:hlinkClick r:id="rId4"/>
+                <a:hlinkClick r:id="rId3"/>
               </a:rPr>
-              <a:t>https://git-scm.com/download/win</a:t>
-            </a:r>
-            <a:endParaRPr sz="1350" u="sng">
+              <a:t>git-scm.com/download/win</a:t>
+            </a:r>
+            <a:endParaRPr sz="1350" u="sng" dirty="0">
               <a:solidFill>
                 <a:srgbClr val="118696"/>
               </a:solidFill>
             </a:endParaRPr>
           </a:p>
           <a:p>
-            <a:pPr indent="-314325" lvl="0" marL="457200" rtl="0" algn="l">
+            <a:pPr marL="457200" lvl="0" indent="-314325" algn="l" rtl="0">
               <a:lnSpc>
                 <a:spcPct val="115000"/>
               </a:lnSpc>
@@ -7023,21 +7135,21 @@
               <a:buAutoNum type="arabicPeriod"/>
             </a:pPr>
             <a:r>
-              <a:rPr lang="en" sz="1350">
+              <a:rPr lang="en" sz="1350" dirty="0">
                 <a:solidFill>
                   <a:srgbClr val="474747"/>
                 </a:solidFill>
               </a:rPr>
               <a:t>Download and run the Windows installer</a:t>
             </a:r>
-            <a:endParaRPr sz="1350">
+            <a:endParaRPr sz="1350" dirty="0">
               <a:solidFill>
                 <a:srgbClr val="474747"/>
               </a:solidFill>
             </a:endParaRPr>
           </a:p>
           <a:p>
-            <a:pPr indent="0" lvl="0" marL="0" rtl="0" algn="l">
+            <a:pPr marL="0" lvl="0" indent="0" algn="l" rtl="0">
               <a:lnSpc>
                 <a:spcPct val="115000"/>
               </a:lnSpc>
@@ -7055,21 +7167,21 @@
               <a:buNone/>
             </a:pPr>
             <a:r>
-              <a:rPr b="1" lang="en" sz="1350">
+              <a:rPr lang="en" sz="1350" b="1" dirty="0">
                 <a:solidFill>
                   <a:srgbClr val="474747"/>
                 </a:solidFill>
               </a:rPr>
               <a:t>MacOS</a:t>
             </a:r>
-            <a:endParaRPr b="1" sz="1350">
+            <a:endParaRPr sz="1350" b="1" dirty="0">
               <a:solidFill>
                 <a:srgbClr val="474747"/>
               </a:solidFill>
             </a:endParaRPr>
           </a:p>
           <a:p>
-            <a:pPr indent="-314325" lvl="0" marL="457200" rtl="0" algn="l">
+            <a:pPr marL="457200" lvl="0" indent="-314325" algn="l" rtl="0">
               <a:lnSpc>
                 <a:spcPct val="115000"/>
               </a:lnSpc>
@@ -7086,7 +7198,7 @@
               <a:buAutoNum type="arabicPeriod"/>
             </a:pPr>
             <a:r>
-              <a:rPr lang="en" sz="1350">
+              <a:rPr lang="en" sz="1350" dirty="0">
                 <a:solidFill>
                   <a:srgbClr val="474747"/>
                 </a:solidFill>
@@ -7094,17 +7206,17 @@
               <a:t>Go to</a:t>
             </a:r>
             <a:r>
-              <a:rPr lang="en" sz="1350">
+              <a:rPr lang="en" sz="1350" dirty="0">
                 <a:solidFill>
                   <a:srgbClr val="474747"/>
                 </a:solidFill>
                 <a:uFill>
                   <a:noFill/>
                 </a:uFill>
-                <a:hlinkClick r:id="rId5">
+                <a:hlinkClick r:id="rId4">
                   <a:extLst>
                     <a:ext uri="{A12FA001-AC4F-418D-AE19-62706E023703}">
-                      <ahyp:hlinkClr val="tx"/>
+                      <ahyp:hlinkClr xmlns:ahyp="http://schemas.microsoft.com/office/drawing/2018/hyperlinkcolor" val="tx"/>
                     </a:ext>
                   </a:extLst>
                 </a:hlinkClick>
@@ -7112,28 +7224,28 @@
               <a:t> </a:t>
             </a:r>
             <a:r>
-              <a:rPr lang="en" sz="1350" u="sng">
+              <a:rPr lang="en" sz="1350" u="sng" dirty="0">
                 <a:solidFill>
                   <a:srgbClr val="118696"/>
                 </a:solidFill>
-                <a:hlinkClick r:id="rId6">
+                <a:hlinkClick r:id="rId4">
                   <a:extLst>
                     <a:ext uri="{A12FA001-AC4F-418D-AE19-62706E023703}">
-                      <ahyp:hlinkClr val="tx"/>
+                      <ahyp:hlinkClr xmlns:ahyp="http://schemas.microsoft.com/office/drawing/2018/hyperlinkcolor" val="tx"/>
                     </a:ext>
                   </a:extLst>
                 </a:hlinkClick>
               </a:rPr>
-              <a:t>https://brew.sh</a:t>
-            </a:r>
-            <a:endParaRPr sz="1350" u="sng">
+              <a:t>brew.sh</a:t>
+            </a:r>
+            <a:endParaRPr sz="1350" u="sng" dirty="0">
               <a:solidFill>
                 <a:srgbClr val="118696"/>
               </a:solidFill>
             </a:endParaRPr>
           </a:p>
           <a:p>
-            <a:pPr indent="-314325" lvl="0" marL="457200" rtl="0" algn="l">
+            <a:pPr marL="457200" lvl="0" indent="-314325" algn="l" rtl="0">
               <a:lnSpc>
                 <a:spcPct val="115000"/>
               </a:lnSpc>
@@ -7150,21 +7262,21 @@
               <a:buAutoNum type="arabicPeriod"/>
             </a:pPr>
             <a:r>
-              <a:rPr lang="en" sz="1350">
+              <a:rPr lang="en" sz="1350" dirty="0">
                 <a:solidFill>
                   <a:srgbClr val="474747"/>
                 </a:solidFill>
               </a:rPr>
               <a:t>Copy &amp; Paste the command into your terminal</a:t>
             </a:r>
-            <a:endParaRPr sz="1350">
+            <a:endParaRPr sz="1350" dirty="0">
               <a:solidFill>
                 <a:srgbClr val="474747"/>
               </a:solidFill>
             </a:endParaRPr>
           </a:p>
           <a:p>
-            <a:pPr indent="-314325" lvl="0" marL="457200" rtl="0" algn="l">
+            <a:pPr marL="457200" lvl="0" indent="-314325" algn="l" rtl="0">
               <a:lnSpc>
                 <a:spcPct val="115000"/>
               </a:lnSpc>
@@ -7181,21 +7293,39 @@
               <a:buAutoNum type="arabicPeriod"/>
             </a:pPr>
             <a:r>
-              <a:rPr lang="en" sz="1350">
+              <a:rPr lang="en" sz="1350" dirty="0">
                 <a:solidFill>
                   <a:srgbClr val="474747"/>
                 </a:solidFill>
               </a:rPr>
-              <a:t>Type `brew install git` into your terminal</a:t>
-            </a:r>
-            <a:endParaRPr sz="1350">
+              <a:t>Type </a:t>
+            </a:r>
+            <a:r>
+              <a:rPr lang="en" sz="1350" dirty="0">
+                <a:solidFill>
+                  <a:srgbClr val="474747"/>
+                </a:solidFill>
+                <a:latin typeface="Courier New" panose="02070309020205020404" pitchFamily="49" charset="0"/>
+                <a:cs typeface="Courier New" panose="02070309020205020404" pitchFamily="49" charset="0"/>
+              </a:rPr>
+              <a:t>brew install git </a:t>
+            </a:r>
+            <a:r>
+              <a:rPr lang="en" sz="1350" dirty="0">
+                <a:solidFill>
+                  <a:srgbClr val="474747"/>
+                </a:solidFill>
+              </a:rPr>
+              <a:t>into your terminal</a:t>
+            </a:r>
+            <a:endParaRPr sz="1350" dirty="0">
               <a:solidFill>
                 <a:srgbClr val="474747"/>
               </a:solidFill>
             </a:endParaRPr>
           </a:p>
           <a:p>
-            <a:pPr indent="0" lvl="0" marL="0" rtl="0" algn="l">
+            <a:pPr marL="0" lvl="0" indent="0" algn="l" rtl="0">
               <a:lnSpc>
                 <a:spcPct val="115000"/>
               </a:lnSpc>
@@ -7213,21 +7343,21 @@
               <a:buNone/>
             </a:pPr>
             <a:r>
-              <a:rPr b="1" lang="en" sz="1350">
+              <a:rPr lang="en" sz="1350" b="1" dirty="0">
                 <a:solidFill>
                   <a:srgbClr val="474747"/>
                 </a:solidFill>
               </a:rPr>
-              <a:t>Linux (Ubuntu)</a:t>
-            </a:r>
-            <a:endParaRPr b="1" sz="1350">
+              <a:t>Linux (Debian/Ubuntu)</a:t>
+            </a:r>
+            <a:endParaRPr sz="1350" b="1" dirty="0">
               <a:solidFill>
                 <a:srgbClr val="474747"/>
               </a:solidFill>
             </a:endParaRPr>
           </a:p>
           <a:p>
-            <a:pPr indent="-314325" lvl="0" marL="457200" rtl="0" algn="l">
+            <a:pPr marL="457200" lvl="0" indent="-314325" algn="l" rtl="0">
               <a:lnSpc>
                 <a:spcPct val="115000"/>
               </a:lnSpc>
@@ -7244,21 +7374,39 @@
               <a:buAutoNum type="arabicPeriod"/>
             </a:pPr>
             <a:r>
-              <a:rPr lang="en" sz="1350">
+              <a:rPr lang="en" sz="1350" dirty="0">
                 <a:solidFill>
                   <a:srgbClr val="474747"/>
                 </a:solidFill>
               </a:rPr>
-              <a:t>Type `sudo apt install git` into your terminal </a:t>
-            </a:r>
-            <a:endParaRPr sz="1350">
+              <a:t>Type </a:t>
+            </a:r>
+            <a:r>
+              <a:rPr lang="en" sz="1350" dirty="0">
+                <a:solidFill>
+                  <a:srgbClr val="474747"/>
+                </a:solidFill>
+                <a:latin typeface="Courier New" panose="02070309020205020404" pitchFamily="49" charset="0"/>
+                <a:cs typeface="Courier New" panose="02070309020205020404" pitchFamily="49" charset="0"/>
+              </a:rPr>
+              <a:t>sudo apt install git</a:t>
+            </a:r>
+            <a:r>
+              <a:rPr lang="en" sz="1350" dirty="0">
+                <a:solidFill>
+                  <a:srgbClr val="474747"/>
+                </a:solidFill>
+              </a:rPr>
+              <a:t> into your terminal </a:t>
+            </a:r>
+            <a:endParaRPr sz="1350" dirty="0">
               <a:solidFill>
                 <a:srgbClr val="474747"/>
               </a:solidFill>
             </a:endParaRPr>
           </a:p>
           <a:p>
-            <a:pPr indent="0" lvl="0" marL="0" rtl="0" algn="ctr">
+            <a:pPr marL="0" lvl="0" indent="0" algn="ctr" rtl="0">
               <a:spcBef>
                 <a:spcPts val="1200"/>
               </a:spcBef>
@@ -7267,10 +7415,7 @@
               </a:spcAft>
               <a:buNone/>
             </a:pPr>
-            <a:r>
-              <a:t/>
-            </a:r>
-            <a:endParaRPr/>
+            <a:endParaRPr dirty="0"/>
           </a:p>
         </p:txBody>
       </p:sp>
@@ -7294,12 +7439,12 @@
           </a:ln>
         </p:spPr>
         <p:txBody>
-          <a:bodyPr anchorCtr="0" anchor="t" bIns="91425" lIns="91425" spcFirstLastPara="1" rIns="91425" wrap="square" tIns="91425">
+          <a:bodyPr spcFirstLastPara="1" wrap="square" lIns="91425" tIns="91425" rIns="91425" bIns="91425" anchor="t" anchorCtr="0">
             <a:spAutoFit/>
           </a:bodyPr>
           <a:lstStyle/>
           <a:p>
-            <a:pPr indent="0" lvl="0" marL="0" rtl="0" algn="l">
+            <a:pPr marL="0" lvl="0" indent="0" algn="l" rtl="0">
               <a:spcBef>
                 <a:spcPts val="0"/>
               </a:spcBef>
@@ -7325,11 +7470,11 @@
 </file>
 
 <file path=ppt/slides/slide4.xml><?xml version="1.0" encoding="utf-8"?>
-<p:sld xmlns:a="http://schemas.openxmlformats.org/drawingml/2006/main" xmlns:r="http://schemas.openxmlformats.org/officeDocument/2006/relationships" xmlns:mc="http://schemas.openxmlformats.org/markup-compatibility/2006" xmlns:mv="urn:schemas-microsoft-com:mac:vml" xmlns:p="http://schemas.openxmlformats.org/presentationml/2006/main" xmlns:c="http://schemas.openxmlformats.org/drawingml/2006/chart" xmlns:dgm="http://schemas.openxmlformats.org/drawingml/2006/diagram" xmlns:o="urn:schemas-microsoft-com:office:office" xmlns:v="urn:schemas-microsoft-com:vml" xmlns:pvml="urn:schemas-microsoft-com:office:powerpoint" xmlns:com="http://schemas.openxmlformats.org/drawingml/2006/compatibility" xmlns:p14="http://schemas.microsoft.com/office/powerpoint/2010/main" xmlns:p15="http://schemas.microsoft.com/office/powerpoint/2012/main" xmlns:ahyp="http://schemas.microsoft.com/office/drawing/2018/hyperlinkcolor">
+<p:sld xmlns:a="http://schemas.openxmlformats.org/drawingml/2006/main" xmlns:r="http://schemas.openxmlformats.org/officeDocument/2006/relationships" xmlns:p="http://schemas.openxmlformats.org/presentationml/2006/main">
   <p:cSld>
     <p:spTree>
       <p:nvGrpSpPr>
-        <p:cNvPr id="71" name="Shape 71"/>
+        <p:cNvPr id="1" name="Shape 71"/>
         <p:cNvGrpSpPr/>
         <p:nvPr/>
       </p:nvGrpSpPr>
@@ -7344,7 +7489,9 @@
       <p:sp>
         <p:nvSpPr>
           <p:cNvPr id="72" name="Google Shape;72;p16"/>
-          <p:cNvSpPr txBox="1"/>
+          <p:cNvSpPr txBox="1">
+            <a:spLocks noGrp="1"/>
+          </p:cNvSpPr>
           <p:nvPr>
             <p:ph type="title"/>
           </p:nvPr>
@@ -7359,12 +7506,12 @@
           </a:prstGeom>
         </p:spPr>
         <p:txBody>
-          <a:bodyPr anchorCtr="0" anchor="t" bIns="91425" lIns="91425" spcFirstLastPara="1" rIns="91425" wrap="square" tIns="91425">
+          <a:bodyPr spcFirstLastPara="1" wrap="square" lIns="91425" tIns="91425" rIns="91425" bIns="91425" anchor="t" anchorCtr="0">
             <a:normAutofit fontScale="90000"/>
           </a:bodyPr>
           <a:lstStyle/>
           <a:p>
-            <a:pPr indent="0" lvl="0" marL="0" rtl="0" algn="l">
+            <a:pPr marL="0" lvl="0" indent="0" algn="l" rtl="0">
               <a:spcBef>
                 <a:spcPts val="0"/>
               </a:spcBef>
@@ -7384,27 +7531,29 @@
       <p:sp>
         <p:nvSpPr>
           <p:cNvPr id="73" name="Google Shape;73;p16"/>
-          <p:cNvSpPr txBox="1"/>
+          <p:cNvSpPr txBox="1">
+            <a:spLocks noGrp="1"/>
+          </p:cNvSpPr>
           <p:nvPr>
-            <p:ph idx="1" type="body"/>
+            <p:ph type="body" idx="1"/>
           </p:nvPr>
         </p:nvSpPr>
         <p:spPr>
           <a:xfrm>
             <a:off x="311700" y="1152475"/>
-            <a:ext cx="8520600" cy="3416400"/>
+            <a:ext cx="8520600" cy="1141020"/>
           </a:xfrm>
           <a:prstGeom prst="rect">
             <a:avLst/>
           </a:prstGeom>
         </p:spPr>
         <p:txBody>
-          <a:bodyPr anchorCtr="0" anchor="t" bIns="91425" lIns="91425" spcFirstLastPara="1" rIns="91425" wrap="square" tIns="91425">
+          <a:bodyPr spcFirstLastPara="1" wrap="square" lIns="91425" tIns="91425" rIns="91425" bIns="91425" anchor="t" anchorCtr="0">
             <a:normAutofit/>
           </a:bodyPr>
           <a:lstStyle/>
           <a:p>
-            <a:pPr indent="0" lvl="0" marL="0" rtl="0" algn="l">
+            <a:pPr marL="0" lvl="0" indent="0" algn="l" rtl="0">
               <a:spcBef>
                 <a:spcPts val="0"/>
               </a:spcBef>
@@ -7419,35 +7568,52 @@
               <a:buNone/>
             </a:pPr>
             <a:r>
-              <a:rPr b="1" lang="en" sz="1650">
+              <a:rPr lang="en" sz="1650" b="1" dirty="0">
                 <a:solidFill>
                   <a:srgbClr val="474747"/>
                 </a:solidFill>
               </a:rPr>
-              <a:t>Windows &amp; MacOS:</a:t>
-            </a:r>
-            <a:endParaRPr b="1" sz="1650">
+              <a:t>Windows, MacOS, and Linux:</a:t>
+            </a:r>
+          </a:p>
+          <a:p>
+            <a:pPr marL="0" lvl="0" indent="0" algn="l" rtl="0">
+              <a:spcBef>
+                <a:spcPts val="0"/>
+              </a:spcBef>
+              <a:spcAft>
+                <a:spcPts val="0"/>
+              </a:spcAft>
+              <a:buClr>
+                <a:schemeClr val="dk1"/>
+              </a:buClr>
+              <a:buSzPts val="1100"/>
+              <a:buFont typeface="Arial"/>
+              <a:buNone/>
+            </a:pPr>
+            <a:endParaRPr lang="en" sz="1650" b="1" dirty="0">
               <a:solidFill>
                 <a:srgbClr val="474747"/>
               </a:solidFill>
             </a:endParaRPr>
           </a:p>
           <a:p>
-            <a:pPr indent="-333375" lvl="0" marL="457200" rtl="0" algn="l">
-              <a:spcBef>
-                <a:spcPts val="1200"/>
+            <a:pPr marL="0" lvl="0" indent="0" algn="l" rtl="0">
+              <a:spcBef>
+                <a:spcPts val="0"/>
               </a:spcBef>
               <a:spcAft>
                 <a:spcPts val="0"/>
               </a:spcAft>
               <a:buClr>
-                <a:srgbClr val="474747"/>
+                <a:schemeClr val="dk1"/>
               </a:buClr>
-              <a:buSzPts val="1650"/>
-              <a:buAutoNum type="arabicPeriod"/>
+              <a:buSzPts val="1100"/>
+              <a:buFont typeface="Arial"/>
+              <a:buNone/>
             </a:pPr>
             <a:r>
-              <a:rPr lang="en" sz="1650">
+              <a:rPr lang="en" sz="1650" dirty="0">
                 <a:solidFill>
                   <a:srgbClr val="474747"/>
                 </a:solidFill>
@@ -7455,7 +7621,7 @@
               <a:t>Go to</a:t>
             </a:r>
             <a:r>
-              <a:rPr lang="en" sz="1650">
+              <a:rPr lang="en" sz="1650" dirty="0">
                 <a:solidFill>
                   <a:srgbClr val="474747"/>
                 </a:solidFill>
@@ -7465,7 +7631,7 @@
                 <a:hlinkClick r:id="rId3">
                   <a:extLst>
                     <a:ext uri="{A12FA001-AC4F-418D-AE19-62706E023703}">
-                      <ahyp:hlinkClr val="tx"/>
+                      <ahyp:hlinkClr xmlns:ahyp="http://schemas.microsoft.com/office/drawing/2018/hyperlinkcolor" val="tx"/>
                     </a:ext>
                   </a:extLst>
                 </a:hlinkClick>
@@ -7473,133 +7639,28 @@
               <a:t> </a:t>
             </a:r>
             <a:r>
-              <a:rPr lang="en" sz="1650" u="sng">
+              <a:rPr lang="en" sz="1650" u="sng" dirty="0">
                 <a:solidFill>
                   <a:srgbClr val="118696"/>
                 </a:solidFill>
-                <a:hlinkClick r:id="rId4">
+                <a:hlinkClick r:id="rId3">
                   <a:extLst>
                     <a:ext uri="{A12FA001-AC4F-418D-AE19-62706E023703}">
-                      <ahyp:hlinkClr val="tx"/>
+                      <ahyp:hlinkClr xmlns:ahyp="http://schemas.microsoft.com/office/drawing/2018/hyperlinkcolor" val="tx"/>
                     </a:ext>
                   </a:extLst>
                 </a:hlinkClick>
               </a:rPr>
-              <a:t>https://code.visualstudio.com</a:t>
-            </a:r>
-            <a:r>
-              <a:rPr lang="en" sz="1650">
+              <a:t>code.VisualStudio.com</a:t>
+            </a:r>
+            <a:r>
+              <a:rPr lang="en" sz="1650" dirty="0">
                 <a:solidFill>
                   <a:srgbClr val="474747"/>
                 </a:solidFill>
               </a:rPr>
               <a:t> and download &amp; install</a:t>
             </a:r>
-            <a:endParaRPr sz="1650">
-              <a:solidFill>
-                <a:srgbClr val="474747"/>
-              </a:solidFill>
-            </a:endParaRPr>
-          </a:p>
-          <a:p>
-            <a:pPr indent="0" lvl="0" marL="0" rtl="0" algn="l">
-              <a:spcBef>
-                <a:spcPts val="2400"/>
-              </a:spcBef>
-              <a:spcAft>
-                <a:spcPts val="0"/>
-              </a:spcAft>
-              <a:buClr>
-                <a:schemeClr val="dk1"/>
-              </a:buClr>
-              <a:buSzPts val="1100"/>
-              <a:buFont typeface="Arial"/>
-              <a:buNone/>
-            </a:pPr>
-            <a:r>
-              <a:rPr b="1" lang="en" sz="1650">
-                <a:solidFill>
-                  <a:srgbClr val="474747"/>
-                </a:solidFill>
-              </a:rPr>
-              <a:t>Linux (Ubuntu)</a:t>
-            </a:r>
-            <a:endParaRPr b="1" sz="1650">
-              <a:solidFill>
-                <a:srgbClr val="474747"/>
-              </a:solidFill>
-            </a:endParaRPr>
-          </a:p>
-          <a:p>
-            <a:pPr indent="-333375" lvl="0" marL="457200" rtl="0" algn="l">
-              <a:spcBef>
-                <a:spcPts val="1200"/>
-              </a:spcBef>
-              <a:spcAft>
-                <a:spcPts val="0"/>
-              </a:spcAft>
-              <a:buClr>
-                <a:srgbClr val="474747"/>
-              </a:buClr>
-              <a:buSzPts val="1650"/>
-              <a:buAutoNum type="arabicPeriod"/>
-            </a:pPr>
-            <a:r>
-              <a:rPr lang="en" sz="1650">
-                <a:solidFill>
-                  <a:srgbClr val="474747"/>
-                </a:solidFill>
-              </a:rPr>
-              <a:t>Use the snap package if your OS supports it (just google vscode snap package)</a:t>
-            </a:r>
-            <a:endParaRPr sz="1650">
-              <a:solidFill>
-                <a:srgbClr val="474747"/>
-              </a:solidFill>
-            </a:endParaRPr>
-          </a:p>
-          <a:p>
-            <a:pPr indent="-333375" lvl="0" marL="457200" rtl="0" algn="l">
-              <a:spcBef>
-                <a:spcPts val="0"/>
-              </a:spcBef>
-              <a:spcAft>
-                <a:spcPts val="0"/>
-              </a:spcAft>
-              <a:buClr>
-                <a:srgbClr val="474747"/>
-              </a:buClr>
-              <a:buSzPts val="1650"/>
-              <a:buAutoNum type="arabicPeriod"/>
-            </a:pPr>
-            <a:r>
-              <a:rPr lang="en" sz="1650">
-                <a:solidFill>
-                  <a:srgbClr val="474747"/>
-                </a:solidFill>
-              </a:rPr>
-              <a:t>Else, follow the same instructions as Windows &amp; MacOS</a:t>
-            </a:r>
-            <a:endParaRPr sz="1650">
-              <a:solidFill>
-                <a:srgbClr val="474747"/>
-              </a:solidFill>
-            </a:endParaRPr>
-          </a:p>
-          <a:p>
-            <a:pPr indent="0" lvl="0" marL="0" rtl="0" algn="l">
-              <a:spcBef>
-                <a:spcPts val="1200"/>
-              </a:spcBef>
-              <a:spcAft>
-                <a:spcPts val="1200"/>
-              </a:spcAft>
-              <a:buNone/>
-            </a:pPr>
-            <a:r>
-              <a:t/>
-            </a:r>
-            <a:endParaRPr/>
           </a:p>
         </p:txBody>
       </p:sp>
@@ -7612,11 +7673,11 @@
 </file>
 
 <file path=ppt/slides/slide5.xml><?xml version="1.0" encoding="utf-8"?>
-<p:sld xmlns:a="http://schemas.openxmlformats.org/drawingml/2006/main" xmlns:r="http://schemas.openxmlformats.org/officeDocument/2006/relationships" xmlns:mc="http://schemas.openxmlformats.org/markup-compatibility/2006" xmlns:mv="urn:schemas-microsoft-com:mac:vml" xmlns:p="http://schemas.openxmlformats.org/presentationml/2006/main" xmlns:c="http://schemas.openxmlformats.org/drawingml/2006/chart" xmlns:dgm="http://schemas.openxmlformats.org/drawingml/2006/diagram" xmlns:o="urn:schemas-microsoft-com:office:office" xmlns:v="urn:schemas-microsoft-com:vml" xmlns:pvml="urn:schemas-microsoft-com:office:powerpoint" xmlns:com="http://schemas.openxmlformats.org/drawingml/2006/compatibility" xmlns:p14="http://schemas.microsoft.com/office/powerpoint/2010/main" xmlns:p15="http://schemas.microsoft.com/office/powerpoint/2012/main" xmlns:ahyp="http://schemas.microsoft.com/office/drawing/2018/hyperlinkcolor" show="0">
+<p:sld xmlns:a="http://schemas.openxmlformats.org/drawingml/2006/main" xmlns:r="http://schemas.openxmlformats.org/officeDocument/2006/relationships" xmlns:p="http://schemas.openxmlformats.org/presentationml/2006/main" show="0">
   <p:cSld>
     <p:spTree>
       <p:nvGrpSpPr>
-        <p:cNvPr id="77" name="Shape 77"/>
+        <p:cNvPr id="1" name="Shape 77"/>
         <p:cNvGrpSpPr/>
         <p:nvPr/>
       </p:nvGrpSpPr>
@@ -7631,7 +7692,9 @@
       <p:sp>
         <p:nvSpPr>
           <p:cNvPr id="78" name="Google Shape;78;p17"/>
-          <p:cNvSpPr txBox="1"/>
+          <p:cNvSpPr txBox="1">
+            <a:spLocks noGrp="1"/>
+          </p:cNvSpPr>
           <p:nvPr>
             <p:ph type="title"/>
           </p:nvPr>
@@ -7646,12 +7709,12 @@
           </a:prstGeom>
         </p:spPr>
         <p:txBody>
-          <a:bodyPr anchorCtr="0" anchor="t" bIns="91425" lIns="91425" spcFirstLastPara="1" rIns="91425" wrap="square" tIns="91425">
+          <a:bodyPr spcFirstLastPara="1" wrap="square" lIns="91425" tIns="91425" rIns="91425" bIns="91425" anchor="t" anchorCtr="0">
             <a:normAutofit fontScale="90000"/>
           </a:bodyPr>
           <a:lstStyle/>
           <a:p>
-            <a:pPr indent="0" lvl="0" marL="0" rtl="0" algn="l">
+            <a:pPr marL="0" lvl="0" indent="0" algn="l" rtl="0">
               <a:lnSpc>
                 <a:spcPct val="115000"/>
               </a:lnSpc>
@@ -7669,34 +7732,21 @@
               <a:buNone/>
             </a:pPr>
             <a:r>
-              <a:rPr lang="en" sz="2433"/>
-              <a:t>One extra step if you’re on windows and decide to use terminal emulator</a:t>
-            </a:r>
-            <a:endParaRPr sz="2433"/>
-          </a:p>
-          <a:p>
-            <a:pPr indent="0" lvl="0" marL="0" rtl="0" algn="l">
-              <a:spcBef>
-                <a:spcPts val="0"/>
-              </a:spcBef>
-              <a:spcAft>
-                <a:spcPts val="0"/>
-              </a:spcAft>
-              <a:buNone/>
-            </a:pPr>
-            <a:r>
-              <a:t/>
-            </a:r>
-            <a:endParaRPr sz="2911"/>
+              <a:rPr lang="en" sz="2433" dirty="0"/>
+              <a:t>One extra step if you’re on Windows…</a:t>
+            </a:r>
+            <a:endParaRPr sz="2911" dirty="0"/>
           </a:p>
         </p:txBody>
       </p:sp>
       <p:sp>
         <p:nvSpPr>
           <p:cNvPr id="79" name="Google Shape;79;p17"/>
-          <p:cNvSpPr txBox="1"/>
+          <p:cNvSpPr txBox="1">
+            <a:spLocks noGrp="1"/>
+          </p:cNvSpPr>
           <p:nvPr>
-            <p:ph idx="1" type="body"/>
+            <p:ph type="body" idx="1"/>
           </p:nvPr>
         </p:nvSpPr>
         <p:spPr>
@@ -7709,12 +7759,35 @@
           </a:prstGeom>
         </p:spPr>
         <p:txBody>
-          <a:bodyPr anchorCtr="0" anchor="t" bIns="91425" lIns="91425" spcFirstLastPara="1" rIns="91425" wrap="square" tIns="91425">
+          <a:bodyPr spcFirstLastPara="1" wrap="square" lIns="91425" tIns="91425" rIns="91425" bIns="91425" anchor="t" anchorCtr="0">
             <a:normAutofit/>
           </a:bodyPr>
           <a:lstStyle/>
           <a:p>
-            <a:pPr indent="-333375" lvl="0" marL="457200" rtl="0" algn="l">
+            <a:pPr marL="123825" lvl="0" indent="0" algn="l" rtl="0">
+              <a:spcBef>
+                <a:spcPts val="1200"/>
+              </a:spcBef>
+              <a:spcAft>
+                <a:spcPts val="0"/>
+              </a:spcAft>
+              <a:buClr>
+                <a:srgbClr val="474747"/>
+              </a:buClr>
+              <a:buSzPts val="1650"/>
+              <a:buNone/>
+            </a:pPr>
+            <a:r>
+              <a:rPr lang="en" sz="1650" dirty="0">
+                <a:solidFill>
+                  <a:srgbClr val="474747"/>
+                </a:solidFill>
+              </a:rPr>
+              <a:t>To use Linux commands on Windows, the easiest solution is to use Git Bash, a terminal emulator that comes with Git:</a:t>
+            </a:r>
+          </a:p>
+          <a:p>
+            <a:pPr marL="457200" lvl="0" indent="-333375" algn="l" rtl="0">
               <a:spcBef>
                 <a:spcPts val="1200"/>
               </a:spcBef>
@@ -7728,23 +7801,88 @@
               <a:buAutoNum type="arabicPeriod"/>
             </a:pPr>
             <a:r>
-              <a:rPr lang="en" sz="1650">
+              <a:rPr lang="en" sz="1650" dirty="0">
                 <a:solidFill>
                   <a:srgbClr val="474747"/>
                 </a:solidFill>
               </a:rPr>
-              <a:t>We want to make vscode use the fancy new terminal we just installed</a:t>
-            </a:r>
-            <a:endParaRPr sz="1650">
-              <a:solidFill>
-                <a:srgbClr val="474747"/>
-              </a:solidFill>
-            </a:endParaRPr>
-          </a:p>
-          <a:p>
-            <a:pPr indent="-333375" lvl="0" marL="457200" rtl="0" algn="l">
-              <a:spcBef>
-                <a:spcPts val="0"/>
+              <a:t>Press </a:t>
+            </a:r>
+            <a:r>
+              <a:rPr lang="en" sz="1650" dirty="0">
+                <a:solidFill>
+                  <a:srgbClr val="474747"/>
+                </a:solidFill>
+                <a:latin typeface="Courier New" panose="02070309020205020404" pitchFamily="49" charset="0"/>
+                <a:cs typeface="Courier New" panose="02070309020205020404" pitchFamily="49" charset="0"/>
+              </a:rPr>
+              <a:t>CTRL</a:t>
+            </a:r>
+            <a:r>
+              <a:rPr lang="en" sz="1650" dirty="0">
+                <a:solidFill>
+                  <a:srgbClr val="474747"/>
+                </a:solidFill>
+              </a:rPr>
+              <a:t> + </a:t>
+            </a:r>
+            <a:r>
+              <a:rPr lang="en" sz="1650" dirty="0">
+                <a:solidFill>
+                  <a:srgbClr val="474747"/>
+                </a:solidFill>
+                <a:latin typeface="Courier New" panose="02070309020205020404" pitchFamily="49" charset="0"/>
+                <a:cs typeface="Courier New" panose="02070309020205020404" pitchFamily="49" charset="0"/>
+              </a:rPr>
+              <a:t>,</a:t>
+            </a:r>
+            <a:r>
+              <a:rPr lang="en" sz="1650" dirty="0">
+                <a:solidFill>
+                  <a:srgbClr val="474747"/>
+                </a:solidFill>
+              </a:rPr>
+              <a:t> to bring up the settings menu in VS C</a:t>
+            </a:r>
+            <a:r>
+              <a:rPr lang="en-US" sz="1650" dirty="0">
+                <a:solidFill>
+                  <a:srgbClr val="474747"/>
+                </a:solidFill>
+              </a:rPr>
+              <a:t>o</a:t>
+            </a:r>
+            <a:r>
+              <a:rPr lang="en" sz="1650" dirty="0">
+                <a:solidFill>
+                  <a:srgbClr val="474747"/>
+                </a:solidFill>
+              </a:rPr>
+              <a:t>de and then search “</a:t>
+            </a:r>
+            <a:r>
+              <a:rPr lang="en-US" sz="1650" dirty="0" err="1">
+                <a:solidFill>
+                  <a:srgbClr val="474747"/>
+                </a:solidFill>
+                <a:latin typeface="Courier New" panose="02070309020205020404" pitchFamily="49" charset="0"/>
+                <a:cs typeface="Courier New" panose="02070309020205020404" pitchFamily="49" charset="0"/>
+              </a:rPr>
+              <a:t>terminal.integrated.defaultProfile.windows</a:t>
+            </a:r>
+            <a:r>
+              <a:rPr lang="en-US" sz="1650" dirty="0">
+                <a:solidFill>
+                  <a:srgbClr val="474747"/>
+                </a:solidFill>
+              </a:rPr>
+              <a:t>”</a:t>
+            </a:r>
+          </a:p>
+          <a:p>
+            <a:pPr marL="457200" lvl="0" indent="-333375" algn="l" rtl="0">
+              <a:spcBef>
+                <a:spcPts val="1200"/>
               </a:spcBef>
               <a:spcAft>
                 <a:spcPts val="0"/>
@@ -7756,23 +7894,18 @@
               <a:buAutoNum type="arabicPeriod"/>
             </a:pPr>
             <a:r>
-              <a:rPr lang="en" sz="1650">
+              <a:rPr lang="en-US" sz="1650" dirty="0">
                 <a:solidFill>
                   <a:srgbClr val="474747"/>
                 </a:solidFill>
               </a:rPr>
-              <a:t>Type `ctrl + ,` to bring up the settings menu in vscode, and then click the little button in the top right to get the JSON version of settings</a:t>
-            </a:r>
-            <a:endParaRPr sz="1650">
-              <a:solidFill>
-                <a:srgbClr val="474747"/>
-              </a:solidFill>
-            </a:endParaRPr>
-          </a:p>
-          <a:p>
-            <a:pPr indent="-333375" lvl="0" marL="457200" rtl="0" algn="l">
-              <a:spcBef>
-                <a:spcPts val="0"/>
+              <a:t>Change your default terminal to Git Bash</a:t>
+            </a:r>
+          </a:p>
+          <a:p>
+            <a:pPr marL="457200" lvl="0" indent="-333375" algn="l" rtl="0">
+              <a:spcBef>
+                <a:spcPts val="1200"/>
               </a:spcBef>
               <a:spcAft>
                 <a:spcPts val="0"/>
@@ -7783,79 +7916,23 @@
               <a:buSzPts val="1650"/>
               <a:buAutoNum type="arabicPeriod"/>
             </a:pPr>
-            <a:r>
-              <a:rPr lang="en" sz="1650">
-                <a:solidFill>
-                  <a:srgbClr val="474747"/>
-                </a:solidFill>
-              </a:rPr>
-              <a:t>Paste the following into the settings: (you can find it here</a:t>
-            </a:r>
-            <a:r>
-              <a:rPr lang="en" sz="1650">
-                <a:solidFill>
-                  <a:srgbClr val="474747"/>
-                </a:solidFill>
-                <a:uFill>
-                  <a:noFill/>
-                </a:uFill>
-                <a:hlinkClick r:id="rId3">
-                  <a:extLst>
-                    <a:ext uri="{A12FA001-AC4F-418D-AE19-62706E023703}">
-                      <ahyp:hlinkClr val="tx"/>
-                    </a:ext>
-                  </a:extLst>
-                </a:hlinkClick>
-              </a:rPr>
-              <a:t> </a:t>
-            </a:r>
-            <a:r>
-              <a:rPr lang="en" sz="1650">
-                <a:solidFill>
-                  <a:srgbClr val="474747"/>
-                </a:solidFill>
-              </a:rPr>
-              <a:t>https://dev.to/andrewriveradev/how-to-setup-cmder-in-vscode-in-2021-3nkc) to copy &amp; paste</a:t>
-            </a:r>
-            <a:endParaRPr sz="1650">
+            <a:endParaRPr sz="1650" dirty="0">
               <a:solidFill>
                 <a:srgbClr val="474747"/>
               </a:solidFill>
             </a:endParaRPr>
           </a:p>
           <a:p>
-            <a:pPr indent="0" lvl="0" marL="457200" rtl="0" algn="l">
+            <a:pPr marL="457200" lvl="0" indent="0" algn="l" rtl="0">
               <a:spcBef>
                 <a:spcPts val="2400"/>
               </a:spcBef>
               <a:spcAft>
-                <a:spcPts val="0"/>
+                <a:spcPts val="2400"/>
               </a:spcAft>
               <a:buNone/>
             </a:pPr>
-            <a:r>
-              <a:t/>
-            </a:r>
-            <a:endParaRPr sz="1650">
-              <a:solidFill>
-                <a:srgbClr val="474747"/>
-              </a:solidFill>
-            </a:endParaRPr>
-          </a:p>
-          <a:p>
-            <a:pPr indent="0" lvl="0" marL="457200" rtl="0" algn="l">
-              <a:spcBef>
-                <a:spcPts val="2400"/>
-              </a:spcBef>
-              <a:spcAft>
-                <a:spcPts val="2400"/>
-              </a:spcAft>
-              <a:buNone/>
-            </a:pPr>
-            <a:r>
-              <a:t/>
-            </a:r>
-            <a:endParaRPr sz="1650">
+            <a:endParaRPr sz="1650" dirty="0">
               <a:solidFill>
                 <a:srgbClr val="474747"/>
               </a:solidFill>
@@ -7872,11 +7949,11 @@
 </file>
 
 <file path=ppt/slides/slide6.xml><?xml version="1.0" encoding="utf-8"?>
-<p:sld xmlns:a="http://schemas.openxmlformats.org/drawingml/2006/main" xmlns:r="http://schemas.openxmlformats.org/officeDocument/2006/relationships" xmlns:mc="http://schemas.openxmlformats.org/markup-compatibility/2006" xmlns:mv="urn:schemas-microsoft-com:mac:vml" xmlns:p="http://schemas.openxmlformats.org/presentationml/2006/main" xmlns:c="http://schemas.openxmlformats.org/drawingml/2006/chart" xmlns:dgm="http://schemas.openxmlformats.org/drawingml/2006/diagram" xmlns:o="urn:schemas-microsoft-com:office:office" xmlns:v="urn:schemas-microsoft-com:vml" xmlns:pvml="urn:schemas-microsoft-com:office:powerpoint" xmlns:com="http://schemas.openxmlformats.org/drawingml/2006/compatibility" xmlns:p14="http://schemas.microsoft.com/office/powerpoint/2010/main" xmlns:p15="http://schemas.microsoft.com/office/powerpoint/2012/main" xmlns:ahyp="http://schemas.microsoft.com/office/drawing/2018/hyperlinkcolor">
+<p:sld xmlns:a="http://schemas.openxmlformats.org/drawingml/2006/main" xmlns:r="http://schemas.openxmlformats.org/officeDocument/2006/relationships" xmlns:p="http://schemas.openxmlformats.org/presentationml/2006/main">
   <p:cSld>
     <p:spTree>
       <p:nvGrpSpPr>
-        <p:cNvPr id="83" name="Shape 83"/>
+        <p:cNvPr id="1" name="Shape 83"/>
         <p:cNvGrpSpPr/>
         <p:nvPr/>
       </p:nvGrpSpPr>
@@ -7891,7 +7968,9 @@
       <p:sp>
         <p:nvSpPr>
           <p:cNvPr id="84" name="Google Shape;84;p18"/>
-          <p:cNvSpPr txBox="1"/>
+          <p:cNvSpPr txBox="1">
+            <a:spLocks noGrp="1"/>
+          </p:cNvSpPr>
           <p:nvPr>
             <p:ph type="title"/>
           </p:nvPr>
@@ -7906,12 +7985,12 @@
           </a:prstGeom>
         </p:spPr>
         <p:txBody>
-          <a:bodyPr anchorCtr="0" anchor="t" bIns="91425" lIns="91425" spcFirstLastPara="1" rIns="91425" wrap="square" tIns="91425">
+          <a:bodyPr spcFirstLastPara="1" wrap="square" lIns="91425" tIns="91425" rIns="91425" bIns="91425" anchor="t" anchorCtr="0">
             <a:normAutofit fontScale="90000"/>
           </a:bodyPr>
           <a:lstStyle/>
           <a:p>
-            <a:pPr indent="0" lvl="0" marL="0" rtl="0" algn="l">
+            <a:pPr marL="0" lvl="0" indent="0" algn="l" rtl="0">
               <a:lnSpc>
                 <a:spcPct val="115000"/>
               </a:lnSpc>
@@ -7935,7 +8014,7 @@
             <a:endParaRPr sz="2433"/>
           </a:p>
           <a:p>
-            <a:pPr indent="0" lvl="0" marL="0" rtl="0" algn="l">
+            <a:pPr marL="0" lvl="0" indent="0" algn="l" rtl="0">
               <a:spcBef>
                 <a:spcPts val="0"/>
               </a:spcBef>
@@ -7944,9 +8023,6 @@
               </a:spcAft>
               <a:buNone/>
             </a:pPr>
-            <a:r>
-              <a:t/>
-            </a:r>
             <a:endParaRPr/>
           </a:p>
         </p:txBody>
@@ -7954,9 +8030,11 @@
       <p:sp>
         <p:nvSpPr>
           <p:cNvPr id="85" name="Google Shape;85;p18"/>
-          <p:cNvSpPr txBox="1"/>
+          <p:cNvSpPr txBox="1">
+            <a:spLocks noGrp="1"/>
+          </p:cNvSpPr>
           <p:nvPr>
-            <p:ph idx="1" type="body"/>
+            <p:ph type="body" idx="1"/>
           </p:nvPr>
         </p:nvSpPr>
         <p:spPr>
@@ -7969,12 +8047,12 @@
           </a:prstGeom>
         </p:spPr>
         <p:txBody>
-          <a:bodyPr anchorCtr="0" anchor="t" bIns="91425" lIns="91425" spcFirstLastPara="1" rIns="91425" wrap="square" tIns="91425">
+          <a:bodyPr spcFirstLastPara="1" wrap="square" lIns="91425" tIns="91425" rIns="91425" bIns="91425" anchor="t" anchorCtr="0">
             <a:normAutofit/>
           </a:bodyPr>
           <a:lstStyle/>
           <a:p>
-            <a:pPr indent="-361950" lvl="0" marL="457200" rtl="0" algn="l">
+            <a:pPr marL="457200" lvl="0" indent="-361950" algn="l" rtl="0">
               <a:spcBef>
                 <a:spcPts val="1200"/>
               </a:spcBef>
@@ -7988,23 +8066,54 @@
               <a:buChar char="●"/>
             </a:pPr>
             <a:r>
-              <a:rPr lang="en" sz="2100">
+              <a:rPr lang="en" sz="2100" dirty="0">
                 <a:solidFill>
                   <a:srgbClr val="474747"/>
                 </a:solidFill>
               </a:rPr>
-              <a:t>From within vscode type `ctrl + ~` (this is the shortcut for opening the terminal)</a:t>
-            </a:r>
-            <a:endParaRPr sz="2100">
-              <a:solidFill>
-                <a:srgbClr val="474747"/>
-              </a:solidFill>
-            </a:endParaRPr>
-          </a:p>
-          <a:p>
-            <a:pPr indent="-361950" lvl="0" marL="457200" rtl="0" algn="l">
-              <a:spcBef>
-                <a:spcPts val="0"/>
+              <a:t>From within VS Code type </a:t>
+            </a:r>
+            <a:r>
+              <a:rPr lang="en" sz="2100" dirty="0">
+                <a:solidFill>
+                  <a:srgbClr val="474747"/>
+                </a:solidFill>
+                <a:latin typeface="Courier New" panose="02070309020205020404" pitchFamily="49" charset="0"/>
+                <a:cs typeface="Courier New" panose="02070309020205020404" pitchFamily="49" charset="0"/>
+              </a:rPr>
+              <a:t>CTRL</a:t>
+            </a:r>
+            <a:r>
+              <a:rPr lang="en" sz="2100" dirty="0">
+                <a:solidFill>
+                  <a:srgbClr val="474747"/>
+                </a:solidFill>
+              </a:rPr>
+              <a:t> + </a:t>
+            </a:r>
+            <a:r>
+              <a:rPr lang="en" sz="2100" dirty="0">
+                <a:solidFill>
+                  <a:srgbClr val="474747"/>
+                </a:solidFill>
+                <a:latin typeface="Courier New" panose="02070309020205020404" pitchFamily="49" charset="0"/>
+                <a:cs typeface="Courier New" panose="02070309020205020404" pitchFamily="49" charset="0"/>
+              </a:rPr>
+              <a:t>~</a:t>
+            </a:r>
+            <a:r>
+              <a:rPr lang="en" sz="2100" dirty="0">
+                <a:solidFill>
+                  <a:srgbClr val="474747"/>
+                </a:solidFill>
+              </a:rPr>
+              <a:t> to open the terminal</a:t>
+            </a:r>
+          </a:p>
+          <a:p>
+            <a:pPr marL="457200" lvl="0" indent="-361950" algn="l" rtl="0">
+              <a:spcBef>
+                <a:spcPts val="1200"/>
               </a:spcBef>
               <a:spcAft>
                 <a:spcPts val="0"/>
@@ -8016,21 +8125,39 @@
               <a:buChar char="●"/>
             </a:pPr>
             <a:r>
-              <a:rPr lang="en" sz="2100">
+              <a:rPr lang="en" sz="2100" dirty="0">
                 <a:solidFill>
                   <a:srgbClr val="474747"/>
                 </a:solidFill>
               </a:rPr>
-              <a:t>Type `git --version` and make sure something appears</a:t>
-            </a:r>
-            <a:endParaRPr sz="2100">
+              <a:t>In the terminal, type </a:t>
+            </a:r>
+            <a:r>
+              <a:rPr lang="en" sz="2100" dirty="0">
+                <a:solidFill>
+                  <a:srgbClr val="474747"/>
+                </a:solidFill>
+                <a:latin typeface="Courier New" panose="02070309020205020404" pitchFamily="49" charset="0"/>
+                <a:cs typeface="Courier New" panose="02070309020205020404" pitchFamily="49" charset="0"/>
+              </a:rPr>
+              <a:t>git --version </a:t>
+            </a:r>
+            <a:r>
+              <a:rPr lang="en" sz="2100" dirty="0">
+                <a:solidFill>
+                  <a:srgbClr val="474747"/>
+                </a:solidFill>
+              </a:rPr>
+              <a:t>and make sure something appears</a:t>
+            </a:r>
+            <a:endParaRPr sz="2100" dirty="0">
               <a:solidFill>
                 <a:srgbClr val="474747"/>
               </a:solidFill>
             </a:endParaRPr>
           </a:p>
           <a:p>
-            <a:pPr indent="-361950" lvl="0" marL="457200" rtl="0" algn="l">
+            <a:pPr marL="457200" lvl="0" indent="-361950" algn="l" rtl="0">
               <a:spcBef>
                 <a:spcPts val="0"/>
               </a:spcBef>
@@ -8044,21 +8171,21 @@
               <a:buChar char="●"/>
             </a:pPr>
             <a:r>
-              <a:rPr lang="en" sz="2100">
+              <a:rPr lang="en" sz="2100" dirty="0">
                 <a:solidFill>
                   <a:srgbClr val="474747"/>
                 </a:solidFill>
               </a:rPr>
               <a:t>Your development environment is now set up!</a:t>
             </a:r>
-            <a:endParaRPr sz="2100">
+            <a:endParaRPr sz="2100" dirty="0">
               <a:solidFill>
                 <a:srgbClr val="474747"/>
               </a:solidFill>
             </a:endParaRPr>
           </a:p>
           <a:p>
-            <a:pPr indent="0" lvl="0" marL="0" rtl="0" algn="l">
+            <a:pPr marL="0" lvl="0" indent="0" algn="l" rtl="0">
               <a:spcBef>
                 <a:spcPts val="1200"/>
               </a:spcBef>
@@ -8067,10 +8194,7 @@
               </a:spcAft>
               <a:buNone/>
             </a:pPr>
-            <a:r>
-              <a:t/>
-            </a:r>
-            <a:endParaRPr/>
+            <a:endParaRPr dirty="0"/>
           </a:p>
         </p:txBody>
       </p:sp>
@@ -8083,11 +8207,11 @@
 </file>
 
 <file path=ppt/slides/slide7.xml><?xml version="1.0" encoding="utf-8"?>
-<p:sld xmlns:a="http://schemas.openxmlformats.org/drawingml/2006/main" xmlns:r="http://schemas.openxmlformats.org/officeDocument/2006/relationships" xmlns:mc="http://schemas.openxmlformats.org/markup-compatibility/2006" xmlns:mv="urn:schemas-microsoft-com:mac:vml" xmlns:p="http://schemas.openxmlformats.org/presentationml/2006/main" xmlns:c="http://schemas.openxmlformats.org/drawingml/2006/chart" xmlns:dgm="http://schemas.openxmlformats.org/drawingml/2006/diagram" xmlns:o="urn:schemas-microsoft-com:office:office" xmlns:v="urn:schemas-microsoft-com:vml" xmlns:pvml="urn:schemas-microsoft-com:office:powerpoint" xmlns:com="http://schemas.openxmlformats.org/drawingml/2006/compatibility" xmlns:p14="http://schemas.microsoft.com/office/powerpoint/2010/main" xmlns:p15="http://schemas.microsoft.com/office/powerpoint/2012/main" xmlns:ahyp="http://schemas.microsoft.com/office/drawing/2018/hyperlinkcolor">
+<p:sld xmlns:a="http://schemas.openxmlformats.org/drawingml/2006/main" xmlns:r="http://schemas.openxmlformats.org/officeDocument/2006/relationships" xmlns:p="http://schemas.openxmlformats.org/presentationml/2006/main">
   <p:cSld>
     <p:spTree>
       <p:nvGrpSpPr>
-        <p:cNvPr id="89" name="Shape 89"/>
+        <p:cNvPr id="1" name="Shape 89"/>
         <p:cNvGrpSpPr/>
         <p:nvPr/>
       </p:nvGrpSpPr>
@@ -8102,7 +8226,9 @@
       <p:sp>
         <p:nvSpPr>
           <p:cNvPr id="90" name="Google Shape;90;p19"/>
-          <p:cNvSpPr txBox="1"/>
+          <p:cNvSpPr txBox="1">
+            <a:spLocks noGrp="1"/>
+          </p:cNvSpPr>
           <p:nvPr>
             <p:ph type="title"/>
           </p:nvPr>
@@ -8117,12 +8243,12 @@
           </a:prstGeom>
         </p:spPr>
         <p:txBody>
-          <a:bodyPr anchorCtr="0" anchor="t" bIns="91425" lIns="91425" spcFirstLastPara="1" rIns="91425" wrap="square" tIns="91425">
+          <a:bodyPr spcFirstLastPara="1" wrap="square" lIns="91425" tIns="91425" rIns="91425" bIns="91425" anchor="t" anchorCtr="0">
             <a:normAutofit fontScale="90000"/>
           </a:bodyPr>
           <a:lstStyle/>
           <a:p>
-            <a:pPr indent="0" lvl="0" marL="0" rtl="0" algn="l">
+            <a:pPr marL="0" lvl="0" indent="0" algn="l" rtl="0">
               <a:spcBef>
                 <a:spcPts val="0"/>
               </a:spcBef>
@@ -8142,9 +8268,11 @@
       <p:sp>
         <p:nvSpPr>
           <p:cNvPr id="91" name="Google Shape;91;p19"/>
-          <p:cNvSpPr txBox="1"/>
+          <p:cNvSpPr txBox="1">
+            <a:spLocks noGrp="1"/>
+          </p:cNvSpPr>
           <p:nvPr>
-            <p:ph idx="1" type="body"/>
+            <p:ph type="body" idx="1"/>
           </p:nvPr>
         </p:nvSpPr>
         <p:spPr>
@@ -8157,12 +8285,12 @@
           </a:prstGeom>
         </p:spPr>
         <p:txBody>
-          <a:bodyPr anchorCtr="0" anchor="t" bIns="91425" lIns="91425" spcFirstLastPara="1" rIns="91425" wrap="square" tIns="91425">
+          <a:bodyPr spcFirstLastPara="1" wrap="square" lIns="91425" tIns="91425" rIns="91425" bIns="91425" anchor="t" anchorCtr="0">
             <a:normAutofit/>
           </a:bodyPr>
           <a:lstStyle/>
           <a:p>
-            <a:pPr indent="0" lvl="0" marL="0" rtl="0" algn="l">
+            <a:pPr marL="0" lvl="0" indent="0" algn="l" rtl="0">
               <a:spcBef>
                 <a:spcPts val="0"/>
               </a:spcBef>
@@ -8171,9 +8299,6 @@
               </a:spcAft>
               <a:buNone/>
             </a:pPr>
-            <a:r>
-              <a:t/>
-            </a:r>
             <a:endParaRPr/>
           </a:p>
         </p:txBody>
@@ -8226,12 +8351,12 @@
           </a:ln>
         </p:spPr>
         <p:txBody>
-          <a:bodyPr anchorCtr="0" anchor="t" bIns="91425" lIns="91425" spcFirstLastPara="1" rIns="91425" wrap="square" tIns="91425">
+          <a:bodyPr spcFirstLastPara="1" wrap="square" lIns="91425" tIns="91425" rIns="91425" bIns="91425" anchor="t" anchorCtr="0">
             <a:spAutoFit/>
           </a:bodyPr>
           <a:lstStyle/>
           <a:p>
-            <a:pPr indent="0" lvl="0" marL="0" rtl="0" algn="l">
+            <a:pPr marL="0" lvl="0" indent="0" algn="l" rtl="0">
               <a:spcBef>
                 <a:spcPts val="0"/>
               </a:spcBef>
@@ -8241,14 +8366,10 @@
               <a:buNone/>
             </a:pPr>
             <a:r>
-              <a:rPr lang="en" sz="1000"/>
-              <a:t>Source: </a:t>
-            </a:r>
-            <a:r>
-              <a:rPr lang="en" sz="1000"/>
-              <a:t>https://enexdi.sciencesconf.org/data/pages/windows_vs_mac_commands_1.pdf</a:t>
-            </a:r>
-            <a:endParaRPr sz="1000"/>
+              <a:rPr lang="en" sz="1000" dirty="0"/>
+              <a:t>Source: https://enexdi.sciencesconf.org/data/pages/windows_vs_mac_commands_1.pdf</a:t>
+            </a:r>
+            <a:endParaRPr sz="1000" dirty="0"/>
           </a:p>
         </p:txBody>
       </p:sp>
@@ -8261,11 +8382,11 @@
 </file>
 
 <file path=ppt/slides/slide8.xml><?xml version="1.0" encoding="utf-8"?>
-<p:sld xmlns:a="http://schemas.openxmlformats.org/drawingml/2006/main" xmlns:r="http://schemas.openxmlformats.org/officeDocument/2006/relationships" xmlns:mc="http://schemas.openxmlformats.org/markup-compatibility/2006" xmlns:mv="urn:schemas-microsoft-com:mac:vml" xmlns:p="http://schemas.openxmlformats.org/presentationml/2006/main" xmlns:c="http://schemas.openxmlformats.org/drawingml/2006/chart" xmlns:dgm="http://schemas.openxmlformats.org/drawingml/2006/diagram" xmlns:o="urn:schemas-microsoft-com:office:office" xmlns:v="urn:schemas-microsoft-com:vml" xmlns:pvml="urn:schemas-microsoft-com:office:powerpoint" xmlns:com="http://schemas.openxmlformats.org/drawingml/2006/compatibility" xmlns:p14="http://schemas.microsoft.com/office/powerpoint/2010/main" xmlns:p15="http://schemas.microsoft.com/office/powerpoint/2012/main" xmlns:ahyp="http://schemas.microsoft.com/office/drawing/2018/hyperlinkcolor">
+<p:sld xmlns:a="http://schemas.openxmlformats.org/drawingml/2006/main" xmlns:r="http://schemas.openxmlformats.org/officeDocument/2006/relationships" xmlns:p="http://schemas.openxmlformats.org/presentationml/2006/main">
   <p:cSld>
     <p:spTree>
       <p:nvGrpSpPr>
-        <p:cNvPr id="97" name="Shape 97"/>
+        <p:cNvPr id="1" name="Shape 97"/>
         <p:cNvGrpSpPr/>
         <p:nvPr/>
       </p:nvGrpSpPr>
@@ -8280,7 +8401,9 @@
       <p:sp>
         <p:nvSpPr>
           <p:cNvPr id="98" name="Google Shape;98;p20"/>
-          <p:cNvSpPr txBox="1"/>
+          <p:cNvSpPr txBox="1">
+            <a:spLocks noGrp="1"/>
+          </p:cNvSpPr>
           <p:nvPr>
             <p:ph type="title"/>
           </p:nvPr>
@@ -8295,12 +8418,12 @@
           </a:prstGeom>
         </p:spPr>
         <p:txBody>
-          <a:bodyPr anchorCtr="0" anchor="t" bIns="91425" lIns="91425" spcFirstLastPara="1" rIns="91425" wrap="square" tIns="91425">
+          <a:bodyPr spcFirstLastPara="1" wrap="square" lIns="91425" tIns="91425" rIns="91425" bIns="91425" anchor="t" anchorCtr="0">
             <a:normAutofit fontScale="90000"/>
           </a:bodyPr>
           <a:lstStyle/>
           <a:p>
-            <a:pPr indent="0" lvl="0" marL="0" rtl="0" algn="l">
+            <a:pPr marL="0" lvl="0" indent="0" algn="l" rtl="0">
               <a:spcBef>
                 <a:spcPts val="0"/>
               </a:spcBef>
@@ -8310,39 +8433,74 @@
               <a:buNone/>
             </a:pPr>
             <a:r>
-              <a:rPr lang="en"/>
-              <a:t>Github</a:t>
-            </a:r>
-            <a:endParaRPr/>
+              <a:rPr lang="en" dirty="0"/>
+              <a:t>Getting set up on GitHub</a:t>
+            </a:r>
+            <a:endParaRPr dirty="0"/>
           </a:p>
         </p:txBody>
       </p:sp>
       <p:sp>
         <p:nvSpPr>
           <p:cNvPr id="99" name="Google Shape;99;p20"/>
-          <p:cNvSpPr txBox="1"/>
+          <p:cNvSpPr txBox="1">
+            <a:spLocks noGrp="1"/>
+          </p:cNvSpPr>
           <p:nvPr>
-            <p:ph idx="1" type="body"/>
+            <p:ph type="body" idx="1"/>
           </p:nvPr>
         </p:nvSpPr>
         <p:spPr>
           <a:xfrm>
-            <a:off x="311700" y="1152475"/>
-            <a:ext cx="8520600" cy="3416400"/>
+            <a:off x="0" y="1152474"/>
+            <a:ext cx="9144000" cy="3991025"/>
           </a:xfrm>
           <a:prstGeom prst="rect">
             <a:avLst/>
           </a:prstGeom>
         </p:spPr>
         <p:txBody>
-          <a:bodyPr anchorCtr="0" anchor="t" bIns="91425" lIns="91425" spcFirstLastPara="1" rIns="91425" wrap="square" tIns="91425">
-            <a:normAutofit fontScale="85000" lnSpcReduction="20000"/>
+          <a:bodyPr spcFirstLastPara="1" wrap="square" lIns="91425" tIns="91425" rIns="91425" bIns="91425" anchor="t" anchorCtr="0">
+            <a:normAutofit fontScale="62500" lnSpcReduction="20000"/>
           </a:bodyPr>
           <a:lstStyle/>
           <a:p>
-            <a:pPr indent="-325755" lvl="0" marL="457200" rtl="0" algn="l">
-              <a:spcBef>
-                <a:spcPts val="0"/>
+            <a:pPr marL="131445" lvl="0" indent="0" algn="l" rtl="0">
+              <a:spcBef>
+                <a:spcPts val="0"/>
+              </a:spcBef>
+              <a:spcAft>
+                <a:spcPts val="0"/>
+              </a:spcAft>
+              <a:buSzPct val="100000"/>
+              <a:buNone/>
+            </a:pPr>
+            <a:r>
+              <a:rPr lang="en" dirty="0"/>
+              <a:t>What is Github?</a:t>
+            </a:r>
+          </a:p>
+          <a:p>
+            <a:pPr marL="131445" lvl="0" indent="0" algn="l" rtl="0">
+              <a:spcBef>
+                <a:spcPts val="0"/>
+              </a:spcBef>
+              <a:spcAft>
+                <a:spcPts val="0"/>
+              </a:spcAft>
+              <a:buSzPct val="100000"/>
+              <a:buNone/>
+            </a:pPr>
+            <a:r>
+              <a:rPr lang="en" dirty="0"/>
+              <a:t>Github is a provider of Internet hosting for software development and version control using Git</a:t>
+            </a:r>
+            <a:endParaRPr dirty="0"/>
+          </a:p>
+          <a:p>
+            <a:pPr marL="457200" lvl="0" indent="-325755" algn="l" rtl="0">
+              <a:spcBef>
+                <a:spcPts val="1200"/>
               </a:spcBef>
               <a:spcAft>
                 <a:spcPts val="0"/>
@@ -8351,29 +8509,22 @@
               <a:buAutoNum type="arabicPeriod"/>
             </a:pPr>
             <a:r>
-              <a:rPr lang="en"/>
-              <a:t>What is Github?</a:t>
-            </a:r>
-            <a:endParaRPr/>
-          </a:p>
-          <a:p>
-            <a:pPr indent="0" lvl="0" marL="457200" rtl="0" algn="l">
-              <a:spcBef>
-                <a:spcPts val="1200"/>
-              </a:spcBef>
-              <a:spcAft>
-                <a:spcPts val="0"/>
-              </a:spcAft>
-              <a:buNone/>
-            </a:pPr>
-            <a:r>
-              <a:rPr lang="en"/>
-              <a:t>Github is a provider of Internet hosting for software development and version control using Git</a:t>
-            </a:r>
-            <a:endParaRPr/>
-          </a:p>
-          <a:p>
-            <a:pPr indent="-325755" lvl="0" marL="457200" rtl="0" algn="l">
+              <a:rPr lang="en" dirty="0"/>
+              <a:t>Register an account at </a:t>
+            </a:r>
+            <a:r>
+              <a:rPr lang="en" dirty="0">
+                <a:hlinkClick r:id="rId3"/>
+              </a:rPr>
+              <a:t>GitHub.com</a:t>
+            </a:r>
+            <a:r>
+              <a:rPr lang="en" dirty="0"/>
+              <a:t>!</a:t>
+            </a:r>
+          </a:p>
+          <a:p>
+            <a:pPr marL="457200" lvl="0" indent="-325755" algn="l" rtl="0">
               <a:spcBef>
                 <a:spcPts val="1200"/>
               </a:spcBef>
@@ -8384,15 +8535,46 @@
               <a:buAutoNum type="arabicPeriod"/>
             </a:pPr>
             <a:r>
-              <a:rPr lang="en"/>
-              <a:t>Register for Github account!</a:t>
-            </a:r>
-            <a:endParaRPr/>
-          </a:p>
-          <a:p>
-            <a:pPr indent="-325755" lvl="0" marL="457200" rtl="0" algn="l">
-              <a:spcBef>
-                <a:spcPts val="0"/>
+              <a:rPr lang="en" dirty="0"/>
+              <a:t>In your VS Code terminal, type “</a:t>
+            </a:r>
+            <a:r>
+              <a:rPr lang="de-DE" dirty="0">
+                <a:latin typeface="Courier New" panose="02070309020205020404" pitchFamily="49" charset="0"/>
+                <a:cs typeface="Courier New" panose="02070309020205020404" pitchFamily="49" charset="0"/>
+              </a:rPr>
+              <a:t>ssh-keygen -t ed25519 -C &lt;email&gt;</a:t>
+            </a:r>
+            <a:r>
+              <a:rPr lang="de-DE" dirty="0"/>
+              <a:t>“ where </a:t>
+            </a:r>
+            <a:r>
+              <a:rPr lang="de-DE" dirty="0">
+                <a:latin typeface="Courier New" panose="02070309020205020404" pitchFamily="49" charset="0"/>
+                <a:cs typeface="Courier New" panose="02070309020205020404" pitchFamily="49" charset="0"/>
+              </a:rPr>
+              <a:t>&lt;email&gt; </a:t>
+            </a:r>
+            <a:r>
+              <a:rPr lang="de-DE" dirty="0"/>
+              <a:t>is the email you used to register your GitHub account (e.g., </a:t>
+            </a:r>
+            <a:r>
+              <a:rPr lang="de-DE" dirty="0">
+                <a:hlinkClick r:id="rId4"/>
+              </a:rPr>
+              <a:t>ibernoff@umass.edu</a:t>
+            </a:r>
+            <a:r>
+              <a:rPr lang="de-DE" dirty="0"/>
+              <a:t>)</a:t>
+            </a:r>
+          </a:p>
+          <a:p>
+            <a:pPr marL="457200" lvl="0" indent="-325755" algn="l" rtl="0">
+              <a:spcBef>
+                <a:spcPts val="1200"/>
               </a:spcBef>
               <a:spcAft>
                 <a:spcPts val="0"/>
@@ -8401,71 +8583,85 @@
               <a:buAutoNum type="arabicPeriod"/>
             </a:pPr>
             <a:r>
-              <a:rPr lang="en"/>
-              <a:t>Github global config set up </a:t>
-            </a:r>
-            <a:endParaRPr/>
-          </a:p>
-          <a:p>
-            <a:pPr indent="-304165" lvl="1" marL="914400" rtl="0" algn="l">
-              <a:spcBef>
-                <a:spcPts val="0"/>
-              </a:spcBef>
-              <a:spcAft>
-                <a:spcPts val="0"/>
-              </a:spcAft>
-              <a:buSzPct val="100000"/>
-              <a:buAutoNum type="alphaLcPeriod"/>
-            </a:pPr>
-            <a:r>
-              <a:rPr lang="en" u="sng">
-                <a:solidFill>
-                  <a:schemeClr val="hlink"/>
-                </a:solidFill>
-                <a:hlinkClick r:id="rId3"/>
+              <a:rPr lang="en-US" dirty="0"/>
+              <a:t>Press enter to keep the default filename, noting the file location </a:t>
+            </a:r>
+            <a:r>
+              <a:rPr lang="en-US" dirty="0">
+                <a:latin typeface="+mj-lt"/>
+                <a:cs typeface="Courier New" panose="02070309020205020404" pitchFamily="49" charset="0"/>
               </a:rPr>
-              <a:t>https://git-scm.com/book/en/v2/Customizing-Git-Git-Configuration</a:t>
-            </a:r>
-            <a:endParaRPr/>
-          </a:p>
-          <a:p>
-            <a:pPr indent="-304165" lvl="1" marL="914400" rtl="0" algn="l">
-              <a:spcBef>
-                <a:spcPts val="0"/>
-              </a:spcBef>
-              <a:spcAft>
-                <a:spcPts val="0"/>
-              </a:spcAft>
-              <a:buSzPct val="100000"/>
-              <a:buAutoNum type="alphaLcPeriod"/>
-            </a:pPr>
-            <a:r>
-              <a:rPr lang="en"/>
-              <a:t>Configuring name and email will be sufficient</a:t>
-            </a:r>
-            <a:endParaRPr/>
-          </a:p>
-          <a:p>
-            <a:pPr indent="-304165" lvl="1" marL="914400" rtl="0" algn="l">
-              <a:spcBef>
-                <a:spcPts val="0"/>
-              </a:spcBef>
-              <a:spcAft>
-                <a:spcPts val="0"/>
-              </a:spcAft>
-              <a:buSzPct val="100000"/>
-              <a:buAutoNum type="alphaLcPeriod"/>
-            </a:pPr>
-            <a:r>
-              <a:rPr lang="en"/>
-              <a:t>For authentication problem with personal access token as error: https://docs.github.com/en/authentication/keeping-your-account-and-data-secure/creating-a-personal-access-token</a:t>
-            </a:r>
-            <a:endParaRPr/>
-          </a:p>
-          <a:p>
-            <a:pPr indent="-325755" lvl="0" marL="457200" rtl="0" algn="l">
-              <a:spcBef>
-                <a:spcPts val="0"/>
+              <a:t>(</a:t>
+            </a:r>
+            <a:r>
+              <a:rPr lang="en-US" dirty="0">
+                <a:latin typeface="Courier New" panose="02070309020205020404" pitchFamily="49" charset="0"/>
+                <a:cs typeface="Courier New" panose="02070309020205020404" pitchFamily="49" charset="0"/>
+              </a:rPr>
+              <a:t>$USERPROFILE$\.</a:t>
+            </a:r>
+            <a:r>
+              <a:rPr lang="en-US" dirty="0" err="1">
+                <a:latin typeface="Courier New" panose="02070309020205020404" pitchFamily="49" charset="0"/>
+                <a:cs typeface="Courier New" panose="02070309020205020404" pitchFamily="49" charset="0"/>
+              </a:rPr>
+              <a:t>ssh</a:t>
+            </a:r>
+            <a:r>
+              <a:rPr lang="en-US" dirty="0">
+                <a:latin typeface="Courier New" panose="02070309020205020404" pitchFamily="49" charset="0"/>
+                <a:cs typeface="Courier New" panose="02070309020205020404" pitchFamily="49" charset="0"/>
+              </a:rPr>
+              <a:t>\</a:t>
+            </a:r>
+            <a:r>
+              <a:rPr lang="de-DE" dirty="0">
+                <a:latin typeface="Courier New" panose="02070309020205020404" pitchFamily="49" charset="0"/>
+                <a:cs typeface="Courier New" panose="02070309020205020404" pitchFamily="49" charset="0"/>
+              </a:rPr>
+              <a:t>id_ed25519.pub</a:t>
+            </a:r>
+            <a:r>
+              <a:rPr lang="en-US" dirty="0"/>
+              <a:t>) on Windows and </a:t>
+            </a:r>
+            <a:r>
+              <a:rPr lang="en-US" dirty="0">
+                <a:latin typeface="+mj-lt"/>
+                <a:cs typeface="Courier New" panose="02070309020205020404" pitchFamily="49" charset="0"/>
+              </a:rPr>
+              <a:t>(</a:t>
+            </a:r>
+            <a:r>
+              <a:rPr lang="en-US" dirty="0">
+                <a:latin typeface="Courier New" panose="02070309020205020404" pitchFamily="49" charset="0"/>
+                <a:cs typeface="Courier New" panose="02070309020205020404" pitchFamily="49" charset="0"/>
+              </a:rPr>
+              <a:t>~/.</a:t>
+            </a:r>
+            <a:r>
+              <a:rPr lang="en-US" dirty="0" err="1">
+                <a:latin typeface="Courier New" panose="02070309020205020404" pitchFamily="49" charset="0"/>
+                <a:cs typeface="Courier New" panose="02070309020205020404" pitchFamily="49" charset="0"/>
+              </a:rPr>
+              <a:t>ssh</a:t>
+            </a:r>
+            <a:r>
+              <a:rPr lang="en-US" dirty="0">
+                <a:latin typeface="Courier New" panose="02070309020205020404" pitchFamily="49" charset="0"/>
+                <a:cs typeface="Courier New" panose="02070309020205020404" pitchFamily="49" charset="0"/>
+              </a:rPr>
+              <a:t>/id_ed25519.pub</a:t>
+            </a:r>
+            <a:r>
+              <a:rPr lang="en-US" dirty="0"/>
+              <a:t>) on MacOS and Windows.</a:t>
+            </a:r>
+          </a:p>
+          <a:p>
+            <a:pPr marL="457200" lvl="0" indent="-325755" algn="l" rtl="0">
+              <a:spcBef>
+                <a:spcPts val="1200"/>
               </a:spcBef>
               <a:spcAft>
                 <a:spcPts val="0"/>
@@ -8474,41 +8670,154 @@
               <a:buAutoNum type="arabicPeriod"/>
             </a:pPr>
             <a:r>
-              <a:rPr lang="en"/>
-              <a:t>Accept the assignment from Github classroom! Make sure to check if your account is linked with this classroom after you accept it.</a:t>
-            </a:r>
-            <a:endParaRPr/>
-          </a:p>
-          <a:p>
-            <a:pPr indent="0" lvl="0" marL="0" rtl="0" algn="l">
+              <a:rPr lang="en-US" dirty="0"/>
+              <a:t>Optionally enter a password, keeping in mind you’ll have to enter that password every time you commit changes to a GitHub repository</a:t>
+            </a:r>
+          </a:p>
+          <a:p>
+            <a:pPr marL="457200" lvl="0" indent="-325755" algn="l" rtl="0">
               <a:spcBef>
                 <a:spcPts val="1200"/>
               </a:spcBef>
               <a:spcAft>
+                <a:spcPts val="0"/>
+              </a:spcAft>
+              <a:buSzPct val="100000"/>
+              <a:buAutoNum type="arabicPeriod"/>
+            </a:pPr>
+            <a:r>
+              <a:rPr lang="en-US" dirty="0"/>
+              <a:t>Once your terminal outputs a </a:t>
+            </a:r>
+            <a:r>
+              <a:rPr lang="en-US" dirty="0" err="1">
+                <a:latin typeface="Courier New" panose="02070309020205020404" pitchFamily="49" charset="0"/>
+                <a:cs typeface="Courier New" panose="02070309020205020404" pitchFamily="49" charset="0"/>
+              </a:rPr>
+              <a:t>randomart</a:t>
+            </a:r>
+            <a:r>
+              <a:rPr lang="en-US" dirty="0"/>
+              <a:t> image, </a:t>
+            </a:r>
+            <a:r>
+              <a:rPr lang="en-US" dirty="0">
+                <a:latin typeface="Courier New" panose="02070309020205020404" pitchFamily="49" charset="0"/>
+                <a:cs typeface="Courier New" panose="02070309020205020404" pitchFamily="49" charset="0"/>
+              </a:rPr>
+              <a:t>open id_ed25519.pub</a:t>
+            </a:r>
+            <a:r>
+              <a:rPr lang="en-US" dirty="0"/>
+              <a:t> and copy the SSH key.</a:t>
+            </a:r>
+          </a:p>
+          <a:p>
+            <a:pPr marL="457200" lvl="0" indent="-325755" algn="l" rtl="0">
+              <a:spcBef>
                 <a:spcPts val="1200"/>
-              </a:spcAft>
-              <a:buNone/>
+              </a:spcBef>
+              <a:spcAft>
+                <a:spcPts val="0"/>
+              </a:spcAft>
+              <a:buSzPct val="100000"/>
+              <a:buAutoNum type="arabicPeriod"/>
             </a:pPr>
             <a:r>
-              <a:rPr lang="en"/>
-              <a:t>	</a:t>
-            </a:r>
-            <a:r>
-              <a:rPr lang="en" u="sng">
+              <a:rPr lang="en-US" dirty="0"/>
+              <a:t>Go to </a:t>
+            </a:r>
+            <a:r>
+              <a:rPr lang="en-US" dirty="0">
+                <a:hlinkClick r:id="rId5"/>
+              </a:rPr>
+              <a:t>GitHub.com/settings/keys</a:t>
+            </a:r>
+            <a:r>
+              <a:rPr lang="en-US" dirty="0"/>
+              <a:t>, click “New SSH key,” and paste the SSH key.</a:t>
+            </a:r>
+          </a:p>
+          <a:p>
+            <a:pPr marL="457200" lvl="0" indent="-325755" algn="l" rtl="0">
+              <a:spcBef>
+                <a:spcPts val="1200"/>
+              </a:spcBef>
+              <a:spcAft>
+                <a:spcPts val="0"/>
+              </a:spcAft>
+              <a:buSzPct val="100000"/>
+              <a:buAutoNum type="arabicPeriod"/>
+            </a:pPr>
+            <a:r>
+              <a:rPr lang="en" dirty="0"/>
+              <a:t>Accept the GitHub Classroom assignment at </a:t>
+            </a:r>
+            <a:r>
+              <a:rPr lang="en-US" u="sng" dirty="0">
                 <a:solidFill>
                   <a:schemeClr val="accent5"/>
                 </a:solidFill>
-                <a:hlinkClick r:id="rId4">
-                  <a:extLst>
-                    <a:ext uri="{A12FA001-AC4F-418D-AE19-62706E023703}">
-                      <ahyp:hlinkClr val="tx"/>
-                    </a:ext>
-                  </a:extLst>
-                </a:hlinkClick>
               </a:rPr>
-              <a:t>https://classroom.github.com/a/-yXcXh-p</a:t>
-            </a:r>
-            <a:endParaRPr/>
+              <a:t>classroom.github.com/a/N8XX_gQC, </a:t>
+            </a:r>
+            <a:r>
+              <a:rPr lang="en" dirty="0"/>
+              <a:t>make sure your account is linked with this Classroom after you accept it, and wait until you can access the repositoriy</a:t>
+            </a:r>
+          </a:p>
+          <a:p>
+            <a:pPr marL="457200" lvl="0" indent="-325755" algn="l" rtl="0">
+              <a:spcBef>
+                <a:spcPts val="1200"/>
+              </a:spcBef>
+              <a:spcAft>
+                <a:spcPts val="0"/>
+              </a:spcAft>
+              <a:buSzPct val="100000"/>
+              <a:buAutoNum type="arabicPeriod"/>
+            </a:pPr>
+            <a:r>
+              <a:rPr lang="en" dirty="0"/>
+              <a:t>Back in your VS Code terminal, </a:t>
+            </a:r>
+            <a:r>
+              <a:rPr lang="en" dirty="0">
+                <a:latin typeface="Courier New" panose="02070309020205020404" pitchFamily="49" charset="0"/>
+                <a:cs typeface="Courier New" panose="02070309020205020404" pitchFamily="49" charset="0"/>
+              </a:rPr>
+              <a:t>type git clone </a:t>
+            </a:r>
+            <a:r>
+              <a:rPr lang="en-US" dirty="0">
+                <a:latin typeface="Courier New" panose="02070309020205020404" pitchFamily="49" charset="0"/>
+                <a:cs typeface="Courier New" panose="02070309020205020404" pitchFamily="49" charset="0"/>
+              </a:rPr>
+              <a:t>git@github.com:umass-cs-326-s23/lab-1-git-github-&lt;username&gt;.git</a:t>
+            </a:r>
+            <a:r>
+              <a:rPr lang="en-US" dirty="0"/>
+              <a:t>, where </a:t>
+            </a:r>
+            <a:r>
+              <a:rPr lang="en-US" dirty="0">
+                <a:latin typeface="Courier New" panose="02070309020205020404" pitchFamily="49" charset="0"/>
+                <a:cs typeface="Courier New" panose="02070309020205020404" pitchFamily="49" charset="0"/>
+              </a:rPr>
+              <a:t>&lt;username&gt;</a:t>
+            </a:r>
+            <a:r>
+              <a:rPr lang="en-US" dirty="0">
+                <a:latin typeface="+mj-lt"/>
+                <a:cs typeface="Courier New" panose="02070309020205020404" pitchFamily="49" charset="0"/>
+              </a:rPr>
+              <a:t> </a:t>
+            </a:r>
+            <a:r>
+              <a:rPr lang="en-US" dirty="0"/>
+              <a:t>is your GitHub username to get started</a:t>
+            </a:r>
+            <a:endParaRPr dirty="0"/>
           </a:p>
         </p:txBody>
       </p:sp>
@@ -8521,11 +8830,11 @@
 </file>
 
 <file path=ppt/slides/slide9.xml><?xml version="1.0" encoding="utf-8"?>
-<p:sld xmlns:a="http://schemas.openxmlformats.org/drawingml/2006/main" xmlns:r="http://schemas.openxmlformats.org/officeDocument/2006/relationships" xmlns:mc="http://schemas.openxmlformats.org/markup-compatibility/2006" xmlns:mv="urn:schemas-microsoft-com:mac:vml" xmlns:p="http://schemas.openxmlformats.org/presentationml/2006/main" xmlns:c="http://schemas.openxmlformats.org/drawingml/2006/chart" xmlns:dgm="http://schemas.openxmlformats.org/drawingml/2006/diagram" xmlns:o="urn:schemas-microsoft-com:office:office" xmlns:v="urn:schemas-microsoft-com:vml" xmlns:pvml="urn:schemas-microsoft-com:office:powerpoint" xmlns:com="http://schemas.openxmlformats.org/drawingml/2006/compatibility" xmlns:p14="http://schemas.microsoft.com/office/powerpoint/2010/main" xmlns:p15="http://schemas.microsoft.com/office/powerpoint/2012/main" xmlns:ahyp="http://schemas.microsoft.com/office/drawing/2018/hyperlinkcolor">
+<p:sld xmlns:a="http://schemas.openxmlformats.org/drawingml/2006/main" xmlns:r="http://schemas.openxmlformats.org/officeDocument/2006/relationships" xmlns:p="http://schemas.openxmlformats.org/presentationml/2006/main">
   <p:cSld>
     <p:spTree>
       <p:nvGrpSpPr>
-        <p:cNvPr id="103" name="Shape 103"/>
+        <p:cNvPr id="1" name=""/>
         <p:cNvGrpSpPr/>
         <p:nvPr/>
       </p:nvGrpSpPr>
@@ -8539,209 +8848,179 @@
       </p:grpSpPr>
       <p:sp>
         <p:nvSpPr>
-          <p:cNvPr id="104" name="Google Shape;104;p21"/>
-          <p:cNvSpPr txBox="1"/>
+          <p:cNvPr id="135" name="Git Workflow"/>
+          <p:cNvSpPr txBox="1">
+            <a:spLocks noGrp="1"/>
+          </p:cNvSpPr>
           <p:nvPr>
             <p:ph type="title"/>
           </p:nvPr>
         </p:nvSpPr>
         <p:spPr>
-          <a:xfrm>
-            <a:off x="311700" y="445025"/>
-            <a:ext cx="8520600" cy="572700"/>
-          </a:xfrm>
           <a:prstGeom prst="rect">
             <a:avLst/>
           </a:prstGeom>
         </p:spPr>
         <p:txBody>
-          <a:bodyPr anchorCtr="0" anchor="t" bIns="91425" lIns="91425" spcFirstLastPara="1" rIns="91425" wrap="square" tIns="91425">
+          <a:bodyPr>
             <a:normAutofit fontScale="90000"/>
           </a:bodyPr>
-          <a:lstStyle/>
-          <a:p>
-            <a:pPr indent="0" lvl="0" marL="0" rtl="0" algn="l">
-              <a:spcBef>
-                <a:spcPts val="0"/>
-              </a:spcBef>
-              <a:spcAft>
-                <a:spcPts val="0"/>
-              </a:spcAft>
-              <a:buClr>
-                <a:schemeClr val="dk1"/>
-              </a:buClr>
-              <a:buSzPct val="61111"/>
-              <a:buFont typeface="Arial"/>
-              <a:buNone/>
-            </a:pPr>
-            <a:r>
-              <a:rPr lang="en"/>
-              <a:t>S</a:t>
-            </a:r>
-            <a:r>
-              <a:rPr lang="en"/>
-              <a:t>tarter assignment</a:t>
-            </a:r>
-            <a:endParaRPr sz="1800">
-              <a:solidFill>
-                <a:schemeClr val="dk2"/>
-              </a:solidFill>
-            </a:endParaRPr>
+          <a:lstStyle>
+            <a:lvl1pPr defTabSz="877823">
+              <a:defRPr sz="2688"/>
+            </a:lvl1pPr>
+          </a:lstStyle>
+          <a:p>
+            <a:r>
+              <a:t>Git Workflow</a:t>
+            </a:r>
           </a:p>
         </p:txBody>
       </p:sp>
       <p:sp>
         <p:nvSpPr>
-          <p:cNvPr id="105" name="Google Shape;105;p21"/>
-          <p:cNvSpPr txBox="1"/>
+          <p:cNvPr id="136" name="To edit an existing repository using Git, we use the following commands:…"/>
+          <p:cNvSpPr txBox="1">
+            <a:spLocks noGrp="1"/>
+          </p:cNvSpPr>
           <p:nvPr>
-            <p:ph idx="1" type="body"/>
+            <p:ph type="body" idx="1"/>
           </p:nvPr>
         </p:nvSpPr>
         <p:spPr>
-          <a:xfrm>
-            <a:off x="311700" y="1152475"/>
-            <a:ext cx="8520600" cy="3416400"/>
-          </a:xfrm>
           <a:prstGeom prst="rect">
             <a:avLst/>
           </a:prstGeom>
         </p:spPr>
         <p:txBody>
-          <a:bodyPr anchorCtr="0" anchor="t" bIns="91425" lIns="91425" spcFirstLastPara="1" rIns="91425" wrap="square" tIns="91425">
-            <a:normAutofit/>
+          <a:bodyPr>
+            <a:normAutofit lnSpcReduction="10000"/>
           </a:bodyPr>
           <a:lstStyle/>
           <a:p>
-            <a:pPr indent="0" lvl="0" marL="0" rtl="0" algn="l">
-              <a:spcBef>
-                <a:spcPts val="0"/>
-              </a:spcBef>
-              <a:spcAft>
-                <a:spcPts val="0"/>
-              </a:spcAft>
-              <a:buNone/>
+            <a:pPr marL="402336" indent="-301752" defTabSz="804672">
+              <a:buSzPts val="1500"/>
+              <a:defRPr sz="1584"/>
             </a:pPr>
             <a:r>
-              <a:rPr lang="en" u="sng">
-                <a:solidFill>
-                  <a:schemeClr val="hlink"/>
-                </a:solidFill>
-                <a:hlinkClick r:id="rId3"/>
+              <a:rPr dirty="0"/>
+              <a:t>To edit an existing repository using Git, we use the following commands:</a:t>
+            </a:r>
+          </a:p>
+          <a:p>
+            <a:pPr marL="827024" lvl="1" indent="-301752" defTabSz="804672">
+              <a:buSzPts val="1500"/>
+              <a:buChar char="●"/>
+              <a:defRPr sz="1584"/>
+            </a:pPr>
+            <a:r>
+              <a:rPr dirty="0">
+                <a:latin typeface="Courier New" panose="02070309020205020404" pitchFamily="49" charset="0"/>
+                <a:cs typeface="Courier New" panose="02070309020205020404" pitchFamily="49" charset="0"/>
               </a:rPr>
-              <a:t>https://classroom.github.com/a/-yXcXh-p</a:t>
-            </a:r>
-            <a:endParaRPr/>
-          </a:p>
-          <a:p>
-            <a:pPr indent="0" lvl="0" marL="0" rtl="0" algn="l">
-              <a:spcBef>
-                <a:spcPts val="1200"/>
-              </a:spcBef>
-              <a:spcAft>
-                <a:spcPts val="0"/>
-              </a:spcAft>
-              <a:buClr>
-                <a:schemeClr val="dk1"/>
-              </a:buClr>
-              <a:buSzPts val="1100"/>
-              <a:buFont typeface="Arial"/>
-              <a:buNone/>
+              <a:t>git clone</a:t>
+            </a:r>
+          </a:p>
+          <a:p>
+            <a:pPr marL="1229360" lvl="2" indent="-301752" defTabSz="804672">
+              <a:buSzPts val="1500"/>
+              <a:buChar char="●"/>
+              <a:defRPr sz="1584"/>
             </a:pPr>
             <a:r>
-              <a:rPr lang="en"/>
-              <a:t>Going through the README in the repo can give you an idea of the concepts in git such as repo, clone, commit, and push.  </a:t>
-            </a:r>
-            <a:endParaRPr/>
-          </a:p>
-          <a:p>
-            <a:pPr indent="0" lvl="0" marL="0" rtl="0" algn="l">
-              <a:spcBef>
-                <a:spcPts val="1200"/>
-              </a:spcBef>
-              <a:spcAft>
-                <a:spcPts val="0"/>
-              </a:spcAft>
-              <a:buClr>
-                <a:schemeClr val="dk1"/>
-              </a:buClr>
-              <a:buSzPts val="1100"/>
-              <a:buFont typeface="Arial"/>
-              <a:buNone/>
+              <a:rPr dirty="0"/>
+              <a:t>Creates a copy of the repository in a new directory, that “points” to the original repository</a:t>
+            </a:r>
+          </a:p>
+          <a:p>
+            <a:pPr marL="827024" lvl="1" indent="-301752" defTabSz="804672">
+              <a:buSzPts val="1500"/>
+              <a:buChar char="●"/>
+              <a:defRPr sz="1584"/>
             </a:pPr>
             <a:r>
-              <a:rPr lang="en"/>
-              <a:t>Common git commands that you will be using for every assignment/project on git:</a:t>
-            </a:r>
-            <a:endParaRPr/>
-          </a:p>
-          <a:p>
-            <a:pPr indent="-330200" lvl="0" marL="457200" rtl="0" algn="l">
-              <a:spcBef>
-                <a:spcPts val="1200"/>
-              </a:spcBef>
-              <a:spcAft>
-                <a:spcPts val="0"/>
-              </a:spcAft>
-              <a:buSzPts val="1600"/>
+              <a:rPr dirty="0">
+                <a:latin typeface="Courier New" panose="02070309020205020404" pitchFamily="49" charset="0"/>
+                <a:cs typeface="Courier New" panose="02070309020205020404" pitchFamily="49" charset="0"/>
+              </a:rPr>
+              <a:t>git add</a:t>
+            </a:r>
+          </a:p>
+          <a:p>
+            <a:pPr marL="1229360" lvl="2" indent="-301752" defTabSz="804672">
+              <a:buSzPts val="1500"/>
               <a:buChar char="●"/>
+              <a:defRPr sz="1584"/>
             </a:pPr>
             <a:r>
-              <a:rPr lang="en" sz="1600"/>
-              <a:t>git clone //make some changes after clone</a:t>
-            </a:r>
-            <a:endParaRPr sz="1600"/>
-          </a:p>
-          <a:p>
-            <a:pPr indent="-330200" lvl="0" marL="457200" rtl="0" algn="l">
-              <a:spcBef>
-                <a:spcPts val="0"/>
-              </a:spcBef>
-              <a:spcAft>
-                <a:spcPts val="0"/>
-              </a:spcAft>
-              <a:buSzPts val="1600"/>
+              <a:rPr dirty="0"/>
+              <a:t>Adds a local change made in the current working directory, to the staging area</a:t>
+            </a:r>
+          </a:p>
+          <a:p>
+            <a:pPr marL="827024" lvl="1" indent="-301752" defTabSz="804672">
+              <a:buSzPts val="1500"/>
               <a:buChar char="●"/>
+              <a:defRPr sz="1584"/>
             </a:pPr>
             <a:r>
-              <a:rPr lang="en" sz="1600"/>
-              <a:t>git add (git status -s to see the changes you have made)</a:t>
-            </a:r>
-            <a:endParaRPr sz="1600"/>
-          </a:p>
-          <a:p>
-            <a:pPr indent="-330200" lvl="0" marL="457200" rtl="0" algn="l">
-              <a:spcBef>
-                <a:spcPts val="0"/>
-              </a:spcBef>
-              <a:spcAft>
-                <a:spcPts val="0"/>
-              </a:spcAft>
-              <a:buSzPts val="1600"/>
+              <a:rPr dirty="0">
+                <a:latin typeface="Courier New" panose="02070309020205020404" pitchFamily="49" charset="0"/>
+                <a:cs typeface="Courier New" panose="02070309020205020404" pitchFamily="49" charset="0"/>
+              </a:rPr>
+              <a:t>git commit</a:t>
+            </a:r>
+          </a:p>
+          <a:p>
+            <a:pPr marL="1229360" lvl="2" indent="-301752" defTabSz="804672">
+              <a:buSzPts val="1500"/>
               <a:buChar char="●"/>
+              <a:defRPr sz="1584"/>
             </a:pPr>
             <a:r>
-              <a:rPr lang="en" sz="1600"/>
-              <a:t>git commit</a:t>
-            </a:r>
-            <a:endParaRPr sz="1600"/>
-          </a:p>
-          <a:p>
-            <a:pPr indent="-330200" lvl="0" marL="457200" rtl="0" algn="l">
-              <a:spcBef>
-                <a:spcPts val="0"/>
-              </a:spcBef>
-              <a:spcAft>
-                <a:spcPts val="0"/>
-              </a:spcAft>
-              <a:buSzPts val="1600"/>
+              <a:rPr dirty="0"/>
+              <a:t>Takes everything in the staging area and makes a snapshot of the current state of your repository</a:t>
+            </a:r>
+          </a:p>
+          <a:p>
+            <a:pPr marL="827024" lvl="1" indent="-301752" defTabSz="804672">
+              <a:buSzPts val="1500"/>
               <a:buChar char="●"/>
+              <a:defRPr sz="1584"/>
             </a:pPr>
             <a:r>
-              <a:rPr lang="en" sz="1600"/>
+              <a:rPr dirty="0">
+                <a:latin typeface="Courier New" panose="02070309020205020404" pitchFamily="49" charset="0"/>
+                <a:cs typeface="Courier New" panose="02070309020205020404" pitchFamily="49" charset="0"/>
+              </a:rPr>
               <a:t>git push</a:t>
             </a:r>
-            <a:endParaRPr sz="1600"/>
+          </a:p>
+          <a:p>
+            <a:pPr marL="1229360" lvl="2" indent="-301752" defTabSz="804672">
+              <a:buSzPts val="1500"/>
+              <a:buChar char="●"/>
+              <a:defRPr sz="1584"/>
+            </a:pPr>
+            <a:r>
+              <a:rPr dirty="0"/>
+              <a:t>Upload</a:t>
+            </a:r>
+            <a:r>
+              <a:rPr lang="en-US" dirty="0"/>
+              <a:t> </a:t>
+            </a:r>
+            <a:r>
+              <a:rPr dirty="0"/>
+              <a:t>(“push”) local repository content to a </a:t>
+            </a:r>
+            <a:r>
+              <a:t>remote repository(</a:t>
+            </a:r>
+            <a:r>
+              <a:rPr dirty="0"/>
+              <a:t>in our case the original repository we cloned from)</a:t>
+            </a:r>
           </a:p>
         </p:txBody>
       </p:sp>
@@ -8754,7 +9033,288 @@
 </file>
 
 <file path=ppt/theme/theme1.xml><?xml version="1.0" encoding="utf-8"?>
-<a:theme xmlns:a="http://schemas.openxmlformats.org/drawingml/2006/main" xmlns:r="http://schemas.openxmlformats.org/officeDocument/2006/relationships">
+<a:theme xmlns:a="http://schemas.openxmlformats.org/drawingml/2006/main" name="Simple Light">
+  <a:themeElements>
+    <a:clrScheme name="Simple Light">
+      <a:dk1>
+        <a:srgbClr val="000000"/>
+      </a:dk1>
+      <a:lt1>
+        <a:srgbClr val="FFFFFF"/>
+      </a:lt1>
+      <a:dk2>
+        <a:srgbClr val="595959"/>
+      </a:dk2>
+      <a:lt2>
+        <a:srgbClr val="EEEEEE"/>
+      </a:lt2>
+      <a:accent1>
+        <a:srgbClr val="4285F4"/>
+      </a:accent1>
+      <a:accent2>
+        <a:srgbClr val="212121"/>
+      </a:accent2>
+      <a:accent3>
+        <a:srgbClr val="78909C"/>
+      </a:accent3>
+      <a:accent4>
+        <a:srgbClr val="FFAB40"/>
+      </a:accent4>
+      <a:accent5>
+        <a:srgbClr val="0097A7"/>
+      </a:accent5>
+      <a:accent6>
+        <a:srgbClr val="EEFF41"/>
+      </a:accent6>
+      <a:hlink>
+        <a:srgbClr val="0097A7"/>
+      </a:hlink>
+      <a:folHlink>
+        <a:srgbClr val="0097A7"/>
+      </a:folHlink>
+    </a:clrScheme>
+    <a:fontScheme name="Office">
+      <a:majorFont>
+        <a:latin typeface="Arial"/>
+        <a:ea typeface=""/>
+        <a:cs typeface=""/>
+        <a:font script="Jpan" typeface="ＭＳ Ｐゴシック"/>
+        <a:font script="Hang" typeface="맑은 고딕"/>
+        <a:font script="Hans" typeface="宋体"/>
+        <a:font script="Hant" typeface="新細明體"/>
+        <a:font script="Arab" typeface="Times New Roman"/>
+        <a:font script="Hebr" typeface="Times New Roman"/>
+        <a:font script="Thai" typeface="Angsana New"/>
+        <a:font script="Ethi" typeface="Nyala"/>
+        <a:font script="Beng" typeface="Vrinda"/>
+        <a:font script="Gujr" typeface="Shruti"/>
+        <a:font script="Khmr" typeface="MoolBoran"/>
+        <a:font script="Knda" typeface="Tunga"/>
+        <a:font script="Guru" typeface="Raavi"/>
+        <a:font script="Cans" typeface="Euphemia"/>
+        <a:font script="Cher" typeface="Plantagenet Cherokee"/>
+        <a:font script="Yiii" typeface="Microsoft Yi Baiti"/>
+        <a:font script="Tibt" typeface="Microsoft Himalaya"/>
+        <a:font script="Thaa" typeface="MV Boli"/>
+        <a:font script="Deva" typeface="Mangal"/>
+        <a:font script="Telu" typeface="Gautami"/>
+        <a:font script="Taml" typeface="Latha"/>
+        <a:font script="Syrc" typeface="Estrangelo Edessa"/>
+        <a:font script="Orya" typeface="Kalinga"/>
+        <a:font script="Mlym" typeface="Kartika"/>
+        <a:font script="Laoo" typeface="DokChampa"/>
+        <a:font script="Sinh" typeface="Iskoola Pota"/>
+        <a:font script="Mong" typeface="Mongolian Baiti"/>
+        <a:font script="Viet" typeface="Times New Roman"/>
+        <a:font script="Uigh" typeface="Microsoft Uighur"/>
+        <a:font script="Geor" typeface="Sylfaen"/>
+      </a:majorFont>
+      <a:minorFont>
+        <a:latin typeface="Arial"/>
+        <a:ea typeface=""/>
+        <a:cs typeface=""/>
+        <a:font script="Jpan" typeface="ＭＳ Ｐゴシック"/>
+        <a:font script="Hang" typeface="맑은 고딕"/>
+        <a:font script="Hans" typeface="宋体"/>
+        <a:font script="Hant" typeface="新細明體"/>
+        <a:font script="Arab" typeface="Arial"/>
+        <a:font script="Hebr" typeface="Arial"/>
+        <a:font script="Thai" typeface="Cordia New"/>
+        <a:font script="Ethi" typeface="Nyala"/>
+        <a:font script="Beng" typeface="Vrinda"/>
+        <a:font script="Gujr" typeface="Shruti"/>
+        <a:font script="Khmr" typeface="DaunPenh"/>
+        <a:font script="Knda" typeface="Tunga"/>
+        <a:font script="Guru" typeface="Raavi"/>
+        <a:font script="Cans" typeface="Euphemia"/>
+        <a:font script="Cher" typeface="Plantagenet Cherokee"/>
+        <a:font script="Yiii" typeface="Microsoft Yi Baiti"/>
+        <a:font script="Tibt" typeface="Microsoft Himalaya"/>
+        <a:font script="Thaa" typeface="MV Boli"/>
+        <a:font script="Deva" typeface="Mangal"/>
+        <a:font script="Telu" typeface="Gautami"/>
+        <a:font script="Taml" typeface="Latha"/>
+        <a:font script="Syrc" typeface="Estrangelo Edessa"/>
+        <a:font script="Orya" typeface="Kalinga"/>
+        <a:font script="Mlym" typeface="Kartika"/>
+        <a:font script="Laoo" typeface="DokChampa"/>
+        <a:font script="Sinh" typeface="Iskoola Pota"/>
+        <a:font script="Mong" typeface="Mongolian Baiti"/>
+        <a:font script="Viet" typeface="Arial"/>
+        <a:font script="Uigh" typeface="Microsoft Uighur"/>
+        <a:font script="Geor" typeface="Sylfaen"/>
+      </a:minorFont>
+    </a:fontScheme>
+    <a:fmtScheme name="Office">
+      <a:fillStyleLst>
+        <a:solidFill>
+          <a:schemeClr val="phClr"/>
+        </a:solidFill>
+        <a:gradFill rotWithShape="1">
+          <a:gsLst>
+            <a:gs pos="0">
+              <a:schemeClr val="phClr">
+                <a:tint val="50000"/>
+                <a:satMod val="300000"/>
+              </a:schemeClr>
+            </a:gs>
+            <a:gs pos="35000">
+              <a:schemeClr val="phClr">
+                <a:tint val="37000"/>
+                <a:satMod val="300000"/>
+              </a:schemeClr>
+            </a:gs>
+            <a:gs pos="100000">
+              <a:schemeClr val="phClr">
+                <a:tint val="15000"/>
+                <a:satMod val="350000"/>
+              </a:schemeClr>
+            </a:gs>
+          </a:gsLst>
+          <a:lin ang="16200000" scaled="1"/>
+        </a:gradFill>
+        <a:gradFill rotWithShape="1">
+          <a:gsLst>
+            <a:gs pos="0">
+              <a:schemeClr val="phClr">
+                <a:tint val="100000"/>
+                <a:shade val="100000"/>
+                <a:satMod val="130000"/>
+              </a:schemeClr>
+            </a:gs>
+            <a:gs pos="100000">
+              <a:schemeClr val="phClr">
+                <a:tint val="50000"/>
+                <a:shade val="100000"/>
+                <a:satMod val="350000"/>
+              </a:schemeClr>
+            </a:gs>
+          </a:gsLst>
+          <a:lin ang="16200000" scaled="0"/>
+        </a:gradFill>
+      </a:fillStyleLst>
+      <a:lnStyleLst>
+        <a:ln w="9525" cap="flat" cmpd="sng" algn="ctr">
+          <a:solidFill>
+            <a:schemeClr val="phClr">
+              <a:shade val="95000"/>
+              <a:satMod val="105000"/>
+            </a:schemeClr>
+          </a:solidFill>
+          <a:prstDash val="solid"/>
+        </a:ln>
+        <a:ln w="25400" cap="flat" cmpd="sng" algn="ctr">
+          <a:solidFill>
+            <a:schemeClr val="phClr"/>
+          </a:solidFill>
+          <a:prstDash val="solid"/>
+        </a:ln>
+        <a:ln w="38100" cap="flat" cmpd="sng" algn="ctr">
+          <a:solidFill>
+            <a:schemeClr val="phClr"/>
+          </a:solidFill>
+          <a:prstDash val="solid"/>
+        </a:ln>
+      </a:lnStyleLst>
+      <a:effectStyleLst>
+        <a:effectStyle>
+          <a:effectLst>
+            <a:outerShdw blurRad="40000" dist="20000" dir="5400000" rotWithShape="0">
+              <a:srgbClr val="000000">
+                <a:alpha val="38000"/>
+              </a:srgbClr>
+            </a:outerShdw>
+          </a:effectLst>
+        </a:effectStyle>
+        <a:effectStyle>
+          <a:effectLst>
+            <a:outerShdw blurRad="40000" dist="23000" dir="5400000" rotWithShape="0">
+              <a:srgbClr val="000000">
+                <a:alpha val="35000"/>
+              </a:srgbClr>
+            </a:outerShdw>
+          </a:effectLst>
+        </a:effectStyle>
+        <a:effectStyle>
+          <a:effectLst>
+            <a:outerShdw blurRad="40000" dist="23000" dir="5400000" rotWithShape="0">
+              <a:srgbClr val="000000">
+                <a:alpha val="35000"/>
+              </a:srgbClr>
+            </a:outerShdw>
+          </a:effectLst>
+          <a:scene3d>
+            <a:camera prst="orthographicFront">
+              <a:rot lat="0" lon="0" rev="0"/>
+            </a:camera>
+            <a:lightRig rig="threePt" dir="t">
+              <a:rot lat="0" lon="0" rev="1200000"/>
+            </a:lightRig>
+          </a:scene3d>
+          <a:sp3d>
+            <a:bevelT w="63500" h="25400"/>
+          </a:sp3d>
+        </a:effectStyle>
+      </a:effectStyleLst>
+      <a:bgFillStyleLst>
+        <a:solidFill>
+          <a:schemeClr val="phClr"/>
+        </a:solidFill>
+        <a:gradFill rotWithShape="1">
+          <a:gsLst>
+            <a:gs pos="0">
+              <a:schemeClr val="phClr">
+                <a:tint val="40000"/>
+                <a:satMod val="350000"/>
+              </a:schemeClr>
+            </a:gs>
+            <a:gs pos="40000">
+              <a:schemeClr val="phClr">
+                <a:tint val="45000"/>
+                <a:shade val="99000"/>
+                <a:satMod val="350000"/>
+              </a:schemeClr>
+            </a:gs>
+            <a:gs pos="100000">
+              <a:schemeClr val="phClr">
+                <a:shade val="20000"/>
+                <a:satMod val="255000"/>
+              </a:schemeClr>
+            </a:gs>
+          </a:gsLst>
+          <a:path path="circle">
+            <a:fillToRect l="50000" t="-80000" r="50000" b="180000"/>
+          </a:path>
+        </a:gradFill>
+        <a:gradFill rotWithShape="1">
+          <a:gsLst>
+            <a:gs pos="0">
+              <a:schemeClr val="phClr">
+                <a:tint val="80000"/>
+                <a:satMod val="300000"/>
+              </a:schemeClr>
+            </a:gs>
+            <a:gs pos="100000">
+              <a:schemeClr val="phClr">
+                <a:shade val="30000"/>
+                <a:satMod val="200000"/>
+              </a:schemeClr>
+            </a:gs>
+          </a:gsLst>
+          <a:path path="circle">
+            <a:fillToRect l="50000" t="50000" r="50000" b="50000"/>
+          </a:path>
+        </a:gradFill>
+      </a:bgFillStyleLst>
+    </a:fmtScheme>
+  </a:themeElements>
+  <a:objectDefaults/>
+  <a:extraClrSchemeLst/>
+</a:theme>
+</file>
+
+<file path=ppt/theme/theme2.xml><?xml version="1.0" encoding="utf-8"?>
+<a:theme xmlns:a="http://schemas.openxmlformats.org/drawingml/2006/main">
   <a:themeElements>
     <a:clrScheme name="Default">
       <a:dk1>
@@ -9029,284 +9589,234 @@
       </a:bgFillStyleLst>
     </a:fmtScheme>
   </a:themeElements>
+  <a:objectDefaults/>
+  <a:extraClrSchemeLst/>
 </a:theme>
 </file>
 
-<file path=ppt/theme/theme2.xml><?xml version="1.0" encoding="utf-8"?>
-<a:theme xmlns:a="http://schemas.openxmlformats.org/drawingml/2006/main" xmlns:r="http://schemas.openxmlformats.org/officeDocument/2006/relationships" name="Simple Light">
-  <a:themeElements>
-    <a:clrScheme name="Simple Light">
-      <a:dk1>
-        <a:srgbClr val="000000"/>
-      </a:dk1>
-      <a:lt1>
-        <a:srgbClr val="FFFFFF"/>
-      </a:lt1>
-      <a:dk2>
-        <a:srgbClr val="595959"/>
-      </a:dk2>
-      <a:lt2>
-        <a:srgbClr val="EEEEEE"/>
-      </a:lt2>
-      <a:accent1>
-        <a:srgbClr val="4285F4"/>
-      </a:accent1>
-      <a:accent2>
-        <a:srgbClr val="212121"/>
-      </a:accent2>
-      <a:accent3>
-        <a:srgbClr val="78909C"/>
-      </a:accent3>
-      <a:accent4>
-        <a:srgbClr val="FFAB40"/>
-      </a:accent4>
-      <a:accent5>
-        <a:srgbClr val="0097A7"/>
-      </a:accent5>
-      <a:accent6>
-        <a:srgbClr val="EEFF41"/>
-      </a:accent6>
-      <a:hlink>
-        <a:srgbClr val="0097A7"/>
-      </a:hlink>
-      <a:folHlink>
-        <a:srgbClr val="0097A7"/>
-      </a:folHlink>
-    </a:clrScheme>
-    <a:fontScheme name="Office">
-      <a:majorFont>
-        <a:latin typeface="Arial"/>
-        <a:ea typeface=""/>
-        <a:cs typeface=""/>
-        <a:font script="Jpan" typeface="ＭＳ Ｐゴシック"/>
-        <a:font script="Hang" typeface="맑은 고딕"/>
-        <a:font script="Hans" typeface="宋体"/>
-        <a:font script="Hant" typeface="新細明體"/>
-        <a:font script="Arab" typeface="Times New Roman"/>
-        <a:font script="Hebr" typeface="Times New Roman"/>
-        <a:font script="Thai" typeface="Angsana New"/>
-        <a:font script="Ethi" typeface="Nyala"/>
-        <a:font script="Beng" typeface="Vrinda"/>
-        <a:font script="Gujr" typeface="Shruti"/>
-        <a:font script="Khmr" typeface="MoolBoran"/>
-        <a:font script="Knda" typeface="Tunga"/>
-        <a:font script="Guru" typeface="Raavi"/>
-        <a:font script="Cans" typeface="Euphemia"/>
-        <a:font script="Cher" typeface="Plantagenet Cherokee"/>
-        <a:font script="Yiii" typeface="Microsoft Yi Baiti"/>
-        <a:font script="Tibt" typeface="Microsoft Himalaya"/>
-        <a:font script="Thaa" typeface="MV Boli"/>
-        <a:font script="Deva" typeface="Mangal"/>
-        <a:font script="Telu" typeface="Gautami"/>
-        <a:font script="Taml" typeface="Latha"/>
-        <a:font script="Syrc" typeface="Estrangelo Edessa"/>
-        <a:font script="Orya" typeface="Kalinga"/>
-        <a:font script="Mlym" typeface="Kartika"/>
-        <a:font script="Laoo" typeface="DokChampa"/>
-        <a:font script="Sinh" typeface="Iskoola Pota"/>
-        <a:font script="Mong" typeface="Mongolian Baiti"/>
-        <a:font script="Viet" typeface="Times New Roman"/>
-        <a:font script="Uigh" typeface="Microsoft Uighur"/>
-        <a:font script="Geor" typeface="Sylfaen"/>
-      </a:majorFont>
-      <a:minorFont>
-        <a:latin typeface="Arial"/>
-        <a:ea typeface=""/>
-        <a:cs typeface=""/>
-        <a:font script="Jpan" typeface="ＭＳ Ｐゴシック"/>
-        <a:font script="Hang" typeface="맑은 고딕"/>
-        <a:font script="Hans" typeface="宋体"/>
-        <a:font script="Hant" typeface="新細明體"/>
-        <a:font script="Arab" typeface="Arial"/>
-        <a:font script="Hebr" typeface="Arial"/>
-        <a:font script="Thai" typeface="Cordia New"/>
-        <a:font script="Ethi" typeface="Nyala"/>
-        <a:font script="Beng" typeface="Vrinda"/>
-        <a:font script="Gujr" typeface="Shruti"/>
-        <a:font script="Khmr" typeface="DaunPenh"/>
-        <a:font script="Knda" typeface="Tunga"/>
-        <a:font script="Guru" typeface="Raavi"/>
-        <a:font script="Cans" typeface="Euphemia"/>
-        <a:font script="Cher" typeface="Plantagenet Cherokee"/>
-        <a:font script="Yiii" typeface="Microsoft Yi Baiti"/>
-        <a:font script="Tibt" typeface="Microsoft Himalaya"/>
-        <a:font script="Thaa" typeface="MV Boli"/>
-        <a:font script="Deva" typeface="Mangal"/>
-        <a:font script="Telu" typeface="Gautami"/>
-        <a:font script="Taml" typeface="Latha"/>
-        <a:font script="Syrc" typeface="Estrangelo Edessa"/>
-        <a:font script="Orya" typeface="Kalinga"/>
-        <a:font script="Mlym" typeface="Kartika"/>
-        <a:font script="Laoo" typeface="DokChampa"/>
-        <a:font script="Sinh" typeface="Iskoola Pota"/>
-        <a:font script="Mong" typeface="Mongolian Baiti"/>
-        <a:font script="Viet" typeface="Arial"/>
-        <a:font script="Uigh" typeface="Microsoft Uighur"/>
-        <a:font script="Geor" typeface="Sylfaen"/>
-      </a:minorFont>
-    </a:fontScheme>
-    <a:fmtScheme name="Office">
-      <a:fillStyleLst>
-        <a:solidFill>
-          <a:schemeClr val="phClr"/>
-        </a:solidFill>
-        <a:gradFill rotWithShape="1">
-          <a:gsLst>
-            <a:gs pos="0">
-              <a:schemeClr val="phClr">
-                <a:tint val="50000"/>
-                <a:satMod val="300000"/>
-              </a:schemeClr>
-            </a:gs>
-            <a:gs pos="35000">
-              <a:schemeClr val="phClr">
-                <a:tint val="37000"/>
-                <a:satMod val="300000"/>
-              </a:schemeClr>
-            </a:gs>
-            <a:gs pos="100000">
-              <a:schemeClr val="phClr">
-                <a:tint val="15000"/>
-                <a:satMod val="350000"/>
-              </a:schemeClr>
-            </a:gs>
-          </a:gsLst>
-          <a:lin ang="16200000" scaled="1"/>
-        </a:gradFill>
-        <a:gradFill rotWithShape="1">
-          <a:gsLst>
-            <a:gs pos="0">
-              <a:schemeClr val="phClr">
-                <a:tint val="100000"/>
-                <a:shade val="100000"/>
-                <a:satMod val="130000"/>
-              </a:schemeClr>
-            </a:gs>
-            <a:gs pos="100000">
-              <a:schemeClr val="phClr">
-                <a:tint val="50000"/>
-                <a:shade val="100000"/>
-                <a:satMod val="350000"/>
-              </a:schemeClr>
-            </a:gs>
-          </a:gsLst>
-          <a:lin ang="16200000" scaled="0"/>
-        </a:gradFill>
-      </a:fillStyleLst>
-      <a:lnStyleLst>
-        <a:ln w="9525" cap="flat" cmpd="sng" algn="ctr">
-          <a:solidFill>
-            <a:schemeClr val="phClr">
-              <a:shade val="95000"/>
-              <a:satMod val="105000"/>
-            </a:schemeClr>
-          </a:solidFill>
-          <a:prstDash val="solid"/>
-        </a:ln>
-        <a:ln w="25400" cap="flat" cmpd="sng" algn="ctr">
-          <a:solidFill>
-            <a:schemeClr val="phClr"/>
-          </a:solidFill>
-          <a:prstDash val="solid"/>
-        </a:ln>
-        <a:ln w="38100" cap="flat" cmpd="sng" algn="ctr">
-          <a:solidFill>
-            <a:schemeClr val="phClr"/>
-          </a:solidFill>
-          <a:prstDash val="solid"/>
-        </a:ln>
-      </a:lnStyleLst>
-      <a:effectStyleLst>
-        <a:effectStyle>
-          <a:effectLst>
-            <a:outerShdw blurRad="40000" dist="20000" dir="5400000" rotWithShape="0">
-              <a:srgbClr val="000000">
-                <a:alpha val="38000"/>
-              </a:srgbClr>
-            </a:outerShdw>
-          </a:effectLst>
-        </a:effectStyle>
-        <a:effectStyle>
-          <a:effectLst>
-            <a:outerShdw blurRad="40000" dist="23000" dir="5400000" rotWithShape="0">
-              <a:srgbClr val="000000">
-                <a:alpha val="35000"/>
-              </a:srgbClr>
-            </a:outerShdw>
-          </a:effectLst>
-        </a:effectStyle>
-        <a:effectStyle>
-          <a:effectLst>
-            <a:outerShdw blurRad="40000" dist="23000" dir="5400000" rotWithShape="0">
-              <a:srgbClr val="000000">
-                <a:alpha val="35000"/>
-              </a:srgbClr>
-            </a:outerShdw>
-          </a:effectLst>
-          <a:scene3d>
-            <a:camera prst="orthographicFront">
-              <a:rot lat="0" lon="0" rev="0"/>
-            </a:camera>
-            <a:lightRig rig="threePt" dir="t">
-              <a:rot lat="0" lon="0" rev="1200000"/>
-            </a:lightRig>
-          </a:scene3d>
-          <a:sp3d>
-            <a:bevelT w="63500" h="25400"/>
-          </a:sp3d>
-        </a:effectStyle>
-      </a:effectStyleLst>
-      <a:bgFillStyleLst>
-        <a:solidFill>
-          <a:schemeClr val="phClr"/>
-        </a:solidFill>
-        <a:gradFill rotWithShape="1">
-          <a:gsLst>
-            <a:gs pos="0">
-              <a:schemeClr val="phClr">
-                <a:tint val="40000"/>
-                <a:satMod val="350000"/>
-              </a:schemeClr>
-            </a:gs>
-            <a:gs pos="40000">
-              <a:schemeClr val="phClr">
-                <a:tint val="45000"/>
-                <a:shade val="99000"/>
-                <a:satMod val="350000"/>
-              </a:schemeClr>
-            </a:gs>
-            <a:gs pos="100000">
-              <a:schemeClr val="phClr">
-                <a:shade val="20000"/>
-                <a:satMod val="255000"/>
-              </a:schemeClr>
-            </a:gs>
-          </a:gsLst>
-          <a:path path="circle">
-            <a:fillToRect l="50000" t="-80000" r="50000" b="180000"/>
-          </a:path>
-        </a:gradFill>
-        <a:gradFill rotWithShape="1">
-          <a:gsLst>
-            <a:gs pos="0">
-              <a:schemeClr val="phClr">
-                <a:tint val="80000"/>
-                <a:satMod val="300000"/>
-              </a:schemeClr>
-            </a:gs>
-            <a:gs pos="100000">
-              <a:schemeClr val="phClr">
-                <a:shade val="30000"/>
-                <a:satMod val="200000"/>
-              </a:schemeClr>
-            </a:gs>
-          </a:gsLst>
-          <a:path path="circle">
-            <a:fillToRect l="50000" t="50000" r="50000" b="50000"/>
-          </a:path>
-        </a:gradFill>
-      </a:bgFillStyleLst>
-    </a:fmtScheme>
-  </a:themeElements>
-</a:theme>
+<file path=customXml/item1.xml><?xml version="1.0" encoding="utf-8"?>
+<?mso-contentType ?>
+<FormTemplates xmlns="http://schemas.microsoft.com/sharepoint/v3/contenttype/forms">
+  <Display>DocumentLibraryForm</Display>
+  <Edit>DocumentLibraryForm</Edit>
+  <New>DocumentLibraryForm</New>
+</FormTemplates>
+</file>
+
+<file path=customXml/item2.xml><?xml version="1.0" encoding="utf-8"?>
+<ct:contentTypeSchema xmlns:ct="http://schemas.microsoft.com/office/2006/metadata/contentType" xmlns:ma="http://schemas.microsoft.com/office/2006/metadata/properties/metaAttributes" ct:_="" ma:_="" ma:contentTypeName="Document" ma:contentTypeID="0x010100FDB70468DEA8F144BFD63A437A5F9829" ma:contentTypeVersion="8" ma:contentTypeDescription="Create a new document." ma:contentTypeScope="" ma:versionID="e12ebd602195a9775d3d147692551035">
+  <xsd:schema xmlns:xsd="http://www.w3.org/2001/XMLSchema" xmlns:xs="http://www.w3.org/2001/XMLSchema" xmlns:p="http://schemas.microsoft.com/office/2006/metadata/properties" xmlns:ns3="c1edf34d-8528-4f66-9e31-dab7df6352f5" targetNamespace="http://schemas.microsoft.com/office/2006/metadata/properties" ma:root="true" ma:fieldsID="6b09b38f39930542536ca3c3d3feaa81" ns3:_="">
+    <xsd:import namespace="c1edf34d-8528-4f66-9e31-dab7df6352f5"/>
+    <xsd:element name="properties">
+      <xsd:complexType>
+        <xsd:sequence>
+          <xsd:element name="documentManagement">
+            <xsd:complexType>
+              <xsd:all>
+                <xsd:element ref="ns3:MediaServiceMetadata" minOccurs="0"/>
+                <xsd:element ref="ns3:MediaServiceFastMetadata" minOccurs="0"/>
+                <xsd:element ref="ns3:MediaLengthInSeconds" minOccurs="0"/>
+                <xsd:element ref="ns3:MediaServiceDateTaken" minOccurs="0"/>
+                <xsd:element ref="ns3:MediaServiceAutoTags" minOccurs="0"/>
+                <xsd:element ref="ns3:MediaServiceGenerationTime" minOccurs="0"/>
+                <xsd:element ref="ns3:MediaServiceEventHashCode" minOccurs="0"/>
+                <xsd:element ref="ns3:MediaServiceOCR" minOccurs="0"/>
+              </xsd:all>
+            </xsd:complexType>
+          </xsd:element>
+        </xsd:sequence>
+      </xsd:complexType>
+    </xsd:element>
+  </xsd:schema>
+  <xsd:schema xmlns:xsd="http://www.w3.org/2001/XMLSchema" xmlns:xs="http://www.w3.org/2001/XMLSchema" xmlns:dms="http://schemas.microsoft.com/office/2006/documentManagement/types" xmlns:pc="http://schemas.microsoft.com/office/infopath/2007/PartnerControls" targetNamespace="c1edf34d-8528-4f66-9e31-dab7df6352f5" elementFormDefault="qualified">
+    <xsd:import namespace="http://schemas.microsoft.com/office/2006/documentManagement/types"/>
+    <xsd:import namespace="http://schemas.microsoft.com/office/infopath/2007/PartnerControls"/>
+    <xsd:element name="MediaServiceMetadata" ma:index="8" nillable="true" ma:displayName="MediaServiceMetadata" ma:hidden="true" ma:internalName="MediaServiceMetadata" ma:readOnly="true">
+      <xsd:simpleType>
+        <xsd:restriction base="dms:Note"/>
+      </xsd:simpleType>
+    </xsd:element>
+    <xsd:element name="MediaServiceFastMetadata" ma:index="9" nillable="true" ma:displayName="MediaServiceFastMetadata" ma:hidden="true" ma:internalName="MediaServiceFastMetadata" ma:readOnly="true">
+      <xsd:simpleType>
+        <xsd:restriction base="dms:Note"/>
+      </xsd:simpleType>
+    </xsd:element>
+    <xsd:element name="MediaLengthInSeconds" ma:index="10" nillable="true" ma:displayName="MediaLengthInSeconds" ma:hidden="true" ma:internalName="MediaLengthInSeconds" ma:readOnly="true">
+      <xsd:simpleType>
+        <xsd:restriction base="dms:Unknown"/>
+      </xsd:simpleType>
+    </xsd:element>
+    <xsd:element name="MediaServiceDateTaken" ma:index="11" nillable="true" ma:displayName="MediaServiceDateTaken" ma:hidden="true" ma:internalName="MediaServiceDateTaken" ma:readOnly="true">
+      <xsd:simpleType>
+        <xsd:restriction base="dms:Text"/>
+      </xsd:simpleType>
+    </xsd:element>
+    <xsd:element name="MediaServiceAutoTags" ma:index="12" nillable="true" ma:displayName="Tags" ma:internalName="MediaServiceAutoTags" ma:readOnly="true">
+      <xsd:simpleType>
+        <xsd:restriction base="dms:Text"/>
+      </xsd:simpleType>
+    </xsd:element>
+    <xsd:element name="MediaServiceGenerationTime" ma:index="13" nillable="true" ma:displayName="MediaServiceGenerationTime" ma:hidden="true" ma:internalName="MediaServiceGenerationTime" ma:readOnly="true">
+      <xsd:simpleType>
+        <xsd:restriction base="dms:Text"/>
+      </xsd:simpleType>
+    </xsd:element>
+    <xsd:element name="MediaServiceEventHashCode" ma:index="14" nillable="true" ma:displayName="MediaServiceEventHashCode" ma:hidden="true" ma:internalName="MediaServiceEventHashCode" ma:readOnly="true">
+      <xsd:simpleType>
+        <xsd:restriction base="dms:Text"/>
+      </xsd:simpleType>
+    </xsd:element>
+    <xsd:element name="MediaServiceOCR" ma:index="15" nillable="true" ma:displayName="Extracted Text" ma:internalName="MediaServiceOCR" ma:readOnly="true">
+      <xsd:simpleType>
+        <xsd:restriction base="dms:Note">
+          <xsd:maxLength value="255"/>
+        </xsd:restriction>
+      </xsd:simpleType>
+    </xsd:element>
+  </xsd:schema>
+  <xsd:schema xmlns="http://schemas.openxmlformats.org/package/2006/metadata/core-properties" xmlns:xsd="http://www.w3.org/2001/XMLSchema" xmlns:xsi="http://www.w3.org/2001/XMLSchema-instance" xmlns:dc="http://purl.org/dc/elements/1.1/" xmlns:dcterms="http://purl.org/dc/terms/" xmlns:odoc="http://schemas.microsoft.com/internal/obd" targetNamespace="http://schemas.openxmlformats.org/package/2006/metadata/core-properties" elementFormDefault="qualified" attributeFormDefault="unqualified" blockDefault="#all">
+    <xsd:import namespace="http://purl.org/dc/elements/1.1/" schemaLocation="http://dublincore.org/schemas/xmls/qdc/2003/04/02/dc.xsd"/>
+    <xsd:import namespace="http://purl.org/dc/terms/" schemaLocation="http://dublincore.org/schemas/xmls/qdc/2003/04/02/dcterms.xsd"/>
+    <xsd:element name="coreProperties" type="CT_coreProperties"/>
+    <xsd:complexType name="CT_coreProperties">
+      <xsd:all>
+        <xsd:element ref="dc:creator" minOccurs="0" maxOccurs="1"/>
+        <xsd:element ref="dcterms:created" minOccurs="0" maxOccurs="1"/>
+        <xsd:element ref="dc:identifier" minOccurs="0" maxOccurs="1"/>
+        <xsd:element name="contentType" minOccurs="0" maxOccurs="1" type="xsd:string" ma:index="0" ma:displayName="Content Type"/>
+        <xsd:element ref="dc:title" minOccurs="0" maxOccurs="1" ma:index="4" ma:displayName="Title"/>
+        <xsd:element ref="dc:subject" minOccurs="0" maxOccurs="1"/>
+        <xsd:element ref="dc:description" minOccurs="0" maxOccurs="1"/>
+        <xsd:element name="keywords" minOccurs="0" maxOccurs="1" type="xsd:string"/>
+        <xsd:element ref="dc:language" minOccurs="0" maxOccurs="1"/>
+        <xsd:element name="category" minOccurs="0" maxOccurs="1" type="xsd:string"/>
+        <xsd:element name="version" minOccurs="0" maxOccurs="1" type="xsd:string"/>
+        <xsd:element name="revision" minOccurs="0" maxOccurs="1" type="xsd:string">
+          <xsd:annotation>
+            <xsd:documentation>
+                        This value indicates the number of saves or revisions. The application is responsible for updating this value after each revision.
+                    </xsd:documentation>
+          </xsd:annotation>
+        </xsd:element>
+        <xsd:element name="lastModifiedBy" minOccurs="0" maxOccurs="1" type="xsd:string"/>
+        <xsd:element ref="dcterms:modified" minOccurs="0" maxOccurs="1"/>
+        <xsd:element name="contentStatus" minOccurs="0" maxOccurs="1" type="xsd:string"/>
+      </xsd:all>
+    </xsd:complexType>
+  </xsd:schema>
+  <xs:schema xmlns:pc="http://schemas.microsoft.com/office/infopath/2007/PartnerControls" xmlns:xs="http://www.w3.org/2001/XMLSchema" targetNamespace="http://schemas.microsoft.com/office/infopath/2007/PartnerControls" elementFormDefault="qualified" attributeFormDefault="unqualified">
+    <xs:element name="Person">
+      <xs:complexType>
+        <xs:sequence>
+          <xs:element ref="pc:DisplayName" minOccurs="0"/>
+          <xs:element ref="pc:AccountId" minOccurs="0"/>
+          <xs:element ref="pc:AccountType" minOccurs="0"/>
+        </xs:sequence>
+      </xs:complexType>
+    </xs:element>
+    <xs:element name="DisplayName" type="xs:string"/>
+    <xs:element name="AccountId" type="xs:string"/>
+    <xs:element name="AccountType" type="xs:string"/>
+    <xs:element name="BDCAssociatedEntity">
+      <xs:complexType>
+        <xs:sequence>
+          <xs:element ref="pc:BDCEntity" minOccurs="0" maxOccurs="unbounded"/>
+        </xs:sequence>
+        <xs:attribute ref="pc:EntityNamespace"/>
+        <xs:attribute ref="pc:EntityName"/>
+        <xs:attribute ref="pc:SystemInstanceName"/>
+        <xs:attribute ref="pc:AssociationName"/>
+      </xs:complexType>
+    </xs:element>
+    <xs:attribute name="EntityNamespace" type="xs:string"/>
+    <xs:attribute name="EntityName" type="xs:string"/>
+    <xs:attribute name="SystemInstanceName" type="xs:string"/>
+    <xs:attribute name="AssociationName" type="xs:string"/>
+    <xs:element name="BDCEntity">
+      <xs:complexType>
+        <xs:sequence>
+          <xs:element ref="pc:EntityDisplayName" minOccurs="0"/>
+          <xs:element ref="pc:EntityInstanceReference" minOccurs="0"/>
+          <xs:element ref="pc:EntityId1" minOccurs="0"/>
+          <xs:element ref="pc:EntityId2" minOccurs="0"/>
+          <xs:element ref="pc:EntityId3" minOccurs="0"/>
+          <xs:element ref="pc:EntityId4" minOccurs="0"/>
+          <xs:element ref="pc:EntityId5" minOccurs="0"/>
+        </xs:sequence>
+      </xs:complexType>
+    </xs:element>
+    <xs:element name="EntityDisplayName" type="xs:string"/>
+    <xs:element name="EntityInstanceReference" type="xs:string"/>
+    <xs:element name="EntityId1" type="xs:string"/>
+    <xs:element name="EntityId2" type="xs:string"/>
+    <xs:element name="EntityId3" type="xs:string"/>
+    <xs:element name="EntityId4" type="xs:string"/>
+    <xs:element name="EntityId5" type="xs:string"/>
+    <xs:element name="Terms">
+      <xs:complexType>
+        <xs:sequence>
+          <xs:element ref="pc:TermInfo" minOccurs="0" maxOccurs="unbounded"/>
+        </xs:sequence>
+      </xs:complexType>
+    </xs:element>
+    <xs:element name="TermInfo">
+      <xs:complexType>
+        <xs:sequence>
+          <xs:element ref="pc:TermName" minOccurs="0"/>
+          <xs:element ref="pc:TermId" minOccurs="0"/>
+        </xs:sequence>
+      </xs:complexType>
+    </xs:element>
+    <xs:element name="TermName" type="xs:string"/>
+    <xs:element name="TermId" type="xs:string"/>
+  </xs:schema>
+</ct:contentTypeSchema>
+</file>
+
+<file path=customXml/item3.xml><?xml version="1.0" encoding="utf-8"?>
+<p:properties xmlns:p="http://schemas.microsoft.com/office/2006/metadata/properties" xmlns:xsi="http://www.w3.org/2001/XMLSchema-instance" xmlns:pc="http://schemas.microsoft.com/office/infopath/2007/PartnerControls">
+  <documentManagement/>
+</p:properties>
+</file>
+
+<file path=customXml/itemProps1.xml><?xml version="1.0" encoding="utf-8"?>
+<ds:datastoreItem xmlns:ds="http://schemas.openxmlformats.org/officeDocument/2006/customXml" ds:itemID="{3B0481C5-D898-41FA-9770-EB61785CE967}">
+  <ds:schemaRefs>
+    <ds:schemaRef ds:uri="http://schemas.microsoft.com/sharepoint/v3/contenttype/forms"/>
+  </ds:schemaRefs>
+</ds:datastoreItem>
+</file>
+
+<file path=customXml/itemProps2.xml><?xml version="1.0" encoding="utf-8"?>
+<ds:datastoreItem xmlns:ds="http://schemas.openxmlformats.org/officeDocument/2006/customXml" ds:itemID="{DACEA5E2-778F-4AD9-97FA-3F6B8E082592}">
+  <ds:schemaRefs>
+    <ds:schemaRef ds:uri="http://schemas.microsoft.com/office/2006/metadata/contentType"/>
+    <ds:schemaRef ds:uri="http://schemas.microsoft.com/office/2006/metadata/properties/metaAttributes"/>
+    <ds:schemaRef ds:uri="http://www.w3.org/2001/XMLSchema"/>
+    <ds:schemaRef ds:uri="http://schemas.microsoft.com/office/2006/metadata/properties"/>
+    <ds:schemaRef ds:uri="c1edf34d-8528-4f66-9e31-dab7df6352f5"/>
+    <ds:schemaRef ds:uri="http://schemas.microsoft.com/office/2006/documentManagement/types"/>
+    <ds:schemaRef ds:uri="http://schemas.microsoft.com/office/infopath/2007/PartnerControls"/>
+    <ds:schemaRef ds:uri="http://schemas.openxmlformats.org/package/2006/metadata/core-properties"/>
+    <ds:schemaRef ds:uri="http://purl.org/dc/elements/1.1/"/>
+    <ds:schemaRef ds:uri="http://purl.org/dc/terms/"/>
+    <ds:schemaRef ds:uri="http://schemas.microsoft.com/internal/obd"/>
+  </ds:schemaRefs>
+</ds:datastoreItem>
+</file>
+
+<file path=customXml/itemProps3.xml><?xml version="1.0" encoding="utf-8"?>
+<ds:datastoreItem xmlns:ds="http://schemas.openxmlformats.org/officeDocument/2006/customXml" ds:itemID="{8E3FF4B0-98BE-49DB-85FE-3DEF3820BCBE}">
+  <ds:schemaRefs>
+    <ds:schemaRef ds:uri="http://schemas.microsoft.com/office/2006/documentManagement/types"/>
+    <ds:schemaRef ds:uri="http://schemas.microsoft.com/office/infopath/2007/PartnerControls"/>
+    <ds:schemaRef ds:uri="http://schemas.microsoft.com/office/2006/metadata/properties"/>
+    <ds:schemaRef ds:uri="http://purl.org/dc/elements/1.1/"/>
+    <ds:schemaRef ds:uri="http://schemas.openxmlformats.org/package/2006/metadata/core-properties"/>
+    <ds:schemaRef ds:uri="http://purl.org/dc/dcmitype/"/>
+    <ds:schemaRef ds:uri="c1edf34d-8528-4f66-9e31-dab7df6352f5"/>
+    <ds:schemaRef ds:uri="http://www.w3.org/XML/1998/namespace"/>
+    <ds:schemaRef ds:uri="http://purl.org/dc/terms/"/>
+  </ds:schemaRefs>
+</ds:datastoreItem>
 </file>